--- a/Examples/Data/Charts/output.pptx
+++ b/Examples/Data/Charts/output.pptx
@@ -1,6 +1,6 @@
 
 <file path=ppt/presentation.xml><?xml version="1.0" encoding="utf-8"?>
-<!--Generated by Aspose.Slides for .NET 18.7-->
+<!--Generated by Aspose.Slides for .NET 19.5-->
 <p:presentation xmlns:r="http://schemas.openxmlformats.org/officeDocument/2006/relationships" xmlns:a="http://schemas.openxmlformats.org/drawingml/2006/main" xmlns:p="http://schemas.openxmlformats.org/presentationml/2006/main" saveSubsetFonts="1">
   <p:sldMasterIdLst>
     <p:sldMasterId id="2147483648" r:id="rId1"/>
@@ -114,7 +114,6 @@
 <file path=ppt/charts/chart1.xml><?xml version="1.0" encoding="utf-8"?>
 <c:chartSpace xmlns:a="http://schemas.openxmlformats.org/drawingml/2006/main" xmlns:r="http://schemas.openxmlformats.org/officeDocument/2006/relationships" xmlns:c="http://schemas.openxmlformats.org/drawingml/2006/chart">
   <c:date1904 val="0"/>
-  <c:lang val="ru-RU"/>
   <c:roundedCorners val="0"/>
   <mc:AlternateContent xmlns:mc="http://schemas.openxmlformats.org/markup-compatibility/2006">
     <mc:Choice xmlns:c14="http://schemas.microsoft.com/office/drawing/2007/8/2/chart" Requires="c14">
@@ -127,10 +126,7 @@
   <c:chart>
     <c:autoTitleDeleted val="1"/>
     <c:plotArea>
-      <c:barChart>
-        <c:barDir val="col"/>
-        <c:grouping val="clustered"/>
-        <c:varyColors val="0"/>
+      <c:stockChart>
         <c:ser>
           <c:idx val="0"/>
           <c:order val="0"/>
@@ -140,53 +136,51 @@
               <c:strCache>
                 <c:ptCount val="1"/>
                 <c:pt idx="0">
-                  <c:v>Series 1</c:v>
+                  <c:v>Open</c:v>
                 </c:pt>
               </c:strCache>
             </c:strRef>
           </c:tx>
-          <c:invertIfNegative val="1"/>
+          <c:spPr>
+            <a:ln>
+              <a:noFill/>
+            </a:ln>
+          </c:spPr>
           <c:cat>
             <c:strRef>
-              <c:f>Sheet1!$A$2:$A$5</c:f>
+              <c:f>Sheet1!$A$2:$A$4</c:f>
               <c:strCache>
-                <c:ptCount val="4"/>
+                <c:ptCount val="3"/>
                 <c:pt idx="0">
-                  <c:v>Category 1</c:v>
+                  <c:v>A</c:v>
                 </c:pt>
                 <c:pt idx="1">
-                  <c:v>Category 2</c:v>
+                  <c:v>B</c:v>
                 </c:pt>
                 <c:pt idx="2">
-                  <c:v>Category 3</c:v>
-                </c:pt>
-                <c:pt idx="3">
-                  <c:v>Category 4</c:v>
+                  <c:v>C</c:v>
                 </c:pt>
               </c:strCache>
             </c:strRef>
           </c:cat>
           <c:val>
             <c:numRef>
-              <c:f>Sheet1!$B$2:$B$5</c:f>
+              <c:f>Sheet1!$B$2:$B$4</c:f>
               <c:numCache>
-                <c:formatCode>General</c:formatCode>
-                <c:ptCount val="4"/>
+                <c:ptCount val="3"/>
                 <c:pt idx="0">
-                  <c:v>4.3</c:v>
+                  <c:v>72</c:v>
                 </c:pt>
                 <c:pt idx="1">
-                  <c:v>2.5</c:v>
+                  <c:v>25</c:v>
                 </c:pt>
                 <c:pt idx="2">
-                  <c:v>3.5</c:v>
-                </c:pt>
-                <c:pt idx="3">
-                  <c:v>4.5</c:v>
+                  <c:v>38</c:v>
                 </c:pt>
               </c:numCache>
             </c:numRef>
           </c:val>
+          <c:smooth val="0"/>
         </c:ser>
         <c:ser>
           <c:idx val="1"/>
@@ -197,53 +191,51 @@
               <c:strCache>
                 <c:ptCount val="1"/>
                 <c:pt idx="0">
-                  <c:v>Series 2</c:v>
+                  <c:v>High</c:v>
                 </c:pt>
               </c:strCache>
             </c:strRef>
           </c:tx>
-          <c:invertIfNegative val="1"/>
+          <c:spPr>
+            <a:ln>
+              <a:noFill/>
+            </a:ln>
+          </c:spPr>
           <c:cat>
             <c:strRef>
-              <c:f>Sheet1!$A$2:$A$5</c:f>
+              <c:f>Sheet1!$A$2:$A$4</c:f>
               <c:strCache>
-                <c:ptCount val="4"/>
+                <c:ptCount val="3"/>
                 <c:pt idx="0">
-                  <c:v>Category 1</c:v>
+                  <c:v>A</c:v>
                 </c:pt>
                 <c:pt idx="1">
-                  <c:v>Category 2</c:v>
+                  <c:v>B</c:v>
                 </c:pt>
                 <c:pt idx="2">
-                  <c:v>Category 3</c:v>
-                </c:pt>
-                <c:pt idx="3">
-                  <c:v>Category 4</c:v>
+                  <c:v>C</c:v>
                 </c:pt>
               </c:strCache>
             </c:strRef>
           </c:cat>
           <c:val>
             <c:numRef>
-              <c:f>Sheet1!$C$2:$C$5</c:f>
+              <c:f>Sheet1!$C$2:$C$4</c:f>
               <c:numCache>
-                <c:formatCode>General</c:formatCode>
-                <c:ptCount val="4"/>
+                <c:ptCount val="3"/>
                 <c:pt idx="0">
-                  <c:v>2.4</c:v>
+                  <c:v>172</c:v>
                 </c:pt>
                 <c:pt idx="1">
-                  <c:v>4.4</c:v>
+                  <c:v>57</c:v>
                 </c:pt>
                 <c:pt idx="2">
-                  <c:v>1.8</c:v>
-                </c:pt>
-                <c:pt idx="3">
-                  <c:v>2.8</c:v>
+                  <c:v>57</c:v>
                 </c:pt>
               </c:numCache>
             </c:numRef>
           </c:val>
+          <c:smooth val="0"/>
         </c:ser>
         <c:ser>
           <c:idx val="2"/>
@@ -254,53 +246,113 @@
               <c:strCache>
                 <c:ptCount val="1"/>
                 <c:pt idx="0">
-                  <c:v>Series 3</c:v>
+                  <c:v>Low</c:v>
                 </c:pt>
               </c:strCache>
             </c:strRef>
           </c:tx>
-          <c:invertIfNegative val="1"/>
+          <c:spPr>
+            <a:ln>
+              <a:noFill/>
+            </a:ln>
+          </c:spPr>
           <c:cat>
             <c:strRef>
-              <c:f>Sheet1!$A$2:$A$5</c:f>
+              <c:f>Sheet1!$A$2:$A$4</c:f>
               <c:strCache>
-                <c:ptCount val="4"/>
+                <c:ptCount val="3"/>
                 <c:pt idx="0">
-                  <c:v>Category 1</c:v>
+                  <c:v>A</c:v>
                 </c:pt>
                 <c:pt idx="1">
-                  <c:v>Category 2</c:v>
+                  <c:v>B</c:v>
                 </c:pt>
                 <c:pt idx="2">
-                  <c:v>Category 3</c:v>
-                </c:pt>
-                <c:pt idx="3">
-                  <c:v>Category 4</c:v>
+                  <c:v>C</c:v>
                 </c:pt>
               </c:strCache>
             </c:strRef>
           </c:cat>
           <c:val>
             <c:numRef>
-              <c:f>Sheet1!$D$2:$D$5</c:f>
+              <c:f>Sheet1!$D$2:$D$4</c:f>
               <c:numCache>
-                <c:formatCode>General</c:formatCode>
-                <c:ptCount val="4"/>
+                <c:ptCount val="3"/>
                 <c:pt idx="0">
-                  <c:v>2</c:v>
+                  <c:v>12</c:v>
                 </c:pt>
                 <c:pt idx="1">
-                  <c:v>2</c:v>
+                  <c:v>12</c:v>
                 </c:pt>
                 <c:pt idx="2">
-                  <c:v>3</c:v>
-                </c:pt>
-                <c:pt idx="3">
-                  <c:v>5</c:v>
+                  <c:v>13</c:v>
                 </c:pt>
               </c:numCache>
             </c:numRef>
           </c:val>
+          <c:smooth val="0"/>
+        </c:ser>
+        <c:ser>
+          <c:idx val="3"/>
+          <c:order val="3"/>
+          <c:tx>
+            <c:strRef>
+              <c:f>Sheet1!$E$1</c:f>
+              <c:strCache>
+                <c:ptCount val="1"/>
+                <c:pt idx="0">
+                  <c:v>Close</c:v>
+                </c:pt>
+              </c:strCache>
+            </c:strRef>
+          </c:tx>
+          <c:spPr>
+            <a:ln>
+              <a:noFill/>
+            </a:ln>
+          </c:spPr>
+          <c:marker>
+            <c:spPr>
+              <a:ln cap="flat">
+                <a:round/>
+              </a:ln>
+            </c:spPr>
+          </c:marker>
+          <c:cat>
+            <c:strRef>
+              <c:f>Sheet1!$A$2:$A$4</c:f>
+              <c:strCache>
+                <c:ptCount val="3"/>
+                <c:pt idx="0">
+                  <c:v>A</c:v>
+                </c:pt>
+                <c:pt idx="1">
+                  <c:v>B</c:v>
+                </c:pt>
+                <c:pt idx="2">
+                  <c:v>C</c:v>
+                </c:pt>
+              </c:strCache>
+            </c:strRef>
+          </c:cat>
+          <c:val>
+            <c:numRef>
+              <c:f>Sheet1!$E$2:$E$4</c:f>
+              <c:numCache>
+                <c:ptCount val="3"/>
+                <c:pt idx="0">
+                  <c:v>25</c:v>
+                </c:pt>
+                <c:pt idx="1">
+                  <c:v>38</c:v>
+                </c:pt>
+                <c:pt idx="2">
+                  <c:v>50</c:v>
+                </c:pt>
+              </c:numCache>
+            </c:numRef>
+          </c:val>
+          <c:smooth val="0"/>
         </c:ser>
         <c:dLbls>
           <c:showLegendKey val="0"/>
@@ -311,76 +363,69 @@
           <c:showBubbleSize val="0"/>
           <c:showLeaderLines val="0"/>
         </c:dLbls>
-        <c:gapWidth/>
-        <c:overlap/>
-        <c:axId val="67451136"/>
-        <c:axId val="66437120"/>
-      </c:barChart>
+        <c:hiLowLines>
+          <c:spPr>
+            <a:ln>
+              <a:solidFill>
+                <a:prstClr val="black"/>
+              </a:solidFill>
+            </a:ln>
+          </c:spPr>
+        </c:hiLowLines>
+        <c:upDownBars>
+          <c:gapWidth/>
+        </c:upDownBars>
+        <c:axId val="1361608610"/>
+        <c:axId val="1615889102"/>
+      </c:stockChart>
       <c:catAx>
-        <c:axId val="67451136"/>
+        <c:axId val="1361608610"/>
         <c:scaling>
           <c:orientation/>
         </c:scaling>
         <c:delete val="0"/>
         <c:axPos val="b"/>
+        <c:majorGridlines/>
+        <c:minorGridlines/>
+        <c:numFmt formatCode="General" sourceLinked="1"/>
         <c:majorTickMark val="out"/>
         <c:minorTickMark val="none"/>
-        <c:crossAx val="66437120"/>
+        <c:crossAx val="1615889102"/>
         <c:crosses val="autoZero"/>
         <c:auto val="0"/>
-        <c:lblAlgn val="ctr"/>
         <c:lblOffset/>
         <c:noMultiLvlLbl val="0"/>
       </c:catAx>
       <c:valAx>
-        <c:axId val="66437120"/>
+        <c:axId val="1615889102"/>
         <c:scaling>
           <c:orientation/>
-          <c:max val="10"/>
-          <c:min val="-5"/>
         </c:scaling>
         <c:delete val="0"/>
         <c:axPos val="l"/>
         <c:majorGridlines/>
+        <c:minorGridlines/>
         <c:numFmt formatCode="General" sourceLinked="1"/>
         <c:majorTickMark val="out"/>
         <c:minorTickMark val="none"/>
-        <c:crossAx val="67451136"/>
+        <c:crossAx val="1361608610"/>
         <c:crosses val="autoZero"/>
-        <c:crossBetween val="between"/>
       </c:valAx>
     </c:plotArea>
     <c:legend>
       <c:legendPos/>
       <c:overlay val="0"/>
-      <c:txPr>
-        <a:bodyPr/>
-        <a:p>
-          <a:pPr>
-            <a:defRPr sz="2000" smtId="4294967295"/>
-          </a:pPr>
-        </a:p>
-      </c:txPr>
     </c:legend>
     <c:plotVisOnly val="1"/>
     <c:dispBlanksAs/>
     <c:showDLblsOverMax val="1"/>
   </c:chart>
-  <c:txPr>
-    <a:bodyPr/>
-    <a:p>
-      <a:pPr>
-        <a:defRPr sz="1800" smtId="4294967295"/>
-      </a:pPr>
-      <a:endParaRPr lang="ru-RU"/>
-    </a:p>
-  </c:txPr>
   <c:externalData r:id="rId1"/>
 </c:chartSpace>
 </file>
 
 <file path=ppt/slideLayouts/slideLayout1.xml><?xml version="1.0" encoding="utf-8"?>
-<p:sldLayout xmlns:a="http://schemas.openxmlformats.org/drawingml/2006/main" xmlns:r="http://schemas.openxmlformats.org/officeDocument/2006/relationships" xmlns:p14="http://schemas.microsoft.com/office/powerpoint/2010/main" xmlns:p15="http://schemas.microsoft.com/office/powerpoint/2012/main" xmlns:p="http://schemas.openxmlformats.org/presentationml/2006/main" type="title" preserve="1">
+<p:sldLayout xmlns:a="http://schemas.openxmlformats.org/drawingml/2006/main" xmlns:r="http://schemas.openxmlformats.org/officeDocument/2006/relationships" xmlns:p14="http://schemas.microsoft.com/office/powerpoint/2010/main" xmlns:a14="http://schemas.microsoft.com/office/drawing/2010/main" xmlns:p15="http://schemas.microsoft.com/office/powerpoint/2012/main" xmlns:p159="http://schemas.microsoft.com/office/powerpoint/2015/09/main" xmlns:p="http://schemas.openxmlformats.org/presentationml/2006/main" type="title" preserve="1">
   <p:cSld name="Title Slide">
     <p:spTree>
       <p:nvGrpSpPr>
@@ -572,7 +617,7 @@
 </file>
 
 <file path=ppt/slideLayouts/slideLayout10.xml><?xml version="1.0" encoding="utf-8"?>
-<p:sldLayout xmlns:a="http://schemas.openxmlformats.org/drawingml/2006/main" xmlns:r="http://schemas.openxmlformats.org/officeDocument/2006/relationships" xmlns:p14="http://schemas.microsoft.com/office/powerpoint/2010/main" xmlns:p15="http://schemas.microsoft.com/office/powerpoint/2012/main" xmlns:p="http://schemas.openxmlformats.org/presentationml/2006/main" type="vertTx" preserve="1">
+<p:sldLayout xmlns:a="http://schemas.openxmlformats.org/drawingml/2006/main" xmlns:r="http://schemas.openxmlformats.org/officeDocument/2006/relationships" xmlns:p14="http://schemas.microsoft.com/office/powerpoint/2010/main" xmlns:a14="http://schemas.microsoft.com/office/drawing/2010/main" xmlns:p15="http://schemas.microsoft.com/office/powerpoint/2012/main" xmlns:p159="http://schemas.microsoft.com/office/powerpoint/2015/09/main" xmlns:p="http://schemas.openxmlformats.org/presentationml/2006/main" type="vertTx" preserve="1">
   <p:cSld name="Title and Vertical Text">
     <p:spTree>
       <p:nvGrpSpPr>
@@ -742,7 +787,7 @@
 </file>
 
 <file path=ppt/slideLayouts/slideLayout11.xml><?xml version="1.0" encoding="utf-8"?>
-<p:sldLayout xmlns:a="http://schemas.openxmlformats.org/drawingml/2006/main" xmlns:r="http://schemas.openxmlformats.org/officeDocument/2006/relationships" xmlns:p14="http://schemas.microsoft.com/office/powerpoint/2010/main" xmlns:p15="http://schemas.microsoft.com/office/powerpoint/2012/main" xmlns:p="http://schemas.openxmlformats.org/presentationml/2006/main" type="vertTitleAndTx" preserve="1">
+<p:sldLayout xmlns:a="http://schemas.openxmlformats.org/drawingml/2006/main" xmlns:r="http://schemas.openxmlformats.org/officeDocument/2006/relationships" xmlns:p14="http://schemas.microsoft.com/office/powerpoint/2010/main" xmlns:a14="http://schemas.microsoft.com/office/drawing/2010/main" xmlns:p15="http://schemas.microsoft.com/office/powerpoint/2012/main" xmlns:p159="http://schemas.microsoft.com/office/powerpoint/2015/09/main" xmlns:p="http://schemas.openxmlformats.org/presentationml/2006/main" type="vertTitleAndTx" preserve="1">
   <p:cSld name="Vertical Title and Text">
     <p:spTree>
       <p:nvGrpSpPr>
@@ -922,7 +967,7 @@
 </file>
 
 <file path=ppt/slideLayouts/slideLayout2.xml><?xml version="1.0" encoding="utf-8"?>
-<p:sldLayout xmlns:a="http://schemas.openxmlformats.org/drawingml/2006/main" xmlns:r="http://schemas.openxmlformats.org/officeDocument/2006/relationships" xmlns:p14="http://schemas.microsoft.com/office/powerpoint/2010/main" xmlns:p15="http://schemas.microsoft.com/office/powerpoint/2012/main" xmlns:p="http://schemas.openxmlformats.org/presentationml/2006/main" type="obj" preserve="1">
+<p:sldLayout xmlns:a="http://schemas.openxmlformats.org/drawingml/2006/main" xmlns:r="http://schemas.openxmlformats.org/officeDocument/2006/relationships" xmlns:p14="http://schemas.microsoft.com/office/powerpoint/2010/main" xmlns:a14="http://schemas.microsoft.com/office/drawing/2010/main" xmlns:p15="http://schemas.microsoft.com/office/powerpoint/2012/main" xmlns:p159="http://schemas.microsoft.com/office/powerpoint/2015/09/main" xmlns:p="http://schemas.openxmlformats.org/presentationml/2006/main" type="obj" preserve="1">
   <p:cSld name="Title and Content">
     <p:spTree>
       <p:nvGrpSpPr>
@@ -1092,7 +1137,7 @@
 </file>
 
 <file path=ppt/slideLayouts/slideLayout3.xml><?xml version="1.0" encoding="utf-8"?>
-<p:sldLayout xmlns:a="http://schemas.openxmlformats.org/drawingml/2006/main" xmlns:r="http://schemas.openxmlformats.org/officeDocument/2006/relationships" xmlns:p14="http://schemas.microsoft.com/office/powerpoint/2010/main" xmlns:p15="http://schemas.microsoft.com/office/powerpoint/2012/main" xmlns:p="http://schemas.openxmlformats.org/presentationml/2006/main" type="secHead" preserve="1">
+<p:sldLayout xmlns:a="http://schemas.openxmlformats.org/drawingml/2006/main" xmlns:r="http://schemas.openxmlformats.org/officeDocument/2006/relationships" xmlns:p14="http://schemas.microsoft.com/office/powerpoint/2010/main" xmlns:a14="http://schemas.microsoft.com/office/drawing/2010/main" xmlns:p15="http://schemas.microsoft.com/office/powerpoint/2012/main" xmlns:p159="http://schemas.microsoft.com/office/powerpoint/2015/09/main" xmlns:p="http://schemas.openxmlformats.org/presentationml/2006/main" type="secHead" preserve="1">
   <p:cSld name="Section Header">
     <p:spTree>
       <p:nvGrpSpPr>
@@ -1338,7 +1383,7 @@
 </file>
 
 <file path=ppt/slideLayouts/slideLayout4.xml><?xml version="1.0" encoding="utf-8"?>
-<p:sldLayout xmlns:a="http://schemas.openxmlformats.org/drawingml/2006/main" xmlns:r="http://schemas.openxmlformats.org/officeDocument/2006/relationships" xmlns:p14="http://schemas.microsoft.com/office/powerpoint/2010/main" xmlns:p15="http://schemas.microsoft.com/office/powerpoint/2012/main" xmlns:p="http://schemas.openxmlformats.org/presentationml/2006/main" type="twoObj" preserve="1">
+<p:sldLayout xmlns:a="http://schemas.openxmlformats.org/drawingml/2006/main" xmlns:r="http://schemas.openxmlformats.org/officeDocument/2006/relationships" xmlns:p14="http://schemas.microsoft.com/office/powerpoint/2010/main" xmlns:a14="http://schemas.microsoft.com/office/drawing/2010/main" xmlns:p15="http://schemas.microsoft.com/office/powerpoint/2012/main" xmlns:p159="http://schemas.microsoft.com/office/powerpoint/2015/09/main" xmlns:p="http://schemas.openxmlformats.org/presentationml/2006/main" type="twoObj" preserve="1">
   <p:cSld name="Two Content">
     <p:spTree>
       <p:nvGrpSpPr>
@@ -1570,7 +1615,7 @@
 </file>
 
 <file path=ppt/slideLayouts/slideLayout5.xml><?xml version="1.0" encoding="utf-8"?>
-<p:sldLayout xmlns:a="http://schemas.openxmlformats.org/drawingml/2006/main" xmlns:r="http://schemas.openxmlformats.org/officeDocument/2006/relationships" xmlns:p14="http://schemas.microsoft.com/office/powerpoint/2010/main" xmlns:p15="http://schemas.microsoft.com/office/powerpoint/2012/main" xmlns:p="http://schemas.openxmlformats.org/presentationml/2006/main" type="twoTxTwoObj" preserve="1">
+<p:sldLayout xmlns:a="http://schemas.openxmlformats.org/drawingml/2006/main" xmlns:r="http://schemas.openxmlformats.org/officeDocument/2006/relationships" xmlns:p14="http://schemas.microsoft.com/office/powerpoint/2010/main" xmlns:a14="http://schemas.microsoft.com/office/drawing/2010/main" xmlns:p15="http://schemas.microsoft.com/office/powerpoint/2012/main" xmlns:p159="http://schemas.microsoft.com/office/powerpoint/2015/09/main" xmlns:p="http://schemas.openxmlformats.org/presentationml/2006/main" type="twoTxTwoObj" preserve="1">
   <p:cSld name="Comparison">
     <p:spTree>
       <p:nvGrpSpPr>
@@ -1937,7 +1982,7 @@
 </file>
 
 <file path=ppt/slideLayouts/slideLayout6.xml><?xml version="1.0" encoding="utf-8"?>
-<p:sldLayout xmlns:a="http://schemas.openxmlformats.org/drawingml/2006/main" xmlns:r="http://schemas.openxmlformats.org/officeDocument/2006/relationships" xmlns:p14="http://schemas.microsoft.com/office/powerpoint/2010/main" xmlns:p15="http://schemas.microsoft.com/office/powerpoint/2012/main" xmlns:p="http://schemas.openxmlformats.org/presentationml/2006/main" type="titleOnly" preserve="1">
+<p:sldLayout xmlns:a="http://schemas.openxmlformats.org/drawingml/2006/main" xmlns:r="http://schemas.openxmlformats.org/officeDocument/2006/relationships" xmlns:p14="http://schemas.microsoft.com/office/powerpoint/2010/main" xmlns:a14="http://schemas.microsoft.com/office/drawing/2010/main" xmlns:p15="http://schemas.microsoft.com/office/powerpoint/2012/main" xmlns:p159="http://schemas.microsoft.com/office/powerpoint/2015/09/main" xmlns:p="http://schemas.openxmlformats.org/presentationml/2006/main" type="titleOnly" preserve="1">
   <p:cSld name="Title Only">
     <p:spTree>
       <p:nvGrpSpPr>
@@ -2055,7 +2100,7 @@
 </file>
 
 <file path=ppt/slideLayouts/slideLayout7.xml><?xml version="1.0" encoding="utf-8"?>
-<p:sldLayout xmlns:a="http://schemas.openxmlformats.org/drawingml/2006/main" xmlns:r="http://schemas.openxmlformats.org/officeDocument/2006/relationships" xmlns:p14="http://schemas.microsoft.com/office/powerpoint/2010/main" xmlns:p15="http://schemas.microsoft.com/office/powerpoint/2012/main" xmlns:p="http://schemas.openxmlformats.org/presentationml/2006/main" type="blank" preserve="1">
+<p:sldLayout xmlns:a="http://schemas.openxmlformats.org/drawingml/2006/main" xmlns:r="http://schemas.openxmlformats.org/officeDocument/2006/relationships" xmlns:p14="http://schemas.microsoft.com/office/powerpoint/2010/main" xmlns:a14="http://schemas.microsoft.com/office/drawing/2010/main" xmlns:p15="http://schemas.microsoft.com/office/powerpoint/2012/main" xmlns:p159="http://schemas.microsoft.com/office/powerpoint/2015/09/main" xmlns:p="http://schemas.openxmlformats.org/presentationml/2006/main" type="blank" preserve="1">
   <p:cSld name="Blank">
     <p:spTree>
       <p:nvGrpSpPr>
@@ -2150,7 +2195,7 @@
 </file>
 
 <file path=ppt/slideLayouts/slideLayout8.xml><?xml version="1.0" encoding="utf-8"?>
-<p:sldLayout xmlns:a="http://schemas.openxmlformats.org/drawingml/2006/main" xmlns:r="http://schemas.openxmlformats.org/officeDocument/2006/relationships" xmlns:p14="http://schemas.microsoft.com/office/powerpoint/2010/main" xmlns:p15="http://schemas.microsoft.com/office/powerpoint/2012/main" xmlns:p="http://schemas.openxmlformats.org/presentationml/2006/main" type="objTx" preserve="1">
+<p:sldLayout xmlns:a="http://schemas.openxmlformats.org/drawingml/2006/main" xmlns:r="http://schemas.openxmlformats.org/officeDocument/2006/relationships" xmlns:p14="http://schemas.microsoft.com/office/powerpoint/2010/main" xmlns:a14="http://schemas.microsoft.com/office/drawing/2010/main" xmlns:p15="http://schemas.microsoft.com/office/powerpoint/2012/main" xmlns:p159="http://schemas.microsoft.com/office/powerpoint/2015/09/main" xmlns:p="http://schemas.openxmlformats.org/presentationml/2006/main" type="objTx" preserve="1">
   <p:cSld name="Content with Caption">
     <p:spTree>
       <p:nvGrpSpPr>
@@ -2427,7 +2472,7 @@
 </file>
 
 <file path=ppt/slideLayouts/slideLayout9.xml><?xml version="1.0" encoding="utf-8"?>
-<p:sldLayout xmlns:a="http://schemas.openxmlformats.org/drawingml/2006/main" xmlns:r="http://schemas.openxmlformats.org/officeDocument/2006/relationships" xmlns:p14="http://schemas.microsoft.com/office/powerpoint/2010/main" xmlns:p15="http://schemas.microsoft.com/office/powerpoint/2012/main" xmlns:p="http://schemas.openxmlformats.org/presentationml/2006/main" type="picTx" preserve="1">
+<p:sldLayout xmlns:a="http://schemas.openxmlformats.org/drawingml/2006/main" xmlns:r="http://schemas.openxmlformats.org/officeDocument/2006/relationships" xmlns:p14="http://schemas.microsoft.com/office/powerpoint/2010/main" xmlns:a14="http://schemas.microsoft.com/office/drawing/2010/main" xmlns:p15="http://schemas.microsoft.com/office/powerpoint/2012/main" xmlns:p159="http://schemas.microsoft.com/office/powerpoint/2015/09/main" xmlns:p="http://schemas.openxmlformats.org/presentationml/2006/main" type="picTx" preserve="1">
   <p:cSld name="Picture with Caption">
     <p:spTree>
       <p:nvGrpSpPr>
@@ -2680,7 +2725,7 @@
 </file>
 
 <file path=ppt/slideMasters/slideMaster1.xml><?xml version="1.0" encoding="utf-8"?>
-<p:sldMaster xmlns:a="http://schemas.openxmlformats.org/drawingml/2006/main" xmlns:r="http://schemas.openxmlformats.org/officeDocument/2006/relationships" xmlns:p14="http://schemas.microsoft.com/office/powerpoint/2010/main" xmlns:p15="http://schemas.microsoft.com/office/powerpoint/2012/main" xmlns:p="http://schemas.openxmlformats.org/presentationml/2006/main">
+<p:sldMaster xmlns:a="http://schemas.openxmlformats.org/drawingml/2006/main" xmlns:r="http://schemas.openxmlformats.org/officeDocument/2006/relationships" xmlns:p14="http://schemas.microsoft.com/office/powerpoint/2010/main" xmlns:a14="http://schemas.microsoft.com/office/drawing/2010/main" xmlns:p15="http://schemas.microsoft.com/office/powerpoint/2012/main" xmlns:p159="http://schemas.microsoft.com/office/powerpoint/2015/09/main" xmlns:p="http://schemas.openxmlformats.org/presentationml/2006/main">
   <p:cSld>
     <p:bg>
       <p:bgRef idx="1001">
@@ -2964,7 +3009,7 @@
         <a:spcBef>
           <a:spcPts val="1000"/>
         </a:spcBef>
-        <a:buFont typeface="Arial" panose="020b0604020202020204" pitchFamily="34" charset="0"/>
+        <a:buFont typeface="Arial" pitchFamily="34" charset="0"/>
         <a:buChar char="•"/>
         <a:defRPr sz="2800" kern="1200">
           <a:solidFill>
@@ -2982,7 +3027,7 @@
         <a:spcBef>
           <a:spcPts val="500"/>
         </a:spcBef>
-        <a:buFont typeface="Arial" panose="020b0604020202020204" pitchFamily="34" charset="0"/>
+        <a:buFont typeface="Arial" pitchFamily="34" charset="0"/>
         <a:buChar char="•"/>
         <a:defRPr sz="2400" kern="1200">
           <a:solidFill>
@@ -3000,7 +3045,7 @@
         <a:spcBef>
           <a:spcPts val="500"/>
         </a:spcBef>
-        <a:buFont typeface="Arial" panose="020b0604020202020204" pitchFamily="34" charset="0"/>
+        <a:buFont typeface="Arial" pitchFamily="34" charset="0"/>
         <a:buChar char="•"/>
         <a:defRPr sz="2000" kern="1200">
           <a:solidFill>
@@ -3018,7 +3063,7 @@
         <a:spcBef>
           <a:spcPts val="500"/>
         </a:spcBef>
-        <a:buFont typeface="Arial" panose="020b0604020202020204" pitchFamily="34" charset="0"/>
+        <a:buFont typeface="Arial" pitchFamily="34" charset="0"/>
         <a:buChar char="•"/>
         <a:defRPr sz="1800" kern="1200">
           <a:solidFill>
@@ -3036,7 +3081,7 @@
         <a:spcBef>
           <a:spcPts val="500"/>
         </a:spcBef>
-        <a:buFont typeface="Arial" panose="020b0604020202020204" pitchFamily="34" charset="0"/>
+        <a:buFont typeface="Arial" pitchFamily="34" charset="0"/>
         <a:buChar char="•"/>
         <a:defRPr sz="1800" kern="1200">
           <a:solidFill>
@@ -3054,7 +3099,7 @@
         <a:spcBef>
           <a:spcPts val="500"/>
         </a:spcBef>
-        <a:buFont typeface="Arial" panose="020b0604020202020204" pitchFamily="34" charset="0"/>
+        <a:buFont typeface="Arial" pitchFamily="34" charset="0"/>
         <a:buChar char="•"/>
         <a:defRPr sz="1800" kern="1200">
           <a:solidFill>
@@ -3072,7 +3117,7 @@
         <a:spcBef>
           <a:spcPts val="500"/>
         </a:spcBef>
-        <a:buFont typeface="Arial" panose="020b0604020202020204" pitchFamily="34" charset="0"/>
+        <a:buFont typeface="Arial" pitchFamily="34" charset="0"/>
         <a:buChar char="•"/>
         <a:defRPr sz="1800" kern="1200">
           <a:solidFill>
@@ -3090,7 +3135,7 @@
         <a:spcBef>
           <a:spcPts val="500"/>
         </a:spcBef>
-        <a:buFont typeface="Arial" panose="020b0604020202020204" pitchFamily="34" charset="0"/>
+        <a:buFont typeface="Arial" pitchFamily="34" charset="0"/>
         <a:buChar char="•"/>
         <a:defRPr sz="1800" kern="1200">
           <a:solidFill>
@@ -3108,7 +3153,7 @@
         <a:spcBef>
           <a:spcPts val="500"/>
         </a:spcBef>
-        <a:buFont typeface="Arial" panose="020b0604020202020204" pitchFamily="34" charset="0"/>
+        <a:buFont typeface="Arial" pitchFamily="34" charset="0"/>
         <a:buChar char="•"/>
         <a:defRPr sz="1800" kern="1200">
           <a:solidFill>
@@ -3220,7 +3265,7 @@
 </file>
 
 <file path=ppt/slides/slide1.xml><?xml version="1.0" encoding="utf-8"?>
-<p:sld xmlns:a="http://schemas.openxmlformats.org/drawingml/2006/main" xmlns:r="http://schemas.openxmlformats.org/officeDocument/2006/relationships" xmlns:p14="http://schemas.microsoft.com/office/powerpoint/2010/main" xmlns:p15="http://schemas.microsoft.com/office/powerpoint/2012/main" xmlns:p="http://schemas.openxmlformats.org/presentationml/2006/main">
+<p:sld xmlns:a="http://schemas.openxmlformats.org/drawingml/2006/main" xmlns:r="http://schemas.openxmlformats.org/officeDocument/2006/relationships" xmlns:p14="http://schemas.microsoft.com/office/powerpoint/2010/main" xmlns:a14="http://schemas.microsoft.com/office/drawing/2010/main" xmlns:p15="http://schemas.microsoft.com/office/powerpoint/2012/main" xmlns:p159="http://schemas.microsoft.com/office/powerpoint/2015/09/main" xmlns:p="http://schemas.openxmlformats.org/presentationml/2006/main">
   <p:cSld>
     <p:spTree>
       <p:nvGrpSpPr>
@@ -3348,13 +3393,13 @@
           <a:p>
             <a:pPr algn="ctr"/>
             <a:r>
-              <a:t>Created with Aspose.Slides for .NET 4.0 Client Profile 18.7.</a:t>
+              <a:t>Created with Aspose.Slides for .NET 4.0 Client Profile 19.5.</a:t>
             </a:r>
           </a:p>
           <a:p>
             <a:pPr algn="ctr"/>
             <a:r>
-              <a:t>Copyright 2004-2018Aspose Pty Ltd.</a:t>
+              <a:t>Copyright 2004-2019Aspose Pty Ltd.</a:t>
             </a:r>
           </a:p>
         </p:txBody>
@@ -3378,9 +3423,9 @@
 <p:tagLst xmlns:p="http://schemas.openxmlformats.org/presentationml/2006/main">
   <p:tag name="AS_NET" val="4.0.30319.42000"/>
   <p:tag name="AS_OS" val="Microsoft Windows NT 6.2.9200.0"/>
-  <p:tag name="AS_RELEASE_DATE" val="2018.07.12"/>
+  <p:tag name="AS_RELEASE_DATE" val="2019.05.17"/>
   <p:tag name="AS_TITLE" val="Aspose.Slides for .NET 4.0 Client Profile"/>
-  <p:tag name="AS_VERSION" val="18.7"/>
+  <p:tag name="AS_VERSION" val="19.5"/>
 </p:tagLst>
 </file>
 

--- a/Examples/Data/Charts/output.pptx
+++ b/Examples/Data/Charts/output.pptx
@@ -1,14 +1,14 @@
 
 <file path=ppt/presentation.xml><?xml version="1.0" encoding="utf-8"?>
-<!--Generated by Aspose.Slides for .NET 19.5-->
+<!--Generated by Aspose.Slides for .NET 19.6-->
 <p:presentation xmlns:r="http://schemas.openxmlformats.org/officeDocument/2006/relationships" xmlns:a="http://schemas.openxmlformats.org/drawingml/2006/main" xmlns:p="http://schemas.openxmlformats.org/presentationml/2006/main" saveSubsetFonts="1">
   <p:sldMasterIdLst>
     <p:sldMasterId id="2147483648" r:id="rId1"/>
   </p:sldMasterIdLst>
   <p:sldIdLst>
-    <p:sldId id="257" r:id="rId2"/>
+    <p:sldId id="256" r:id="rId2"/>
   </p:sldIdLst>
-  <p:sldSz cx="12192000" cy="6858000"/>
+  <p:sldSz cx="9144000" cy="6858000" type="screen4x3"/>
   <p:notesSz cx="6858000" cy="9144000"/>
   <p:custDataLst>
     <p:tags r:id="rId3"/>
@@ -114,6 +114,275 @@
 <file path=ppt/charts/chart1.xml><?xml version="1.0" encoding="utf-8"?>
 <c:chartSpace xmlns:a="http://schemas.openxmlformats.org/drawingml/2006/main" xmlns:r="http://schemas.openxmlformats.org/officeDocument/2006/relationships" xmlns:c="http://schemas.openxmlformats.org/drawingml/2006/chart">
   <c:date1904 val="0"/>
+  <c:lang val="ru-RU"/>
+  <c:roundedCorners val="0"/>
+  <mc:AlternateContent xmlns:mc="http://schemas.openxmlformats.org/markup-compatibility/2006">
+    <mc:Choice xmlns:c14="http://schemas.microsoft.com/office/drawing/2007/8/2/chart" Requires="c14">
+      <c14:style val="102"/>
+    </mc:Choice>
+    <mc:Fallback>
+      <c:style val="2"/>
+    </mc:Fallback>
+  </mc:AlternateContent>
+  <c:chart>
+    <c:autoTitleDeleted val="1"/>
+    <c:plotArea>
+      <c:barChart>
+        <c:barDir val="col"/>
+        <c:grouping val="clustered"/>
+        <c:varyColors val="0"/>
+        <c:ser>
+          <c:idx val="0"/>
+          <c:order val="0"/>
+          <c:tx>
+            <c:strRef>
+              <c:f>Sheet1!$B$1</c:f>
+              <c:strCache>
+                <c:ptCount val="1"/>
+                <c:pt idx="0">
+                  <c:v>Series 1</c:v>
+                </c:pt>
+              </c:strCache>
+            </c:strRef>
+          </c:tx>
+          <c:invertIfNegative val="1"/>
+          <c:cat>
+            <c:strRef>
+              <c:f>Sheet1!$A$2:$A$5</c:f>
+              <c:strCache>
+                <c:ptCount val="4"/>
+                <c:pt idx="0">
+                  <c:v>Category 1</c:v>
+                </c:pt>
+                <c:pt idx="1">
+                  <c:v>Category 2</c:v>
+                </c:pt>
+                <c:pt idx="2">
+                  <c:v>Category 3</c:v>
+                </c:pt>
+                <c:pt idx="3">
+                  <c:v>Category 4</c:v>
+                </c:pt>
+              </c:strCache>
+            </c:strRef>
+          </c:cat>
+          <c:val>
+            <c:numRef>
+              <c:f>Sheet1!$B$2:$B$5</c:f>
+              <c:numCache>
+                <c:formatCode>General</c:formatCode>
+                <c:ptCount val="4"/>
+                <c:pt idx="0">
+                  <c:v>4.3</c:v>
+                </c:pt>
+                <c:pt idx="1">
+                  <c:v>2.5</c:v>
+                </c:pt>
+                <c:pt idx="2">
+                  <c:v>3.5</c:v>
+                </c:pt>
+                <c:pt idx="3">
+                  <c:v>4.5</c:v>
+                </c:pt>
+              </c:numCache>
+            </c:numRef>
+          </c:val>
+        </c:ser>
+        <c:ser>
+          <c:idx val="1"/>
+          <c:order val="1"/>
+          <c:tx>
+            <c:strRef>
+              <c:f>Sheet1!$C$1</c:f>
+              <c:strCache>
+                <c:ptCount val="1"/>
+                <c:pt idx="0">
+                  <c:v>Series 2</c:v>
+                </c:pt>
+              </c:strCache>
+            </c:strRef>
+          </c:tx>
+          <c:invertIfNegative val="1"/>
+          <c:cat>
+            <c:strRef>
+              <c:f>Sheet1!$A$2:$A$5</c:f>
+              <c:strCache>
+                <c:ptCount val="4"/>
+                <c:pt idx="0">
+                  <c:v>Category 1</c:v>
+                </c:pt>
+                <c:pt idx="1">
+                  <c:v>Category 2</c:v>
+                </c:pt>
+                <c:pt idx="2">
+                  <c:v>Category 3</c:v>
+                </c:pt>
+                <c:pt idx="3">
+                  <c:v>Category 4</c:v>
+                </c:pt>
+              </c:strCache>
+            </c:strRef>
+          </c:cat>
+          <c:val>
+            <c:numRef>
+              <c:f>Sheet1!$C$2:$C$5</c:f>
+              <c:numCache>
+                <c:formatCode>General</c:formatCode>
+                <c:ptCount val="4"/>
+                <c:pt idx="0">
+                  <c:v>2.4</c:v>
+                </c:pt>
+                <c:pt idx="1">
+                  <c:v>4.4</c:v>
+                </c:pt>
+                <c:pt idx="2">
+                  <c:v>1.8</c:v>
+                </c:pt>
+                <c:pt idx="3">
+                  <c:v>2.8</c:v>
+                </c:pt>
+              </c:numCache>
+            </c:numRef>
+          </c:val>
+        </c:ser>
+        <c:ser>
+          <c:idx val="2"/>
+          <c:order val="2"/>
+          <c:tx>
+            <c:strRef>
+              <c:f>Sheet1!$D$1</c:f>
+              <c:strCache>
+                <c:ptCount val="1"/>
+                <c:pt idx="0">
+                  <c:v>Series 3</c:v>
+                </c:pt>
+              </c:strCache>
+            </c:strRef>
+          </c:tx>
+          <c:invertIfNegative val="1"/>
+          <c:cat>
+            <c:strRef>
+              <c:f>Sheet1!$A$2:$A$5</c:f>
+              <c:strCache>
+                <c:ptCount val="4"/>
+                <c:pt idx="0">
+                  <c:v>Category 1</c:v>
+                </c:pt>
+                <c:pt idx="1">
+                  <c:v>Category 2</c:v>
+                </c:pt>
+                <c:pt idx="2">
+                  <c:v>Category 3</c:v>
+                </c:pt>
+                <c:pt idx="3">
+                  <c:v>Category 4</c:v>
+                </c:pt>
+              </c:strCache>
+            </c:strRef>
+          </c:cat>
+          <c:val>
+            <c:numRef>
+              <c:f>Sheet1!$D$2:$D$5</c:f>
+              <c:numCache>
+                <c:formatCode>General</c:formatCode>
+                <c:ptCount val="4"/>
+                <c:pt idx="0">
+                  <c:v>2</c:v>
+                </c:pt>
+                <c:pt idx="1">
+                  <c:v>2</c:v>
+                </c:pt>
+                <c:pt idx="2">
+                  <c:v>3</c:v>
+                </c:pt>
+                <c:pt idx="3">
+                  <c:v>5</c:v>
+                </c:pt>
+              </c:numCache>
+            </c:numRef>
+          </c:val>
+        </c:ser>
+        <c:dLbls>
+          <c:showLegendKey val="0"/>
+          <c:showVal val="0"/>
+          <c:showCatName val="0"/>
+          <c:showSerName val="0"/>
+          <c:showPercent val="0"/>
+          <c:showBubbleSize val="0"/>
+          <c:showLeaderLines val="0"/>
+        </c:dLbls>
+        <c:gapWidth/>
+        <c:overlap/>
+        <c:axId val="67451136"/>
+        <c:axId val="66437120"/>
+      </c:barChart>
+      <c:catAx>
+        <c:axId val="67451136"/>
+        <c:scaling>
+          <c:orientation/>
+        </c:scaling>
+        <c:delete val="0"/>
+        <c:axPos val="b"/>
+        <c:majorTickMark val="out"/>
+        <c:minorTickMark val="none"/>
+        <c:crossAx val="66437120"/>
+        <c:crosses val="autoZero"/>
+        <c:auto val="0"/>
+        <c:lblAlgn val="ctr"/>
+        <c:lblOffset/>
+        <c:noMultiLvlLbl val="0"/>
+      </c:catAx>
+      <c:valAx>
+        <c:axId val="66437120"/>
+        <c:scaling>
+          <c:orientation/>
+        </c:scaling>
+        <c:delete val="0"/>
+        <c:axPos val="l"/>
+        <c:majorGridlines/>
+        <c:title>
+          <c:overlay val="1"/>
+          <c:txPr>
+            <a:bodyPr rot="5400000"/>
+            <a:p>
+              <a:pPr>
+                <a:defRPr/>
+              </a:pPr>
+            </a:p>
+          </c:txPr>
+        </c:title>
+        <c:numFmt formatCode="General" sourceLinked="1"/>
+        <c:majorTickMark val="out"/>
+        <c:minorTickMark val="none"/>
+        <c:crossAx val="67451136"/>
+        <c:crosses val="autoZero"/>
+        <c:crossBetween val="between"/>
+      </c:valAx>
+    </c:plotArea>
+    <c:legend>
+      <c:legendPos/>
+      <c:overlay val="0"/>
+    </c:legend>
+    <c:plotVisOnly val="1"/>
+    <c:dispBlanksAs/>
+    <c:showDLblsOverMax val="1"/>
+  </c:chart>
+  <c:txPr>
+    <a:bodyPr/>
+    <a:p>
+      <a:pPr>
+        <a:defRPr sz="1800" smtId="4294967295"/>
+      </a:pPr>
+      <a:endParaRPr sz="1800" smtId="4294967295"/>
+    </a:p>
+  </c:txPr>
+  <c:externalData r:id="rId1"/>
+</c:chartSpace>
+</file>
+
+<file path=ppt/charts/chart2.xml><?xml version="1.0" encoding="utf-8"?>
+<c:chartSpace xmlns:a="http://schemas.openxmlformats.org/drawingml/2006/main" xmlns:r="http://schemas.openxmlformats.org/officeDocument/2006/relationships" xmlns:c="http://schemas.openxmlformats.org/drawingml/2006/chart">
+  <c:date1904 val="0"/>
   <c:roundedCorners val="0"/>
   <mc:AlternateContent xmlns:mc="http://schemas.openxmlformats.org/markup-compatibility/2006">
     <mc:Choice xmlns:c14="http://schemas.microsoft.com/office/drawing/2007/8/2/chart" Requires="c14">
@@ -375,11 +644,11 @@
         <c:upDownBars>
           <c:gapWidth/>
         </c:upDownBars>
-        <c:axId val="1361608610"/>
-        <c:axId val="1615889102"/>
+        <c:axId val="69529759"/>
+        <c:axId val="1865715220"/>
       </c:stockChart>
       <c:catAx>
-        <c:axId val="1361608610"/>
+        <c:axId val="69529759"/>
         <c:scaling>
           <c:orientation/>
         </c:scaling>
@@ -390,14 +659,14 @@
         <c:numFmt formatCode="General" sourceLinked="1"/>
         <c:majorTickMark val="out"/>
         <c:minorTickMark val="none"/>
-        <c:crossAx val="1615889102"/>
+        <c:crossAx val="1865715220"/>
         <c:crosses val="autoZero"/>
         <c:auto val="0"/>
         <c:lblOffset/>
         <c:noMultiLvlLbl val="0"/>
       </c:catAx>
       <c:valAx>
-        <c:axId val="1615889102"/>
+        <c:axId val="1865715220"/>
         <c:scaling>
           <c:orientation/>
         </c:scaling>
@@ -408,7 +677,7 @@
         <c:numFmt formatCode="General" sourceLinked="1"/>
         <c:majorTickMark val="out"/>
         <c:minorTickMark val="none"/>
-        <c:crossAx val="1361608610"/>
+        <c:crossAx val="69529759"/>
         <c:crosses val="autoZero"/>
       </c:valAx>
     </c:plotArea>
@@ -449,25 +718,16 @@
             <p:ph type="ctrTitle"/>
           </p:nvPr>
         </p:nvSpPr>
-        <p:spPr>
-          <a:xfrm>
-            <a:off x="1524000" y="1122363"/>
-            <a:ext cx="9144000" cy="2387600"/>
-          </a:xfrm>
-        </p:spPr>
-        <p:txBody>
-          <a:bodyPr anchor="b"/>
-          <a:lstStyle>
-            <a:lvl1pPr algn="ctr">
-              <a:defRPr sz="6000"/>
-            </a:lvl1pPr>
-          </a:lstStyle>
+        <p:spPr/>
+        <p:txBody>
+          <a:bodyPr/>
+          <a:lstStyle/>
           <a:p>
             <a:r>
               <a:rPr lang="en-US" smtClean="0"/>
               <a:t>Click to edit Master title style</a:t>
             </a:r>
-            <a:endParaRPr lang="en-GB"/>
+            <a:endParaRPr lang="en-US"/>
           </a:p>
         </p:txBody>
       </p:sp>
@@ -481,50 +741,99 @@
             <p:ph type="subTitle" idx="1"/>
           </p:nvPr>
         </p:nvSpPr>
-        <p:spPr>
-          <a:xfrm>
-            <a:off x="1524000" y="3602038"/>
-            <a:ext cx="9144000" cy="1655762"/>
-          </a:xfrm>
-        </p:spPr>
+        <p:spPr/>
         <p:txBody>
           <a:bodyPr/>
           <a:lstStyle>
             <a:lvl1pPr marL="0" indent="0" algn="ctr">
               <a:buNone/>
-              <a:defRPr sz="2400"/>
+              <a:defRPr>
+                <a:solidFill>
+                  <a:schemeClr val="tx1">
+                    <a:tint val="75000"/>
+                  </a:schemeClr>
+                </a:solidFill>
+              </a:defRPr>
             </a:lvl1pPr>
             <a:lvl2pPr marL="457200" indent="0" algn="ctr">
               <a:buNone/>
-              <a:defRPr sz="2000"/>
+              <a:defRPr>
+                <a:solidFill>
+                  <a:schemeClr val="tx1">
+                    <a:tint val="75000"/>
+                  </a:schemeClr>
+                </a:solidFill>
+              </a:defRPr>
             </a:lvl2pPr>
             <a:lvl3pPr marL="914400" indent="0" algn="ctr">
               <a:buNone/>
-              <a:defRPr sz="1800"/>
+              <a:defRPr>
+                <a:solidFill>
+                  <a:schemeClr val="tx1">
+                    <a:tint val="75000"/>
+                  </a:schemeClr>
+                </a:solidFill>
+              </a:defRPr>
             </a:lvl3pPr>
             <a:lvl4pPr marL="1371600" indent="0" algn="ctr">
               <a:buNone/>
-              <a:defRPr sz="1600"/>
+              <a:defRPr>
+                <a:solidFill>
+                  <a:schemeClr val="tx1">
+                    <a:tint val="75000"/>
+                  </a:schemeClr>
+                </a:solidFill>
+              </a:defRPr>
             </a:lvl4pPr>
             <a:lvl5pPr marL="1828800" indent="0" algn="ctr">
               <a:buNone/>
-              <a:defRPr sz="1600"/>
+              <a:defRPr>
+                <a:solidFill>
+                  <a:schemeClr val="tx1">
+                    <a:tint val="75000"/>
+                  </a:schemeClr>
+                </a:solidFill>
+              </a:defRPr>
             </a:lvl5pPr>
             <a:lvl6pPr marL="2286000" indent="0" algn="ctr">
               <a:buNone/>
-              <a:defRPr sz="1600"/>
+              <a:defRPr>
+                <a:solidFill>
+                  <a:schemeClr val="tx1">
+                    <a:tint val="75000"/>
+                  </a:schemeClr>
+                </a:solidFill>
+              </a:defRPr>
             </a:lvl6pPr>
             <a:lvl7pPr marL="2743200" indent="0" algn="ctr">
               <a:buNone/>
-              <a:defRPr sz="1600"/>
+              <a:defRPr>
+                <a:solidFill>
+                  <a:schemeClr val="tx1">
+                    <a:tint val="75000"/>
+                  </a:schemeClr>
+                </a:solidFill>
+              </a:defRPr>
             </a:lvl7pPr>
             <a:lvl8pPr marL="3200400" indent="0" algn="ctr">
               <a:buNone/>
-              <a:defRPr sz="1600"/>
+              <a:defRPr>
+                <a:solidFill>
+                  <a:schemeClr val="tx1">
+                    <a:tint val="75000"/>
+                  </a:schemeClr>
+                </a:solidFill>
+              </a:defRPr>
             </a:lvl8pPr>
             <a:lvl9pPr marL="3657600" indent="0" algn="ctr">
               <a:buNone/>
-              <a:defRPr sz="1600"/>
+              <a:defRPr>
+                <a:solidFill>
+                  <a:schemeClr val="tx1">
+                    <a:tint val="75000"/>
+                  </a:schemeClr>
+                </a:solidFill>
+              </a:defRPr>
             </a:lvl9pPr>
           </a:lstStyle>
           <a:p>
@@ -532,7 +841,7 @@
               <a:rPr lang="en-US" smtClean="0"/>
               <a:t>Click to edit Master subtitle style</a:t>
             </a:r>
-            <a:endParaRPr lang="en-GB"/>
+            <a:endParaRPr lang="en-US"/>
           </a:p>
         </p:txBody>
       </p:sp>
@@ -543,19 +852,19 @@
             <a:spLocks noGrp="1"/>
           </p:cNvSpPr>
           <p:nvPr>
-            <p:ph type="dt" sz="half" idx="10"/>
-          </p:nvPr>
-        </p:nvSpPr>
-        <p:spPr/>
-        <p:txBody>
-          <a:bodyPr/>
-          <a:lstStyle/>
-          <a:p>
-            <a:fld id="{93E65311-B9FC-4DB5-9359-925C22807714}" type="datetimeFigureOut">
-              <a:rPr lang="en-GB" smtClean="0"/>
-              <a:t>04/05/2018</a:t>
+            <p:ph type="dt" sz="half" idx="2"/>
+          </p:nvPr>
+        </p:nvSpPr>
+        <p:spPr/>
+        <p:txBody>
+          <a:bodyPr/>
+          <a:lstStyle/>
+          <a:p>
+            <a:fld id="{22FBDA7B-9F90-4670-B0C7-A674A6CEA414}" type="datetimeFigureOut">
+              <a:rPr lang="en-US" smtClean="0"/>
+              <a:t>11/7/2009</a:t>
             </a:fld>
-            <a:endParaRPr lang="en-GB"/>
+            <a:endParaRPr lang="en-US"/>
           </a:p>
         </p:txBody>
       </p:sp>
@@ -566,15 +875,15 @@
             <a:spLocks noGrp="1"/>
           </p:cNvSpPr>
           <p:nvPr>
-            <p:ph type="ftr" sz="quarter" idx="11"/>
-          </p:nvPr>
-        </p:nvSpPr>
-        <p:spPr/>
-        <p:txBody>
-          <a:bodyPr/>
-          <a:lstStyle/>
-          <a:p>
-            <a:endParaRPr lang="en-GB"/>
+            <p:ph type="ftr" sz="quarter" idx="3"/>
+          </p:nvPr>
+        </p:nvSpPr>
+        <p:spPr/>
+        <p:txBody>
+          <a:bodyPr/>
+          <a:lstStyle/>
+          <a:p>
+            <a:endParaRPr lang="en-US"/>
           </a:p>
         </p:txBody>
       </p:sp>
@@ -585,28 +894,23 @@
             <a:spLocks noGrp="1"/>
           </p:cNvSpPr>
           <p:nvPr>
-            <p:ph type="sldNum" sz="quarter" idx="12"/>
-          </p:nvPr>
-        </p:nvSpPr>
-        <p:spPr/>
-        <p:txBody>
-          <a:bodyPr/>
-          <a:lstStyle/>
-          <a:p>
-            <a:fld id="{1B9711E9-D4E5-4710-8438-BA061E3B3551}" type="slidenum">
-              <a:rPr lang="en-GB" smtClean="0"/>
+            <p:ph type="sldNum" sz="quarter" idx="4"/>
+          </p:nvPr>
+        </p:nvSpPr>
+        <p:spPr/>
+        <p:txBody>
+          <a:bodyPr/>
+          <a:lstStyle/>
+          <a:p>
+            <a:fld id="{93AE1883-0942-4AA3-9DB2-9C7C3A0314B1}" type="slidenum">
+              <a:rPr lang="en-US" smtClean="0"/>
               <a:t>‹#›</a:t>
             </a:fld>
-            <a:endParaRPr lang="en-GB"/>
+            <a:endParaRPr lang="en-US"/>
           </a:p>
         </p:txBody>
       </p:sp>
     </p:spTree>
-    <p:extLst>
-      <p:ext uri="{BB962C8B-B14F-4D97-AF65-F5344CB8AC3E}">
-        <p14:creationId xmlns:p14="http://schemas.microsoft.com/office/powerpoint/2010/main" val="600491623"/>
-      </p:ext>
-    </p:extLst>
   </p:cSld>
   <p:clrMapOvr>
     <a:masterClrMapping/>
@@ -650,7 +954,7 @@
               <a:rPr lang="en-US" smtClean="0"/>
               <a:t>Click to edit Master title style</a:t>
             </a:r>
-            <a:endParaRPr lang="en-GB"/>
+            <a:endParaRPr lang="en-US"/>
           </a:p>
         </p:txBody>
       </p:sp>
@@ -669,10 +973,9 @@
           <a:bodyPr vert="eaVert"/>
           <a:lstStyle/>
           <a:p>
-            <a:pPr lvl="0"/>
-            <a:r>
-              <a:rPr lang="en-US" smtClean="0"/>
-              <a:t>Edit Master text styles</a:t>
+            <a:r>
+              <a:rPr lang="en-US" smtClean="0"/>
+              <a:t>Click to edit Master text styles</a:t>
             </a:r>
           </a:p>
           <a:p>
@@ -702,7 +1005,7 @@
               <a:rPr lang="en-US" smtClean="0"/>
               <a:t>Fifth level</a:t>
             </a:r>
-            <a:endParaRPr lang="en-GB"/>
+            <a:endParaRPr lang="en-US"/>
           </a:p>
         </p:txBody>
       </p:sp>
@@ -713,19 +1016,19 @@
             <a:spLocks noGrp="1"/>
           </p:cNvSpPr>
           <p:nvPr>
-            <p:ph type="dt" sz="half" idx="10"/>
-          </p:nvPr>
-        </p:nvSpPr>
-        <p:spPr/>
-        <p:txBody>
-          <a:bodyPr/>
-          <a:lstStyle/>
-          <a:p>
-            <a:fld id="{93E65311-B9FC-4DB5-9359-925C22807714}" type="datetimeFigureOut">
-              <a:rPr lang="en-GB" smtClean="0"/>
-              <a:t>04/05/2018</a:t>
+            <p:ph type="dt" sz="half" idx="2"/>
+          </p:nvPr>
+        </p:nvSpPr>
+        <p:spPr/>
+        <p:txBody>
+          <a:bodyPr/>
+          <a:lstStyle/>
+          <a:p>
+            <a:fld id="{E70F7ACE-F1C3-4297-9413-11C7475E52B4}" type="datetimeFigureOut">
+              <a:rPr lang="en-US" smtClean="0"/>
+              <a:t>11/7/2009</a:t>
             </a:fld>
-            <a:endParaRPr lang="en-GB"/>
+            <a:endParaRPr lang="en-US"/>
           </a:p>
         </p:txBody>
       </p:sp>
@@ -736,15 +1039,15 @@
             <a:spLocks noGrp="1"/>
           </p:cNvSpPr>
           <p:nvPr>
-            <p:ph type="ftr" sz="quarter" idx="11"/>
-          </p:nvPr>
-        </p:nvSpPr>
-        <p:spPr/>
-        <p:txBody>
-          <a:bodyPr/>
-          <a:lstStyle/>
-          <a:p>
-            <a:endParaRPr lang="en-GB"/>
+            <p:ph type="ftr" sz="quarter" idx="3"/>
+          </p:nvPr>
+        </p:nvSpPr>
+        <p:spPr/>
+        <p:txBody>
+          <a:bodyPr/>
+          <a:lstStyle/>
+          <a:p>
+            <a:endParaRPr lang="en-US"/>
           </a:p>
         </p:txBody>
       </p:sp>
@@ -755,28 +1058,23 @@
             <a:spLocks noGrp="1"/>
           </p:cNvSpPr>
           <p:nvPr>
-            <p:ph type="sldNum" sz="quarter" idx="12"/>
-          </p:nvPr>
-        </p:nvSpPr>
-        <p:spPr/>
-        <p:txBody>
-          <a:bodyPr/>
-          <a:lstStyle/>
-          <a:p>
-            <a:fld id="{1B9711E9-D4E5-4710-8438-BA061E3B3551}" type="slidenum">
-              <a:rPr lang="en-GB" smtClean="0"/>
+            <p:ph type="sldNum" sz="quarter" idx="4"/>
+          </p:nvPr>
+        </p:nvSpPr>
+        <p:spPr/>
+        <p:txBody>
+          <a:bodyPr/>
+          <a:lstStyle/>
+          <a:p>
+            <a:fld id="{93AE1883-0942-4AA3-9DB2-9C7C3A0314B1}" type="slidenum">
+              <a:rPr lang="en-US" smtClean="0"/>
               <a:t>‹#›</a:t>
             </a:fld>
-            <a:endParaRPr lang="en-GB"/>
+            <a:endParaRPr lang="en-US"/>
           </a:p>
         </p:txBody>
       </p:sp>
     </p:spTree>
-    <p:extLst>
-      <p:ext uri="{BB962C8B-B14F-4D97-AF65-F5344CB8AC3E}">
-        <p14:creationId xmlns:p14="http://schemas.microsoft.com/office/powerpoint/2010/main" val="3981627048"/>
-      </p:ext>
-    </p:extLst>
   </p:cSld>
   <p:clrMapOvr>
     <a:masterClrMapping/>
@@ -811,12 +1109,7 @@
             <p:ph type="title" orient="vert"/>
           </p:nvPr>
         </p:nvSpPr>
-        <p:spPr>
-          <a:xfrm>
-            <a:off x="8724900" y="365125"/>
-            <a:ext cx="2628900" cy="5811838"/>
-          </a:xfrm>
-        </p:spPr>
+        <p:spPr/>
         <p:txBody>
           <a:bodyPr vert="eaVert"/>
           <a:lstStyle/>
@@ -825,7 +1118,7 @@
               <a:rPr lang="en-US" smtClean="0"/>
               <a:t>Click to edit Master title style</a:t>
             </a:r>
-            <a:endParaRPr lang="en-GB"/>
+            <a:endParaRPr lang="en-US"/>
           </a:p>
         </p:txBody>
       </p:sp>
@@ -839,20 +1132,14 @@
             <p:ph type="body" orient="vert" idx="1"/>
           </p:nvPr>
         </p:nvSpPr>
-        <p:spPr>
-          <a:xfrm>
-            <a:off x="838200" y="365125"/>
-            <a:ext cx="7734300" cy="5811838"/>
-          </a:xfrm>
-        </p:spPr>
+        <p:spPr/>
         <p:txBody>
           <a:bodyPr vert="eaVert"/>
           <a:lstStyle/>
           <a:p>
-            <a:pPr lvl="0"/>
-            <a:r>
-              <a:rPr lang="en-US" smtClean="0"/>
-              <a:t>Edit Master text styles</a:t>
+            <a:r>
+              <a:rPr lang="en-US" smtClean="0"/>
+              <a:t>Click to edit Master text styles</a:t>
             </a:r>
           </a:p>
           <a:p>
@@ -882,7 +1169,7 @@
               <a:rPr lang="en-US" smtClean="0"/>
               <a:t>Fifth level</a:t>
             </a:r>
-            <a:endParaRPr lang="en-GB"/>
+            <a:endParaRPr lang="en-US"/>
           </a:p>
         </p:txBody>
       </p:sp>
@@ -893,19 +1180,19 @@
             <a:spLocks noGrp="1"/>
           </p:cNvSpPr>
           <p:nvPr>
-            <p:ph type="dt" sz="half" idx="10"/>
-          </p:nvPr>
-        </p:nvSpPr>
-        <p:spPr/>
-        <p:txBody>
-          <a:bodyPr/>
-          <a:lstStyle/>
-          <a:p>
-            <a:fld id="{93E65311-B9FC-4DB5-9359-925C22807714}" type="datetimeFigureOut">
-              <a:rPr lang="en-GB" smtClean="0"/>
-              <a:t>04/05/2018</a:t>
+            <p:ph type="dt" sz="half" idx="2"/>
+          </p:nvPr>
+        </p:nvSpPr>
+        <p:spPr/>
+        <p:txBody>
+          <a:bodyPr/>
+          <a:lstStyle/>
+          <a:p>
+            <a:fld id="{6E39384F-6045-4179-BB75-0E2CFC1F3E6A}" type="datetimeFigureOut">
+              <a:rPr lang="en-US" smtClean="0"/>
+              <a:t>11/7/2009</a:t>
             </a:fld>
-            <a:endParaRPr lang="en-GB"/>
+            <a:endParaRPr lang="en-US"/>
           </a:p>
         </p:txBody>
       </p:sp>
@@ -916,15 +1203,15 @@
             <a:spLocks noGrp="1"/>
           </p:cNvSpPr>
           <p:nvPr>
-            <p:ph type="ftr" sz="quarter" idx="11"/>
-          </p:nvPr>
-        </p:nvSpPr>
-        <p:spPr/>
-        <p:txBody>
-          <a:bodyPr/>
-          <a:lstStyle/>
-          <a:p>
-            <a:endParaRPr lang="en-GB"/>
+            <p:ph type="ftr" sz="quarter" idx="3"/>
+          </p:nvPr>
+        </p:nvSpPr>
+        <p:spPr/>
+        <p:txBody>
+          <a:bodyPr/>
+          <a:lstStyle/>
+          <a:p>
+            <a:endParaRPr lang="en-US"/>
           </a:p>
         </p:txBody>
       </p:sp>
@@ -935,28 +1222,23 @@
             <a:spLocks noGrp="1"/>
           </p:cNvSpPr>
           <p:nvPr>
-            <p:ph type="sldNum" sz="quarter" idx="12"/>
-          </p:nvPr>
-        </p:nvSpPr>
-        <p:spPr/>
-        <p:txBody>
-          <a:bodyPr/>
-          <a:lstStyle/>
-          <a:p>
-            <a:fld id="{1B9711E9-D4E5-4710-8438-BA061E3B3551}" type="slidenum">
-              <a:rPr lang="en-GB" smtClean="0"/>
+            <p:ph type="sldNum" sz="quarter" idx="4"/>
+          </p:nvPr>
+        </p:nvSpPr>
+        <p:spPr/>
+        <p:txBody>
+          <a:bodyPr/>
+          <a:lstStyle/>
+          <a:p>
+            <a:fld id="{93AE1883-0942-4AA3-9DB2-9C7C3A0314B1}" type="slidenum">
+              <a:rPr lang="en-US" smtClean="0"/>
               <a:t>‹#›</a:t>
             </a:fld>
-            <a:endParaRPr lang="en-GB"/>
+            <a:endParaRPr lang="en-US"/>
           </a:p>
         </p:txBody>
       </p:sp>
     </p:spTree>
-    <p:extLst>
-      <p:ext uri="{BB962C8B-B14F-4D97-AF65-F5344CB8AC3E}">
-        <p14:creationId xmlns:p14="http://schemas.microsoft.com/office/powerpoint/2010/main" val="2071791766"/>
-      </p:ext>
-    </p:extLst>
   </p:cSld>
   <p:clrMapOvr>
     <a:masterClrMapping/>
@@ -1000,7 +1282,7 @@
               <a:rPr lang="en-US" smtClean="0"/>
               <a:t>Click to edit Master title style</a:t>
             </a:r>
-            <a:endParaRPr lang="en-GB"/>
+            <a:endParaRPr lang="en-US"/>
           </a:p>
         </p:txBody>
       </p:sp>
@@ -1019,10 +1301,9 @@
           <a:bodyPr/>
           <a:lstStyle/>
           <a:p>
-            <a:pPr lvl="0"/>
-            <a:r>
-              <a:rPr lang="en-US" smtClean="0"/>
-              <a:t>Edit Master text styles</a:t>
+            <a:r>
+              <a:rPr lang="en-US" smtClean="0"/>
+              <a:t>Click to edit Master text styles</a:t>
             </a:r>
           </a:p>
           <a:p>
@@ -1052,7 +1333,7 @@
               <a:rPr lang="en-US" smtClean="0"/>
               <a:t>Fifth level</a:t>
             </a:r>
-            <a:endParaRPr lang="en-GB"/>
+            <a:endParaRPr lang="en-US"/>
           </a:p>
         </p:txBody>
       </p:sp>
@@ -1063,19 +1344,19 @@
             <a:spLocks noGrp="1"/>
           </p:cNvSpPr>
           <p:nvPr>
-            <p:ph type="dt" sz="half" idx="10"/>
-          </p:nvPr>
-        </p:nvSpPr>
-        <p:spPr/>
-        <p:txBody>
-          <a:bodyPr/>
-          <a:lstStyle/>
-          <a:p>
-            <a:fld id="{93E65311-B9FC-4DB5-9359-925C22807714}" type="datetimeFigureOut">
-              <a:rPr lang="en-GB" smtClean="0"/>
-              <a:t>04/05/2018</a:t>
+            <p:ph type="dt" sz="half" idx="2"/>
+          </p:nvPr>
+        </p:nvSpPr>
+        <p:spPr/>
+        <p:txBody>
+          <a:bodyPr/>
+          <a:lstStyle/>
+          <a:p>
+            <a:fld id="{DFEF080F-D431-45A6-A115-D79A02DC51BE}" type="datetimeFigureOut">
+              <a:rPr lang="en-US" smtClean="0"/>
+              <a:t>11/7/2009</a:t>
             </a:fld>
-            <a:endParaRPr lang="en-GB"/>
+            <a:endParaRPr lang="en-US"/>
           </a:p>
         </p:txBody>
       </p:sp>
@@ -1086,15 +1367,15 @@
             <a:spLocks noGrp="1"/>
           </p:cNvSpPr>
           <p:nvPr>
-            <p:ph type="ftr" sz="quarter" idx="11"/>
-          </p:nvPr>
-        </p:nvSpPr>
-        <p:spPr/>
-        <p:txBody>
-          <a:bodyPr/>
-          <a:lstStyle/>
-          <a:p>
-            <a:endParaRPr lang="en-GB"/>
+            <p:ph type="ftr" sz="quarter" idx="3"/>
+          </p:nvPr>
+        </p:nvSpPr>
+        <p:spPr/>
+        <p:txBody>
+          <a:bodyPr/>
+          <a:lstStyle/>
+          <a:p>
+            <a:endParaRPr lang="en-US"/>
           </a:p>
         </p:txBody>
       </p:sp>
@@ -1105,28 +1386,23 @@
             <a:spLocks noGrp="1"/>
           </p:cNvSpPr>
           <p:nvPr>
-            <p:ph type="sldNum" sz="quarter" idx="12"/>
-          </p:nvPr>
-        </p:nvSpPr>
-        <p:spPr/>
-        <p:txBody>
-          <a:bodyPr/>
-          <a:lstStyle/>
-          <a:p>
-            <a:fld id="{1B9711E9-D4E5-4710-8438-BA061E3B3551}" type="slidenum">
-              <a:rPr lang="en-GB" smtClean="0"/>
+            <p:ph type="sldNum" sz="quarter" idx="4"/>
+          </p:nvPr>
+        </p:nvSpPr>
+        <p:spPr/>
+        <p:txBody>
+          <a:bodyPr/>
+          <a:lstStyle/>
+          <a:p>
+            <a:fld id="{93AE1883-0942-4AA3-9DB2-9C7C3A0314B1}" type="slidenum">
+              <a:rPr lang="en-US" smtClean="0"/>
               <a:t>‹#›</a:t>
             </a:fld>
-            <a:endParaRPr lang="en-GB"/>
+            <a:endParaRPr lang="en-US"/>
           </a:p>
         </p:txBody>
       </p:sp>
     </p:spTree>
-    <p:extLst>
-      <p:ext uri="{BB962C8B-B14F-4D97-AF65-F5344CB8AC3E}">
-        <p14:creationId xmlns:p14="http://schemas.microsoft.com/office/powerpoint/2010/main" val="3809536411"/>
-      </p:ext>
-    </p:extLst>
   </p:cSld>
   <p:clrMapOvr>
     <a:masterClrMapping/>
@@ -1161,50 +1437,40 @@
             <p:ph type="title"/>
           </p:nvPr>
         </p:nvSpPr>
-        <p:spPr>
-          <a:xfrm>
-            <a:off x="831850" y="1709738"/>
-            <a:ext cx="10515600" cy="2852737"/>
-          </a:xfrm>
-        </p:spPr>
+        <p:spPr/>
+        <p:txBody>
+          <a:bodyPr anchor="t"/>
+          <a:lstStyle>
+            <a:lvl1pPr algn="l">
+              <a:defRPr sz="4000" b="1" cap="all"/>
+            </a:lvl1pPr>
+          </a:lstStyle>
+          <a:p>
+            <a:r>
+              <a:rPr lang="en-US" smtClean="0"/>
+              <a:t>Click to edit Master title style</a:t>
+            </a:r>
+            <a:endParaRPr lang="en-US"/>
+          </a:p>
+        </p:txBody>
+      </p:sp>
+      <p:sp>
+        <p:nvSpPr>
+          <p:cNvPr id="3" name="Text Placeholder 2"/>
+          <p:cNvSpPr>
+            <a:spLocks noGrp="1"/>
+          </p:cNvSpPr>
+          <p:nvPr>
+            <p:ph type="body" idx="1"/>
+          </p:nvPr>
+        </p:nvSpPr>
+        <p:spPr/>
         <p:txBody>
           <a:bodyPr anchor="b"/>
           <a:lstStyle>
-            <a:lvl1pPr>
-              <a:defRPr sz="6000"/>
-            </a:lvl1pPr>
-          </a:lstStyle>
-          <a:p>
-            <a:r>
-              <a:rPr lang="en-US" smtClean="0"/>
-              <a:t>Click to edit Master title style</a:t>
-            </a:r>
-            <a:endParaRPr lang="en-GB"/>
-          </a:p>
-        </p:txBody>
-      </p:sp>
-      <p:sp>
-        <p:nvSpPr>
-          <p:cNvPr id="3" name="Text Placeholder 2"/>
-          <p:cNvSpPr>
-            <a:spLocks noGrp="1"/>
-          </p:cNvSpPr>
-          <p:nvPr>
-            <p:ph type="body" idx="1"/>
-          </p:nvPr>
-        </p:nvSpPr>
-        <p:spPr>
-          <a:xfrm>
-            <a:off x="831850" y="4589463"/>
-            <a:ext cx="10515600" cy="1500187"/>
-          </a:xfrm>
-        </p:spPr>
-        <p:txBody>
-          <a:bodyPr/>
-          <a:lstStyle>
             <a:lvl1pPr marL="0" indent="0">
               <a:buNone/>
-              <a:defRPr sz="2400">
+              <a:defRPr sz="2000">
                 <a:solidFill>
                   <a:schemeClr val="tx1">
                     <a:tint val="75000"/>
@@ -1214,7 +1480,7 @@
             </a:lvl1pPr>
             <a:lvl2pPr marL="457200" indent="0">
               <a:buNone/>
-              <a:defRPr sz="2000">
+              <a:defRPr sz="1800">
                 <a:solidFill>
                   <a:schemeClr val="tx1">
                     <a:tint val="75000"/>
@@ -1224,7 +1490,7 @@
             </a:lvl2pPr>
             <a:lvl3pPr marL="914400" indent="0">
               <a:buNone/>
-              <a:defRPr sz="1800">
+              <a:defRPr sz="1600">
                 <a:solidFill>
                   <a:schemeClr val="tx1">
                     <a:tint val="75000"/>
@@ -1234,7 +1500,7 @@
             </a:lvl3pPr>
             <a:lvl4pPr marL="1371600" indent="0">
               <a:buNone/>
-              <a:defRPr sz="1600">
+              <a:defRPr sz="1400">
                 <a:solidFill>
                   <a:schemeClr val="tx1">
                     <a:tint val="75000"/>
@@ -1244,7 +1510,7 @@
             </a:lvl4pPr>
             <a:lvl5pPr marL="1828800" indent="0">
               <a:buNone/>
-              <a:defRPr sz="1600">
+              <a:defRPr sz="1400">
                 <a:solidFill>
                   <a:schemeClr val="tx1">
                     <a:tint val="75000"/>
@@ -1254,7 +1520,7 @@
             </a:lvl5pPr>
             <a:lvl6pPr marL="2286000" indent="0">
               <a:buNone/>
-              <a:defRPr sz="1600">
+              <a:defRPr sz="1400">
                 <a:solidFill>
                   <a:schemeClr val="tx1">
                     <a:tint val="75000"/>
@@ -1264,7 +1530,7 @@
             </a:lvl6pPr>
             <a:lvl7pPr marL="2743200" indent="0">
               <a:buNone/>
-              <a:defRPr sz="1600">
+              <a:defRPr sz="1400">
                 <a:solidFill>
                   <a:schemeClr val="tx1">
                     <a:tint val="75000"/>
@@ -1274,7 +1540,7 @@
             </a:lvl7pPr>
             <a:lvl8pPr marL="3200400" indent="0">
               <a:buNone/>
-              <a:defRPr sz="1600">
+              <a:defRPr sz="1400">
                 <a:solidFill>
                   <a:schemeClr val="tx1">
                     <a:tint val="75000"/>
@@ -1284,7 +1550,7 @@
             </a:lvl8pPr>
             <a:lvl9pPr marL="3657600" indent="0">
               <a:buNone/>
-              <a:defRPr sz="1600">
+              <a:defRPr sz="1400">
                 <a:solidFill>
                   <a:schemeClr val="tx1">
                     <a:tint val="75000"/>
@@ -1294,10 +1560,9 @@
             </a:lvl9pPr>
           </a:lstStyle>
           <a:p>
-            <a:pPr lvl="0"/>
-            <a:r>
-              <a:rPr lang="en-US" smtClean="0"/>
-              <a:t>Edit Master text styles</a:t>
+            <a:r>
+              <a:rPr lang="en-US" smtClean="0"/>
+              <a:t>Click to edit Master text styles</a:t>
             </a:r>
           </a:p>
         </p:txBody>
@@ -1309,19 +1574,19 @@
             <a:spLocks noGrp="1"/>
           </p:cNvSpPr>
           <p:nvPr>
-            <p:ph type="dt" sz="half" idx="10"/>
-          </p:nvPr>
-        </p:nvSpPr>
-        <p:spPr/>
-        <p:txBody>
-          <a:bodyPr/>
-          <a:lstStyle/>
-          <a:p>
-            <a:fld id="{93E65311-B9FC-4DB5-9359-925C22807714}" type="datetimeFigureOut">
-              <a:rPr lang="en-GB" smtClean="0"/>
-              <a:t>04/05/2018</a:t>
+            <p:ph type="dt" sz="half" idx="2"/>
+          </p:nvPr>
+        </p:nvSpPr>
+        <p:spPr/>
+        <p:txBody>
+          <a:bodyPr/>
+          <a:lstStyle/>
+          <a:p>
+            <a:fld id="{291B4308-D9F2-46DA-86A6-263820591D78}" type="datetimeFigureOut">
+              <a:rPr lang="en-US" smtClean="0"/>
+              <a:t>11/7/2009</a:t>
             </a:fld>
-            <a:endParaRPr lang="en-GB"/>
+            <a:endParaRPr lang="en-US"/>
           </a:p>
         </p:txBody>
       </p:sp>
@@ -1332,15 +1597,15 @@
             <a:spLocks noGrp="1"/>
           </p:cNvSpPr>
           <p:nvPr>
-            <p:ph type="ftr" sz="quarter" idx="11"/>
-          </p:nvPr>
-        </p:nvSpPr>
-        <p:spPr/>
-        <p:txBody>
-          <a:bodyPr/>
-          <a:lstStyle/>
-          <a:p>
-            <a:endParaRPr lang="en-GB"/>
+            <p:ph type="ftr" sz="quarter" idx="3"/>
+          </p:nvPr>
+        </p:nvSpPr>
+        <p:spPr/>
+        <p:txBody>
+          <a:bodyPr/>
+          <a:lstStyle/>
+          <a:p>
+            <a:endParaRPr lang="en-US"/>
           </a:p>
         </p:txBody>
       </p:sp>
@@ -1351,28 +1616,23 @@
             <a:spLocks noGrp="1"/>
           </p:cNvSpPr>
           <p:nvPr>
-            <p:ph type="sldNum" sz="quarter" idx="12"/>
-          </p:nvPr>
-        </p:nvSpPr>
-        <p:spPr/>
-        <p:txBody>
-          <a:bodyPr/>
-          <a:lstStyle/>
-          <a:p>
-            <a:fld id="{1B9711E9-D4E5-4710-8438-BA061E3B3551}" type="slidenum">
-              <a:rPr lang="en-GB" smtClean="0"/>
+            <p:ph type="sldNum" sz="quarter" idx="4"/>
+          </p:nvPr>
+        </p:nvSpPr>
+        <p:spPr/>
+        <p:txBody>
+          <a:bodyPr/>
+          <a:lstStyle/>
+          <a:p>
+            <a:fld id="{93AE1883-0942-4AA3-9DB2-9C7C3A0314B1}" type="slidenum">
+              <a:rPr lang="en-US" smtClean="0"/>
               <a:t>‹#›</a:t>
             </a:fld>
-            <a:endParaRPr lang="en-GB"/>
+            <a:endParaRPr lang="en-US"/>
           </a:p>
         </p:txBody>
       </p:sp>
     </p:spTree>
-    <p:extLst>
-      <p:ext uri="{BB962C8B-B14F-4D97-AF65-F5344CB8AC3E}">
-        <p14:creationId xmlns:p14="http://schemas.microsoft.com/office/powerpoint/2010/main" val="3536811447"/>
-      </p:ext>
-    </p:extLst>
   </p:cSld>
   <p:clrMapOvr>
     <a:masterClrMapping/>
@@ -1416,7 +1676,7 @@
               <a:rPr lang="en-US" smtClean="0"/>
               <a:t>Click to edit Master title style</a:t>
             </a:r>
-            <a:endParaRPr lang="en-GB"/>
+            <a:endParaRPr lang="en-US"/>
           </a:p>
         </p:txBody>
       </p:sp>
@@ -1430,20 +1690,42 @@
             <p:ph sz="half" idx="1"/>
           </p:nvPr>
         </p:nvSpPr>
-        <p:spPr>
-          <a:xfrm>
-            <a:off x="838200" y="1825625"/>
-            <a:ext cx="5181600" cy="4351338"/>
-          </a:xfrm>
-        </p:spPr>
-        <p:txBody>
-          <a:bodyPr/>
-          <a:lstStyle/>
-          <a:p>
-            <a:pPr lvl="0"/>
-            <a:r>
-              <a:rPr lang="en-US" smtClean="0"/>
-              <a:t>Edit Master text styles</a:t>
+        <p:spPr/>
+        <p:txBody>
+          <a:bodyPr/>
+          <a:lstStyle>
+            <a:lvl1pPr>
+              <a:defRPr sz="2800"/>
+            </a:lvl1pPr>
+            <a:lvl2pPr>
+              <a:defRPr sz="2400"/>
+            </a:lvl2pPr>
+            <a:lvl3pPr>
+              <a:defRPr sz="2000"/>
+            </a:lvl3pPr>
+            <a:lvl4pPr>
+              <a:defRPr sz="1800"/>
+            </a:lvl4pPr>
+            <a:lvl5pPr>
+              <a:defRPr sz="1800"/>
+            </a:lvl5pPr>
+            <a:lvl6pPr>
+              <a:defRPr sz="1800"/>
+            </a:lvl6pPr>
+            <a:lvl7pPr>
+              <a:defRPr sz="1800"/>
+            </a:lvl7pPr>
+            <a:lvl8pPr>
+              <a:defRPr sz="1800"/>
+            </a:lvl8pPr>
+            <a:lvl9pPr>
+              <a:defRPr sz="1800"/>
+            </a:lvl9pPr>
+          </a:lstStyle>
+          <a:p>
+            <a:r>
+              <a:rPr lang="en-US" smtClean="0"/>
+              <a:t>Click to edit Master text styles</a:t>
             </a:r>
           </a:p>
           <a:p>
@@ -1473,7 +1755,7 @@
               <a:rPr lang="en-US" smtClean="0"/>
               <a:t>Fifth level</a:t>
             </a:r>
-            <a:endParaRPr lang="en-GB"/>
+            <a:endParaRPr lang="en-US"/>
           </a:p>
         </p:txBody>
       </p:sp>
@@ -1487,20 +1769,42 @@
             <p:ph sz="half" idx="2"/>
           </p:nvPr>
         </p:nvSpPr>
-        <p:spPr>
-          <a:xfrm>
-            <a:off x="6172200" y="1825625"/>
-            <a:ext cx="5181600" cy="4351338"/>
-          </a:xfrm>
-        </p:spPr>
-        <p:txBody>
-          <a:bodyPr/>
-          <a:lstStyle/>
-          <a:p>
-            <a:pPr lvl="0"/>
-            <a:r>
-              <a:rPr lang="en-US" smtClean="0"/>
-              <a:t>Edit Master text styles</a:t>
+        <p:spPr/>
+        <p:txBody>
+          <a:bodyPr/>
+          <a:lstStyle>
+            <a:lvl1pPr>
+              <a:defRPr sz="2800"/>
+            </a:lvl1pPr>
+            <a:lvl2pPr>
+              <a:defRPr sz="2400"/>
+            </a:lvl2pPr>
+            <a:lvl3pPr>
+              <a:defRPr sz="2000"/>
+            </a:lvl3pPr>
+            <a:lvl4pPr>
+              <a:defRPr sz="1800"/>
+            </a:lvl4pPr>
+            <a:lvl5pPr>
+              <a:defRPr sz="1800"/>
+            </a:lvl5pPr>
+            <a:lvl6pPr>
+              <a:defRPr sz="1800"/>
+            </a:lvl6pPr>
+            <a:lvl7pPr>
+              <a:defRPr sz="1800"/>
+            </a:lvl7pPr>
+            <a:lvl8pPr>
+              <a:defRPr sz="1800"/>
+            </a:lvl8pPr>
+            <a:lvl9pPr>
+              <a:defRPr sz="1800"/>
+            </a:lvl9pPr>
+          </a:lstStyle>
+          <a:p>
+            <a:r>
+              <a:rPr lang="en-US" smtClean="0"/>
+              <a:t>Click to edit Master text styles</a:t>
             </a:r>
           </a:p>
           <a:p>
@@ -1530,7 +1834,7 @@
               <a:rPr lang="en-US" smtClean="0"/>
               <a:t>Fifth level</a:t>
             </a:r>
-            <a:endParaRPr lang="en-GB"/>
+            <a:endParaRPr lang="en-US"/>
           </a:p>
         </p:txBody>
       </p:sp>
@@ -1541,19 +1845,19 @@
             <a:spLocks noGrp="1"/>
           </p:cNvSpPr>
           <p:nvPr>
-            <p:ph type="dt" sz="half" idx="10"/>
-          </p:nvPr>
-        </p:nvSpPr>
-        <p:spPr/>
-        <p:txBody>
-          <a:bodyPr/>
-          <a:lstStyle/>
-          <a:p>
-            <a:fld id="{93E65311-B9FC-4DB5-9359-925C22807714}" type="datetimeFigureOut">
-              <a:rPr lang="en-GB" smtClean="0"/>
-              <a:t>04/05/2018</a:t>
+            <p:ph type="dt" sz="half" idx="3"/>
+          </p:nvPr>
+        </p:nvSpPr>
+        <p:spPr/>
+        <p:txBody>
+          <a:bodyPr/>
+          <a:lstStyle/>
+          <a:p>
+            <a:fld id="{66BDDC9A-1E76-483E-8361-54C8B02C270A}" type="datetimeFigureOut">
+              <a:rPr lang="en-US" smtClean="0"/>
+              <a:t>11/7/2009</a:t>
             </a:fld>
-            <a:endParaRPr lang="en-GB"/>
+            <a:endParaRPr lang="en-US"/>
           </a:p>
         </p:txBody>
       </p:sp>
@@ -1564,15 +1868,15 @@
             <a:spLocks noGrp="1"/>
           </p:cNvSpPr>
           <p:nvPr>
-            <p:ph type="ftr" sz="quarter" idx="11"/>
-          </p:nvPr>
-        </p:nvSpPr>
-        <p:spPr/>
-        <p:txBody>
-          <a:bodyPr/>
-          <a:lstStyle/>
-          <a:p>
-            <a:endParaRPr lang="en-GB"/>
+            <p:ph type="ftr" sz="quarter" idx="4"/>
+          </p:nvPr>
+        </p:nvSpPr>
+        <p:spPr/>
+        <p:txBody>
+          <a:bodyPr/>
+          <a:lstStyle/>
+          <a:p>
+            <a:endParaRPr lang="en-US"/>
           </a:p>
         </p:txBody>
       </p:sp>
@@ -1583,28 +1887,23 @@
             <a:spLocks noGrp="1"/>
           </p:cNvSpPr>
           <p:nvPr>
-            <p:ph type="sldNum" sz="quarter" idx="12"/>
-          </p:nvPr>
-        </p:nvSpPr>
-        <p:spPr/>
-        <p:txBody>
-          <a:bodyPr/>
-          <a:lstStyle/>
-          <a:p>
-            <a:fld id="{1B9711E9-D4E5-4710-8438-BA061E3B3551}" type="slidenum">
-              <a:rPr lang="en-GB" smtClean="0"/>
+            <p:ph type="sldNum" sz="quarter" idx="5"/>
+          </p:nvPr>
+        </p:nvSpPr>
+        <p:spPr/>
+        <p:txBody>
+          <a:bodyPr/>
+          <a:lstStyle/>
+          <a:p>
+            <a:fld id="{93AE1883-0942-4AA3-9DB2-9C7C3A0314B1}" type="slidenum">
+              <a:rPr lang="en-US" smtClean="0"/>
               <a:t>‹#›</a:t>
             </a:fld>
-            <a:endParaRPr lang="en-GB"/>
+            <a:endParaRPr lang="en-US"/>
           </a:p>
         </p:txBody>
       </p:sp>
     </p:spTree>
-    <p:extLst>
-      <p:ext uri="{BB962C8B-B14F-4D97-AF65-F5344CB8AC3E}">
-        <p14:creationId xmlns:p14="http://schemas.microsoft.com/office/powerpoint/2010/main" val="183494221"/>
-      </p:ext>
-    </p:extLst>
   </p:cSld>
   <p:clrMapOvr>
     <a:masterClrMapping/>
@@ -1639,12 +1938,7 @@
             <p:ph type="title"/>
           </p:nvPr>
         </p:nvSpPr>
-        <p:spPr>
-          <a:xfrm>
-            <a:off x="839788" y="365125"/>
-            <a:ext cx="10515600" cy="1325563"/>
-          </a:xfrm>
-        </p:spPr>
+        <p:spPr/>
         <p:txBody>
           <a:bodyPr/>
           <a:lstStyle/>
@@ -1653,7 +1947,7 @@
               <a:rPr lang="en-US" smtClean="0"/>
               <a:t>Click to edit Master title style</a:t>
             </a:r>
-            <a:endParaRPr lang="en-GB"/>
+            <a:endParaRPr lang="en-US"/>
           </a:p>
         </p:txBody>
       </p:sp>
@@ -1667,12 +1961,7 @@
             <p:ph type="body" idx="1"/>
           </p:nvPr>
         </p:nvSpPr>
-        <p:spPr>
-          <a:xfrm>
-            <a:off x="839788" y="1681163"/>
-            <a:ext cx="5157787" cy="823912"/>
-          </a:xfrm>
-        </p:spPr>
+        <p:spPr/>
         <p:txBody>
           <a:bodyPr anchor="b"/>
           <a:lstStyle>
@@ -1714,10 +2003,9 @@
             </a:lvl9pPr>
           </a:lstStyle>
           <a:p>
-            <a:pPr lvl="0"/>
-            <a:r>
-              <a:rPr lang="en-US" smtClean="0"/>
-              <a:t>Edit Master text styles</a:t>
+            <a:r>
+              <a:rPr lang="en-US" smtClean="0"/>
+              <a:t>Click to edit Master text styles</a:t>
             </a:r>
           </a:p>
         </p:txBody>
@@ -1732,20 +2020,42 @@
             <p:ph sz="half" idx="2"/>
           </p:nvPr>
         </p:nvSpPr>
-        <p:spPr>
-          <a:xfrm>
-            <a:off x="839788" y="2505075"/>
-            <a:ext cx="5157787" cy="3684588"/>
-          </a:xfrm>
-        </p:spPr>
-        <p:txBody>
-          <a:bodyPr/>
-          <a:lstStyle/>
-          <a:p>
-            <a:pPr lvl="0"/>
-            <a:r>
-              <a:rPr lang="en-US" smtClean="0"/>
-              <a:t>Edit Master text styles</a:t>
+        <p:spPr/>
+        <p:txBody>
+          <a:bodyPr/>
+          <a:lstStyle>
+            <a:lvl1pPr>
+              <a:defRPr sz="2400"/>
+            </a:lvl1pPr>
+            <a:lvl2pPr>
+              <a:defRPr sz="2000"/>
+            </a:lvl2pPr>
+            <a:lvl3pPr>
+              <a:defRPr sz="1800"/>
+            </a:lvl3pPr>
+            <a:lvl4pPr>
+              <a:defRPr sz="1600"/>
+            </a:lvl4pPr>
+            <a:lvl5pPr>
+              <a:defRPr sz="1600"/>
+            </a:lvl5pPr>
+            <a:lvl6pPr>
+              <a:defRPr sz="1600"/>
+            </a:lvl6pPr>
+            <a:lvl7pPr>
+              <a:defRPr sz="1600"/>
+            </a:lvl7pPr>
+            <a:lvl8pPr>
+              <a:defRPr sz="1600"/>
+            </a:lvl8pPr>
+            <a:lvl9pPr>
+              <a:defRPr sz="1600"/>
+            </a:lvl9pPr>
+          </a:lstStyle>
+          <a:p>
+            <a:r>
+              <a:rPr lang="en-US" smtClean="0"/>
+              <a:t>Click to edit Master text styles</a:t>
             </a:r>
           </a:p>
           <a:p>
@@ -1775,7 +2085,7 @@
               <a:rPr lang="en-US" smtClean="0"/>
               <a:t>Fifth level</a:t>
             </a:r>
-            <a:endParaRPr lang="en-GB"/>
+            <a:endParaRPr lang="en-US"/>
           </a:p>
         </p:txBody>
       </p:sp>
@@ -1789,12 +2099,7 @@
             <p:ph type="body" sz="quarter" idx="3"/>
           </p:nvPr>
         </p:nvSpPr>
-        <p:spPr>
-          <a:xfrm>
-            <a:off x="6172200" y="1681163"/>
-            <a:ext cx="5183188" cy="823912"/>
-          </a:xfrm>
-        </p:spPr>
+        <p:spPr/>
         <p:txBody>
           <a:bodyPr anchor="b"/>
           <a:lstStyle>
@@ -1836,10 +2141,9 @@
             </a:lvl9pPr>
           </a:lstStyle>
           <a:p>
-            <a:pPr lvl="0"/>
-            <a:r>
-              <a:rPr lang="en-US" smtClean="0"/>
-              <a:t>Edit Master text styles</a:t>
+            <a:r>
+              <a:rPr lang="en-US" smtClean="0"/>
+              <a:t>Click to edit Master text styles</a:t>
             </a:r>
           </a:p>
         </p:txBody>
@@ -1854,20 +2158,42 @@
             <p:ph sz="quarter" idx="4"/>
           </p:nvPr>
         </p:nvSpPr>
-        <p:spPr>
-          <a:xfrm>
-            <a:off x="6172200" y="2505075"/>
-            <a:ext cx="5183188" cy="3684588"/>
-          </a:xfrm>
-        </p:spPr>
-        <p:txBody>
-          <a:bodyPr/>
-          <a:lstStyle/>
-          <a:p>
-            <a:pPr lvl="0"/>
-            <a:r>
-              <a:rPr lang="en-US" smtClean="0"/>
-              <a:t>Edit Master text styles</a:t>
+        <p:spPr/>
+        <p:txBody>
+          <a:bodyPr/>
+          <a:lstStyle>
+            <a:lvl1pPr>
+              <a:defRPr sz="2400"/>
+            </a:lvl1pPr>
+            <a:lvl2pPr>
+              <a:defRPr sz="2000"/>
+            </a:lvl2pPr>
+            <a:lvl3pPr>
+              <a:defRPr sz="1800"/>
+            </a:lvl3pPr>
+            <a:lvl4pPr>
+              <a:defRPr sz="1600"/>
+            </a:lvl4pPr>
+            <a:lvl5pPr>
+              <a:defRPr sz="1600"/>
+            </a:lvl5pPr>
+            <a:lvl6pPr>
+              <a:defRPr sz="1600"/>
+            </a:lvl6pPr>
+            <a:lvl7pPr>
+              <a:defRPr sz="1600"/>
+            </a:lvl7pPr>
+            <a:lvl8pPr>
+              <a:defRPr sz="1600"/>
+            </a:lvl8pPr>
+            <a:lvl9pPr>
+              <a:defRPr sz="1600"/>
+            </a:lvl9pPr>
+          </a:lstStyle>
+          <a:p>
+            <a:r>
+              <a:rPr lang="en-US" smtClean="0"/>
+              <a:t>Click to edit Master text styles</a:t>
             </a:r>
           </a:p>
           <a:p>
@@ -1897,7 +2223,7 @@
               <a:rPr lang="en-US" smtClean="0"/>
               <a:t>Fifth level</a:t>
             </a:r>
-            <a:endParaRPr lang="en-GB"/>
+            <a:endParaRPr lang="en-US"/>
           </a:p>
         </p:txBody>
       </p:sp>
@@ -1908,19 +2234,19 @@
             <a:spLocks noGrp="1"/>
           </p:cNvSpPr>
           <p:nvPr>
-            <p:ph type="dt" sz="half" idx="10"/>
-          </p:nvPr>
-        </p:nvSpPr>
-        <p:spPr/>
-        <p:txBody>
-          <a:bodyPr/>
-          <a:lstStyle/>
-          <a:p>
-            <a:fld id="{93E65311-B9FC-4DB5-9359-925C22807714}" type="datetimeFigureOut">
-              <a:rPr lang="en-GB" smtClean="0"/>
-              <a:t>04/05/2018</a:t>
+            <p:ph type="dt" sz="half" idx="5"/>
+          </p:nvPr>
+        </p:nvSpPr>
+        <p:spPr/>
+        <p:txBody>
+          <a:bodyPr/>
+          <a:lstStyle/>
+          <a:p>
+            <a:fld id="{8B389091-5A81-4A6E-89FD-3DDBEBDF07CF}" type="datetimeFigureOut">
+              <a:rPr lang="en-US" smtClean="0"/>
+              <a:t>11/7/2009</a:t>
             </a:fld>
-            <a:endParaRPr lang="en-GB"/>
+            <a:endParaRPr lang="en-US"/>
           </a:p>
         </p:txBody>
       </p:sp>
@@ -1931,15 +2257,15 @@
             <a:spLocks noGrp="1"/>
           </p:cNvSpPr>
           <p:nvPr>
-            <p:ph type="ftr" sz="quarter" idx="11"/>
-          </p:nvPr>
-        </p:nvSpPr>
-        <p:spPr/>
-        <p:txBody>
-          <a:bodyPr/>
-          <a:lstStyle/>
-          <a:p>
-            <a:endParaRPr lang="en-GB"/>
+            <p:ph type="ftr" sz="quarter" idx="6"/>
+          </p:nvPr>
+        </p:nvSpPr>
+        <p:spPr/>
+        <p:txBody>
+          <a:bodyPr/>
+          <a:lstStyle/>
+          <a:p>
+            <a:endParaRPr lang="en-US"/>
           </a:p>
         </p:txBody>
       </p:sp>
@@ -1950,28 +2276,23 @@
             <a:spLocks noGrp="1"/>
           </p:cNvSpPr>
           <p:nvPr>
-            <p:ph type="sldNum" sz="quarter" idx="12"/>
-          </p:nvPr>
-        </p:nvSpPr>
-        <p:spPr/>
-        <p:txBody>
-          <a:bodyPr/>
-          <a:lstStyle/>
-          <a:p>
-            <a:fld id="{1B9711E9-D4E5-4710-8438-BA061E3B3551}" type="slidenum">
-              <a:rPr lang="en-GB" smtClean="0"/>
+            <p:ph type="sldNum" sz="quarter" idx="7"/>
+          </p:nvPr>
+        </p:nvSpPr>
+        <p:spPr/>
+        <p:txBody>
+          <a:bodyPr/>
+          <a:lstStyle/>
+          <a:p>
+            <a:fld id="{93AE1883-0942-4AA3-9DB2-9C7C3A0314B1}" type="slidenum">
+              <a:rPr lang="en-US" smtClean="0"/>
               <a:t>‹#›</a:t>
             </a:fld>
-            <a:endParaRPr lang="en-GB"/>
+            <a:endParaRPr lang="en-US"/>
           </a:p>
         </p:txBody>
       </p:sp>
     </p:spTree>
-    <p:extLst>
-      <p:ext uri="{BB962C8B-B14F-4D97-AF65-F5344CB8AC3E}">
-        <p14:creationId xmlns:p14="http://schemas.microsoft.com/office/powerpoint/2010/main" val="3716372442"/>
-      </p:ext>
-    </p:extLst>
   </p:cSld>
   <p:clrMapOvr>
     <a:masterClrMapping/>
@@ -2015,7 +2336,7 @@
               <a:rPr lang="en-US" smtClean="0"/>
               <a:t>Click to edit Master title style</a:t>
             </a:r>
-            <a:endParaRPr lang="en-GB"/>
+            <a:endParaRPr lang="en-US"/>
           </a:p>
         </p:txBody>
       </p:sp>
@@ -2026,19 +2347,19 @@
             <a:spLocks noGrp="1"/>
           </p:cNvSpPr>
           <p:nvPr>
-            <p:ph type="dt" sz="half" idx="10"/>
-          </p:nvPr>
-        </p:nvSpPr>
-        <p:spPr/>
-        <p:txBody>
-          <a:bodyPr/>
-          <a:lstStyle/>
-          <a:p>
-            <a:fld id="{93E65311-B9FC-4DB5-9359-925C22807714}" type="datetimeFigureOut">
-              <a:rPr lang="en-GB" smtClean="0"/>
-              <a:t>04/05/2018</a:t>
+            <p:ph type="dt" sz="half" idx="1"/>
+          </p:nvPr>
+        </p:nvSpPr>
+        <p:spPr/>
+        <p:txBody>
+          <a:bodyPr/>
+          <a:lstStyle/>
+          <a:p>
+            <a:fld id="{CD8597EB-5E90-4DCF-87D5-DEC137AD1631}" type="datetimeFigureOut">
+              <a:rPr lang="en-US" smtClean="0"/>
+              <a:t>11/7/2009</a:t>
             </a:fld>
-            <a:endParaRPr lang="en-GB"/>
+            <a:endParaRPr lang="en-US"/>
           </a:p>
         </p:txBody>
       </p:sp>
@@ -2049,15 +2370,15 @@
             <a:spLocks noGrp="1"/>
           </p:cNvSpPr>
           <p:nvPr>
-            <p:ph type="ftr" sz="quarter" idx="11"/>
-          </p:nvPr>
-        </p:nvSpPr>
-        <p:spPr/>
-        <p:txBody>
-          <a:bodyPr/>
-          <a:lstStyle/>
-          <a:p>
-            <a:endParaRPr lang="en-GB"/>
+            <p:ph type="ftr" sz="quarter" idx="2"/>
+          </p:nvPr>
+        </p:nvSpPr>
+        <p:spPr/>
+        <p:txBody>
+          <a:bodyPr/>
+          <a:lstStyle/>
+          <a:p>
+            <a:endParaRPr lang="en-US"/>
           </a:p>
         </p:txBody>
       </p:sp>
@@ -2068,28 +2389,23 @@
             <a:spLocks noGrp="1"/>
           </p:cNvSpPr>
           <p:nvPr>
-            <p:ph type="sldNum" sz="quarter" idx="12"/>
-          </p:nvPr>
-        </p:nvSpPr>
-        <p:spPr/>
-        <p:txBody>
-          <a:bodyPr/>
-          <a:lstStyle/>
-          <a:p>
-            <a:fld id="{1B9711E9-D4E5-4710-8438-BA061E3B3551}" type="slidenum">
-              <a:rPr lang="en-GB" smtClean="0"/>
+            <p:ph type="sldNum" sz="quarter" idx="3"/>
+          </p:nvPr>
+        </p:nvSpPr>
+        <p:spPr/>
+        <p:txBody>
+          <a:bodyPr/>
+          <a:lstStyle/>
+          <a:p>
+            <a:fld id="{93AE1883-0942-4AA3-9DB2-9C7C3A0314B1}" type="slidenum">
+              <a:rPr lang="en-US" smtClean="0"/>
               <a:t>‹#›</a:t>
             </a:fld>
-            <a:endParaRPr lang="en-GB"/>
+            <a:endParaRPr lang="en-US"/>
           </a:p>
         </p:txBody>
       </p:sp>
     </p:spTree>
-    <p:extLst>
-      <p:ext uri="{BB962C8B-B14F-4D97-AF65-F5344CB8AC3E}">
-        <p14:creationId xmlns:p14="http://schemas.microsoft.com/office/powerpoint/2010/main" val="2578810630"/>
-      </p:ext>
-    </p:extLst>
   </p:cSld>
   <p:clrMapOvr>
     <a:masterClrMapping/>
@@ -2121,19 +2437,19 @@
             <a:spLocks noGrp="1"/>
           </p:cNvSpPr>
           <p:nvPr>
-            <p:ph type="dt" sz="half" idx="10"/>
-          </p:nvPr>
-        </p:nvSpPr>
-        <p:spPr/>
-        <p:txBody>
-          <a:bodyPr/>
-          <a:lstStyle/>
-          <a:p>
-            <a:fld id="{93E65311-B9FC-4DB5-9359-925C22807714}" type="datetimeFigureOut">
-              <a:rPr lang="en-GB" smtClean="0"/>
-              <a:t>04/05/2018</a:t>
+            <p:ph type="dt" sz="half"/>
+          </p:nvPr>
+        </p:nvSpPr>
+        <p:spPr/>
+        <p:txBody>
+          <a:bodyPr/>
+          <a:lstStyle/>
+          <a:p>
+            <a:fld id="{6AC9627B-8538-45D0-AFF7-42E30E60A378}" type="datetimeFigureOut">
+              <a:rPr lang="en-US" smtClean="0"/>
+              <a:t>11/7/2009</a:t>
             </a:fld>
-            <a:endParaRPr lang="en-GB"/>
+            <a:endParaRPr lang="en-US"/>
           </a:p>
         </p:txBody>
       </p:sp>
@@ -2144,15 +2460,15 @@
             <a:spLocks noGrp="1"/>
           </p:cNvSpPr>
           <p:nvPr>
-            <p:ph type="ftr" sz="quarter" idx="11"/>
-          </p:nvPr>
-        </p:nvSpPr>
-        <p:spPr/>
-        <p:txBody>
-          <a:bodyPr/>
-          <a:lstStyle/>
-          <a:p>
-            <a:endParaRPr lang="en-GB"/>
+            <p:ph type="ftr" sz="quarter" idx="1"/>
+          </p:nvPr>
+        </p:nvSpPr>
+        <p:spPr/>
+        <p:txBody>
+          <a:bodyPr/>
+          <a:lstStyle/>
+          <a:p>
+            <a:endParaRPr lang="en-US"/>
           </a:p>
         </p:txBody>
       </p:sp>
@@ -2163,28 +2479,23 @@
             <a:spLocks noGrp="1"/>
           </p:cNvSpPr>
           <p:nvPr>
-            <p:ph type="sldNum" sz="quarter" idx="12"/>
-          </p:nvPr>
-        </p:nvSpPr>
-        <p:spPr/>
-        <p:txBody>
-          <a:bodyPr/>
-          <a:lstStyle/>
-          <a:p>
-            <a:fld id="{1B9711E9-D4E5-4710-8438-BA061E3B3551}" type="slidenum">
-              <a:rPr lang="en-GB" smtClean="0"/>
+            <p:ph type="sldNum" sz="quarter" idx="2"/>
+          </p:nvPr>
+        </p:nvSpPr>
+        <p:spPr/>
+        <p:txBody>
+          <a:bodyPr/>
+          <a:lstStyle/>
+          <a:p>
+            <a:fld id="{93AE1883-0942-4AA3-9DB2-9C7C3A0314B1}" type="slidenum">
+              <a:rPr lang="en-US" smtClean="0"/>
               <a:t>‹#›</a:t>
             </a:fld>
-            <a:endParaRPr lang="en-GB"/>
+            <a:endParaRPr lang="en-US"/>
           </a:p>
         </p:txBody>
       </p:sp>
     </p:spTree>
-    <p:extLst>
-      <p:ext uri="{BB962C8B-B14F-4D97-AF65-F5344CB8AC3E}">
-        <p14:creationId xmlns:p14="http://schemas.microsoft.com/office/powerpoint/2010/main" val="1550990978"/>
-      </p:ext>
-    </p:extLst>
   </p:cSld>
   <p:clrMapOvr>
     <a:masterClrMapping/>
@@ -2219,17 +2530,12 @@
             <p:ph type="title"/>
           </p:nvPr>
         </p:nvSpPr>
-        <p:spPr>
-          <a:xfrm>
-            <a:off x="839788" y="457200"/>
-            <a:ext cx="3932237" cy="1600200"/>
-          </a:xfrm>
-        </p:spPr>
+        <p:spPr/>
         <p:txBody>
           <a:bodyPr anchor="b"/>
           <a:lstStyle>
-            <a:lvl1pPr>
-              <a:defRPr sz="3200"/>
+            <a:lvl1pPr algn="l">
+              <a:defRPr sz="2000" b="1"/>
             </a:lvl1pPr>
           </a:lstStyle>
           <a:p>
@@ -2237,7 +2543,7 @@
               <a:rPr lang="en-US" smtClean="0"/>
               <a:t>Click to edit Master title style</a:t>
             </a:r>
-            <a:endParaRPr lang="en-GB"/>
+            <a:endParaRPr lang="en-US"/>
           </a:p>
         </p:txBody>
       </p:sp>
@@ -2251,12 +2557,7 @@
             <p:ph idx="1"/>
           </p:nvPr>
         </p:nvSpPr>
-        <p:spPr>
-          <a:xfrm>
-            <a:off x="5183188" y="987425"/>
-            <a:ext cx="6172200" cy="4873625"/>
-          </a:xfrm>
-        </p:spPr>
+        <p:spPr/>
         <p:txBody>
           <a:bodyPr/>
           <a:lstStyle>
@@ -2289,10 +2590,9 @@
             </a:lvl9pPr>
           </a:lstStyle>
           <a:p>
-            <a:pPr lvl="0"/>
-            <a:r>
-              <a:rPr lang="en-US" smtClean="0"/>
-              <a:t>Edit Master text styles</a:t>
+            <a:r>
+              <a:rPr lang="en-US" smtClean="0"/>
+              <a:t>Click to edit Master text styles</a:t>
             </a:r>
           </a:p>
           <a:p>
@@ -2322,7 +2622,7 @@
               <a:rPr lang="en-US" smtClean="0"/>
               <a:t>Fifth level</a:t>
             </a:r>
-            <a:endParaRPr lang="en-GB"/>
+            <a:endParaRPr lang="en-US"/>
           </a:p>
         </p:txBody>
       </p:sp>
@@ -2336,57 +2636,51 @@
             <p:ph type="body" sz="half" idx="2"/>
           </p:nvPr>
         </p:nvSpPr>
-        <p:spPr>
-          <a:xfrm>
-            <a:off x="839788" y="2057400"/>
-            <a:ext cx="3932237" cy="3811588"/>
-          </a:xfrm>
-        </p:spPr>
+        <p:spPr/>
         <p:txBody>
           <a:bodyPr/>
           <a:lstStyle>
             <a:lvl1pPr marL="0" indent="0">
               <a:buNone/>
-              <a:defRPr sz="1600"/>
+              <a:defRPr sz="1400"/>
             </a:lvl1pPr>
             <a:lvl2pPr marL="457200" indent="0">
               <a:buNone/>
-              <a:defRPr sz="1400"/>
+              <a:defRPr sz="1200"/>
             </a:lvl2pPr>
             <a:lvl3pPr marL="914400" indent="0">
               <a:buNone/>
-              <a:defRPr sz="1200"/>
+              <a:defRPr sz="1000"/>
             </a:lvl3pPr>
             <a:lvl4pPr marL="1371600" indent="0">
               <a:buNone/>
-              <a:defRPr sz="1000"/>
+              <a:defRPr sz="900"/>
             </a:lvl4pPr>
             <a:lvl5pPr marL="1828800" indent="0">
               <a:buNone/>
-              <a:defRPr sz="1000"/>
+              <a:defRPr sz="900"/>
             </a:lvl5pPr>
             <a:lvl6pPr marL="2286000" indent="0">
               <a:buNone/>
-              <a:defRPr sz="1000"/>
+              <a:defRPr sz="900"/>
             </a:lvl6pPr>
             <a:lvl7pPr marL="2743200" indent="0">
               <a:buNone/>
-              <a:defRPr sz="1000"/>
+              <a:defRPr sz="900"/>
             </a:lvl7pPr>
             <a:lvl8pPr marL="3200400" indent="0">
               <a:buNone/>
-              <a:defRPr sz="1000"/>
+              <a:defRPr sz="900"/>
             </a:lvl8pPr>
             <a:lvl9pPr marL="3657600" indent="0">
               <a:buNone/>
-              <a:defRPr sz="1000"/>
+              <a:defRPr sz="900"/>
             </a:lvl9pPr>
           </a:lstStyle>
           <a:p>
-            <a:pPr lvl="0"/>
-            <a:r>
-              <a:rPr lang="en-US" smtClean="0"/>
-              <a:t>Edit Master text styles</a:t>
+            <a:r>
+              <a:rPr lang="en-US" smtClean="0"/>
+              <a:t>Click to edit Master text styles</a:t>
             </a:r>
           </a:p>
         </p:txBody>
@@ -2398,19 +2692,19 @@
             <a:spLocks noGrp="1"/>
           </p:cNvSpPr>
           <p:nvPr>
-            <p:ph type="dt" sz="half" idx="10"/>
-          </p:nvPr>
-        </p:nvSpPr>
-        <p:spPr/>
-        <p:txBody>
-          <a:bodyPr/>
-          <a:lstStyle/>
-          <a:p>
-            <a:fld id="{93E65311-B9FC-4DB5-9359-925C22807714}" type="datetimeFigureOut">
-              <a:rPr lang="en-GB" smtClean="0"/>
-              <a:t>04/05/2018</a:t>
+            <p:ph type="dt" sz="half" idx="3"/>
+          </p:nvPr>
+        </p:nvSpPr>
+        <p:spPr/>
+        <p:txBody>
+          <a:bodyPr/>
+          <a:lstStyle/>
+          <a:p>
+            <a:fld id="{09B961F5-A922-4CA5-911B-505A6C68B6A6}" type="datetimeFigureOut">
+              <a:rPr lang="en-US" smtClean="0"/>
+              <a:t>11/7/2009</a:t>
             </a:fld>
-            <a:endParaRPr lang="en-GB"/>
+            <a:endParaRPr lang="en-US"/>
           </a:p>
         </p:txBody>
       </p:sp>
@@ -2421,15 +2715,15 @@
             <a:spLocks noGrp="1"/>
           </p:cNvSpPr>
           <p:nvPr>
-            <p:ph type="ftr" sz="quarter" idx="11"/>
-          </p:nvPr>
-        </p:nvSpPr>
-        <p:spPr/>
-        <p:txBody>
-          <a:bodyPr/>
-          <a:lstStyle/>
-          <a:p>
-            <a:endParaRPr lang="en-GB"/>
+            <p:ph type="ftr" sz="quarter" idx="4"/>
+          </p:nvPr>
+        </p:nvSpPr>
+        <p:spPr/>
+        <p:txBody>
+          <a:bodyPr/>
+          <a:lstStyle/>
+          <a:p>
+            <a:endParaRPr lang="en-US"/>
           </a:p>
         </p:txBody>
       </p:sp>
@@ -2440,28 +2734,23 @@
             <a:spLocks noGrp="1"/>
           </p:cNvSpPr>
           <p:nvPr>
-            <p:ph type="sldNum" sz="quarter" idx="12"/>
-          </p:nvPr>
-        </p:nvSpPr>
-        <p:spPr/>
-        <p:txBody>
-          <a:bodyPr/>
-          <a:lstStyle/>
-          <a:p>
-            <a:fld id="{1B9711E9-D4E5-4710-8438-BA061E3B3551}" type="slidenum">
-              <a:rPr lang="en-GB" smtClean="0"/>
+            <p:ph type="sldNum" sz="quarter" idx="5"/>
+          </p:nvPr>
+        </p:nvSpPr>
+        <p:spPr/>
+        <p:txBody>
+          <a:bodyPr/>
+          <a:lstStyle/>
+          <a:p>
+            <a:fld id="{93AE1883-0942-4AA3-9DB2-9C7C3A0314B1}" type="slidenum">
+              <a:rPr lang="en-US" smtClean="0"/>
               <a:t>‹#›</a:t>
             </a:fld>
-            <a:endParaRPr lang="en-GB"/>
+            <a:endParaRPr lang="en-US"/>
           </a:p>
         </p:txBody>
       </p:sp>
     </p:spTree>
-    <p:extLst>
-      <p:ext uri="{BB962C8B-B14F-4D97-AF65-F5344CB8AC3E}">
-        <p14:creationId xmlns:p14="http://schemas.microsoft.com/office/powerpoint/2010/main" val="1911784181"/>
-      </p:ext>
-    </p:extLst>
   </p:cSld>
   <p:clrMapOvr>
     <a:masterClrMapping/>
@@ -2496,17 +2785,12 @@
             <p:ph type="title"/>
           </p:nvPr>
         </p:nvSpPr>
-        <p:spPr>
-          <a:xfrm>
-            <a:off x="839788" y="457200"/>
-            <a:ext cx="3932237" cy="1600200"/>
-          </a:xfrm>
-        </p:spPr>
+        <p:spPr/>
         <p:txBody>
           <a:bodyPr anchor="b"/>
           <a:lstStyle>
-            <a:lvl1pPr>
-              <a:defRPr sz="3200"/>
+            <a:lvl1pPr algn="l">
+              <a:defRPr sz="2000" b="1"/>
             </a:lvl1pPr>
           </a:lstStyle>
           <a:p>
@@ -2514,7 +2798,7 @@
               <a:rPr lang="en-US" smtClean="0"/>
               <a:t>Click to edit Master title style</a:t>
             </a:r>
-            <a:endParaRPr lang="en-GB"/>
+            <a:endParaRPr lang="en-US"/>
           </a:p>
         </p:txBody>
       </p:sp>
@@ -2528,12 +2812,7 @@
             <p:ph type="pic" idx="1"/>
           </p:nvPr>
         </p:nvSpPr>
-        <p:spPr>
-          <a:xfrm>
-            <a:off x="5183188" y="987425"/>
-            <a:ext cx="6172200" cy="4873625"/>
-          </a:xfrm>
-        </p:spPr>
+        <p:spPr/>
         <p:txBody>
           <a:bodyPr/>
           <a:lstStyle>
@@ -2575,7 +2854,7 @@
             </a:lvl9pPr>
           </a:lstStyle>
           <a:p>
-            <a:endParaRPr lang="en-GB"/>
+            <a:endParaRPr lang="en-US"/>
           </a:p>
         </p:txBody>
       </p:sp>
@@ -2589,57 +2868,51 @@
             <p:ph type="body" sz="half" idx="2"/>
           </p:nvPr>
         </p:nvSpPr>
-        <p:spPr>
-          <a:xfrm>
-            <a:off x="839788" y="2057400"/>
-            <a:ext cx="3932237" cy="3811588"/>
-          </a:xfrm>
-        </p:spPr>
+        <p:spPr/>
         <p:txBody>
           <a:bodyPr/>
           <a:lstStyle>
             <a:lvl1pPr marL="0" indent="0">
               <a:buNone/>
-              <a:defRPr sz="1600"/>
+              <a:defRPr sz="1400"/>
             </a:lvl1pPr>
             <a:lvl2pPr marL="457200" indent="0">
               <a:buNone/>
-              <a:defRPr sz="1400"/>
+              <a:defRPr sz="1200"/>
             </a:lvl2pPr>
             <a:lvl3pPr marL="914400" indent="0">
               <a:buNone/>
-              <a:defRPr sz="1200"/>
+              <a:defRPr sz="1000"/>
             </a:lvl3pPr>
             <a:lvl4pPr marL="1371600" indent="0">
               <a:buNone/>
-              <a:defRPr sz="1000"/>
+              <a:defRPr sz="900"/>
             </a:lvl4pPr>
             <a:lvl5pPr marL="1828800" indent="0">
               <a:buNone/>
-              <a:defRPr sz="1000"/>
+              <a:defRPr sz="900"/>
             </a:lvl5pPr>
             <a:lvl6pPr marL="2286000" indent="0">
               <a:buNone/>
-              <a:defRPr sz="1000"/>
+              <a:defRPr sz="900"/>
             </a:lvl6pPr>
             <a:lvl7pPr marL="2743200" indent="0">
               <a:buNone/>
-              <a:defRPr sz="1000"/>
+              <a:defRPr sz="900"/>
             </a:lvl7pPr>
             <a:lvl8pPr marL="3200400" indent="0">
               <a:buNone/>
-              <a:defRPr sz="1000"/>
+              <a:defRPr sz="900"/>
             </a:lvl8pPr>
             <a:lvl9pPr marL="3657600" indent="0">
               <a:buNone/>
-              <a:defRPr sz="1000"/>
+              <a:defRPr sz="900"/>
             </a:lvl9pPr>
           </a:lstStyle>
           <a:p>
-            <a:pPr lvl="0"/>
-            <a:r>
-              <a:rPr lang="en-US" smtClean="0"/>
-              <a:t>Edit Master text styles</a:t>
+            <a:r>
+              <a:rPr lang="en-US" smtClean="0"/>
+              <a:t>Click to edit Master text styles</a:t>
             </a:r>
           </a:p>
         </p:txBody>
@@ -2651,19 +2924,19 @@
             <a:spLocks noGrp="1"/>
           </p:cNvSpPr>
           <p:nvPr>
-            <p:ph type="dt" sz="half" idx="10"/>
-          </p:nvPr>
-        </p:nvSpPr>
-        <p:spPr/>
-        <p:txBody>
-          <a:bodyPr/>
-          <a:lstStyle/>
-          <a:p>
-            <a:fld id="{93E65311-B9FC-4DB5-9359-925C22807714}" type="datetimeFigureOut">
-              <a:rPr lang="en-GB" smtClean="0"/>
-              <a:t>04/05/2018</a:t>
+            <p:ph type="dt" sz="half" idx="3"/>
+          </p:nvPr>
+        </p:nvSpPr>
+        <p:spPr/>
+        <p:txBody>
+          <a:bodyPr/>
+          <a:lstStyle/>
+          <a:p>
+            <a:fld id="{B1065B16-CD03-4E87-A051-237B4F21015C}" type="datetimeFigureOut">
+              <a:rPr lang="en-US" smtClean="0"/>
+              <a:t>11/7/2009</a:t>
             </a:fld>
-            <a:endParaRPr lang="en-GB"/>
+            <a:endParaRPr lang="en-US"/>
           </a:p>
         </p:txBody>
       </p:sp>
@@ -2674,15 +2947,15 @@
             <a:spLocks noGrp="1"/>
           </p:cNvSpPr>
           <p:nvPr>
-            <p:ph type="ftr" sz="quarter" idx="11"/>
-          </p:nvPr>
-        </p:nvSpPr>
-        <p:spPr/>
-        <p:txBody>
-          <a:bodyPr/>
-          <a:lstStyle/>
-          <a:p>
-            <a:endParaRPr lang="en-GB"/>
+            <p:ph type="ftr" sz="quarter" idx="4"/>
+          </p:nvPr>
+        </p:nvSpPr>
+        <p:spPr/>
+        <p:txBody>
+          <a:bodyPr/>
+          <a:lstStyle/>
+          <a:p>
+            <a:endParaRPr lang="en-US"/>
           </a:p>
         </p:txBody>
       </p:sp>
@@ -2693,28 +2966,23 @@
             <a:spLocks noGrp="1"/>
           </p:cNvSpPr>
           <p:nvPr>
-            <p:ph type="sldNum" sz="quarter" idx="12"/>
-          </p:nvPr>
-        </p:nvSpPr>
-        <p:spPr/>
-        <p:txBody>
-          <a:bodyPr/>
-          <a:lstStyle/>
-          <a:p>
-            <a:fld id="{1B9711E9-D4E5-4710-8438-BA061E3B3551}" type="slidenum">
-              <a:rPr lang="en-GB" smtClean="0"/>
+            <p:ph type="sldNum" sz="quarter" idx="5"/>
+          </p:nvPr>
+        </p:nvSpPr>
+        <p:spPr/>
+        <p:txBody>
+          <a:bodyPr/>
+          <a:lstStyle/>
+          <a:p>
+            <a:fld id="{93AE1883-0942-4AA3-9DB2-9C7C3A0314B1}" type="slidenum">
+              <a:rPr lang="en-US" smtClean="0"/>
               <a:t>‹#›</a:t>
             </a:fld>
-            <a:endParaRPr lang="en-GB"/>
+            <a:endParaRPr lang="en-US"/>
           </a:p>
         </p:txBody>
       </p:sp>
     </p:spTree>
-    <p:extLst>
-      <p:ext uri="{BB962C8B-B14F-4D97-AF65-F5344CB8AC3E}">
-        <p14:creationId xmlns:p14="http://schemas.microsoft.com/office/powerpoint/2010/main" val="2174982004"/>
-      </p:ext>
-    </p:extLst>
   </p:cSld>
   <p:clrMapOvr>
     <a:masterClrMapping/>
@@ -2756,8 +3024,8 @@
         </p:nvSpPr>
         <p:spPr>
           <a:xfrm>
-            <a:off x="838200" y="365125"/>
-            <a:ext cx="10515600" cy="1325563"/>
+            <a:off x="457200" y="274638"/>
+            <a:ext cx="8229600" cy="1143000"/>
           </a:xfrm>
           <a:prstGeom prst="rect">
             <a:avLst/>
@@ -2773,7 +3041,7 @@
               <a:rPr lang="en-US" smtClean="0"/>
               <a:t>Click to edit Master title style</a:t>
             </a:r>
-            <a:endParaRPr lang="en-GB"/>
+            <a:endParaRPr lang="en-US"/>
           </a:p>
         </p:txBody>
       </p:sp>
@@ -2789,8 +3057,8 @@
         </p:nvSpPr>
         <p:spPr>
           <a:xfrm>
-            <a:off x="838200" y="1825625"/>
-            <a:ext cx="10515600" cy="4351338"/>
+            <a:off x="457200" y="1600200"/>
+            <a:ext cx="8229600" cy="4525963"/>
           </a:xfrm>
           <a:prstGeom prst="rect">
             <a:avLst/>
@@ -2802,10 +3070,9 @@
           </a:bodyPr>
           <a:lstStyle/>
           <a:p>
-            <a:pPr lvl="0"/>
-            <a:r>
-              <a:rPr lang="en-US" smtClean="0"/>
-              <a:t>Edit Master text styles</a:t>
+            <a:r>
+              <a:rPr lang="en-US" smtClean="0"/>
+              <a:t>Click to edit Master text styles</a:t>
             </a:r>
           </a:p>
           <a:p>
@@ -2835,7 +3102,7 @@
               <a:rPr lang="en-US" smtClean="0"/>
               <a:t>Fifth level</a:t>
             </a:r>
-            <a:endParaRPr lang="en-GB"/>
+            <a:endParaRPr lang="en-US"/>
           </a:p>
         </p:txBody>
       </p:sp>
@@ -2851,8 +3118,8 @@
         </p:nvSpPr>
         <p:spPr>
           <a:xfrm>
-            <a:off x="838200" y="6356350"/>
-            <a:ext cx="2743200" cy="365125"/>
+            <a:off x="457200" y="6356350"/>
+            <a:ext cx="2133600" cy="365125"/>
           </a:xfrm>
           <a:prstGeom prst="rect">
             <a:avLst/>
@@ -2872,11 +3139,11 @@
             </a:lvl1pPr>
           </a:lstStyle>
           <a:p>
-            <a:fld id="{93E65311-B9FC-4DB5-9359-925C22807714}" type="datetimeFigureOut">
-              <a:rPr lang="en-GB" smtClean="0"/>
-              <a:t>04/05/2018</a:t>
+            <a:fld id="{E8FD0B7A-F5DD-4F40-B4CB-3B2C354B893A}" type="datetimeFigureOut">
+              <a:rPr lang="en-US" smtClean="0"/>
+              <a:t>11/7/2009</a:t>
             </a:fld>
-            <a:endParaRPr lang="en-GB"/>
+            <a:endParaRPr lang="en-US"/>
           </a:p>
         </p:txBody>
       </p:sp>
@@ -2892,8 +3159,8 @@
         </p:nvSpPr>
         <p:spPr>
           <a:xfrm>
-            <a:off x="4038600" y="6356350"/>
-            <a:ext cx="4114800" cy="365125"/>
+            <a:off x="3124200" y="6356350"/>
+            <a:ext cx="2895600" cy="365125"/>
           </a:xfrm>
           <a:prstGeom prst="rect">
             <a:avLst/>
@@ -2913,7 +3180,7 @@
             </a:lvl1pPr>
           </a:lstStyle>
           <a:p>
-            <a:endParaRPr lang="en-GB"/>
+            <a:endParaRPr lang="en-US"/>
           </a:p>
         </p:txBody>
       </p:sp>
@@ -2929,8 +3196,8 @@
         </p:nvSpPr>
         <p:spPr>
           <a:xfrm>
-            <a:off x="8610600" y="6356350"/>
-            <a:ext cx="2743200" cy="365125"/>
+            <a:off x="6553200" y="6356350"/>
+            <a:ext cx="2133600" cy="365125"/>
           </a:xfrm>
           <a:prstGeom prst="rect">
             <a:avLst/>
@@ -2950,20 +3217,15 @@
             </a:lvl1pPr>
           </a:lstStyle>
           <a:p>
-            <a:fld id="{1B9711E9-D4E5-4710-8438-BA061E3B3551}" type="slidenum">
-              <a:rPr lang="en-GB" smtClean="0"/>
+            <a:fld id="{93AE1883-0942-4AA3-9DB2-9C7C3A0314B1}" type="slidenum">
+              <a:rPr lang="en-US" smtClean="0"/>
               <a:t>‹#›</a:t>
             </a:fld>
-            <a:endParaRPr lang="en-GB"/>
+            <a:endParaRPr lang="en-US"/>
           </a:p>
         </p:txBody>
       </p:sp>
     </p:spTree>
-    <p:extLst>
-      <p:ext uri="{BB962C8B-B14F-4D97-AF65-F5344CB8AC3E}">
-        <p14:creationId xmlns:p14="http://schemas.microsoft.com/office/powerpoint/2010/main" val="3602968343"/>
-      </p:ext>
-    </p:extLst>
   </p:cSld>
   <p:clrMap bg1="lt1" tx1="dk1" bg2="lt2" tx2="dk2" accent1="accent1" accent2="accent2" accent3="accent3" accent4="accent4" accent5="accent5" accent6="accent6" hlink="hlink" folHlink="folHlink"/>
   <p:sldLayoutIdLst>
@@ -2983,10 +3245,7 @@
   <p:timing/>
   <p:txStyles>
     <p:titleStyle>
-      <a:lvl1pPr algn="l" defTabSz="914400" rtl="0" eaLnBrk="1" latinLnBrk="0" hangingPunct="1">
-        <a:lnSpc>
-          <a:spcPct val="90000"/>
-        </a:lnSpc>
+      <a:lvl1pPr algn="ctr" defTabSz="914400" rtl="0" eaLnBrk="1" latinLnBrk="0" hangingPunct="1">
         <a:spcBef>
           <a:spcPct val="0"/>
         </a:spcBef>
@@ -3002,15 +3261,27 @@
       </a:lvl1pPr>
     </p:titleStyle>
     <p:bodyStyle>
-      <a:lvl1pPr marL="228600" indent="-228600" algn="l" defTabSz="914400" rtl="0" eaLnBrk="1" latinLnBrk="0" hangingPunct="1">
-        <a:lnSpc>
-          <a:spcPct val="90000"/>
-        </a:lnSpc>
+      <a:lvl1pPr marL="342900" indent="-342900" algn="l" defTabSz="914400" rtl="0" eaLnBrk="1" latinLnBrk="0" hangingPunct="1">
         <a:spcBef>
-          <a:spcPts val="1000"/>
+          <a:spcPct val="20000"/>
         </a:spcBef>
         <a:buFont typeface="Arial" pitchFamily="34" charset="0"/>
         <a:buChar char="•"/>
+        <a:defRPr sz="3200" kern="1200">
+          <a:solidFill>
+            <a:schemeClr val="tx1"/>
+          </a:solidFill>
+          <a:latin typeface="+mn-lt"/>
+          <a:ea typeface="+mn-ea"/>
+          <a:cs typeface="+mn-cs"/>
+        </a:defRPr>
+      </a:lvl1pPr>
+      <a:lvl2pPr marL="742950" indent="-285750" algn="l" defTabSz="914400" rtl="0" eaLnBrk="1" latinLnBrk="0" hangingPunct="1">
+        <a:spcBef>
+          <a:spcPct val="20000"/>
+        </a:spcBef>
+        <a:buFont typeface="Arial" pitchFamily="34" charset="0"/>
+        <a:buChar char="–"/>
         <a:defRPr sz="2800" kern="1200">
           <a:solidFill>
             <a:schemeClr val="tx1"/>
@@ -3019,13 +3290,10 @@
           <a:ea typeface="+mn-ea"/>
           <a:cs typeface="+mn-cs"/>
         </a:defRPr>
-      </a:lvl1pPr>
-      <a:lvl2pPr marL="685800" indent="-228600" algn="l" defTabSz="914400" rtl="0" eaLnBrk="1" latinLnBrk="0" hangingPunct="1">
-        <a:lnSpc>
-          <a:spcPct val="90000"/>
-        </a:lnSpc>
+      </a:lvl2pPr>
+      <a:lvl3pPr marL="1143000" indent="-228600" algn="l" defTabSz="914400" rtl="0" eaLnBrk="1" latinLnBrk="0" hangingPunct="1">
         <a:spcBef>
-          <a:spcPts val="500"/>
+          <a:spcPct val="20000"/>
         </a:spcBef>
         <a:buFont typeface="Arial" pitchFamily="34" charset="0"/>
         <a:buChar char="•"/>
@@ -3037,13 +3305,40 @@
           <a:ea typeface="+mn-ea"/>
           <a:cs typeface="+mn-cs"/>
         </a:defRPr>
-      </a:lvl2pPr>
-      <a:lvl3pPr marL="1143000" indent="-228600" algn="l" defTabSz="914400" rtl="0" eaLnBrk="1" latinLnBrk="0" hangingPunct="1">
-        <a:lnSpc>
-          <a:spcPct val="90000"/>
-        </a:lnSpc>
+      </a:lvl3pPr>
+      <a:lvl4pPr marL="1600200" indent="-228600" algn="l" defTabSz="914400" rtl="0" eaLnBrk="1" latinLnBrk="0" hangingPunct="1">
         <a:spcBef>
-          <a:spcPts val="500"/>
+          <a:spcPct val="20000"/>
+        </a:spcBef>
+        <a:buFont typeface="Arial" pitchFamily="34" charset="0"/>
+        <a:buChar char="–"/>
+        <a:defRPr sz="2000" kern="1200">
+          <a:solidFill>
+            <a:schemeClr val="tx1"/>
+          </a:solidFill>
+          <a:latin typeface="+mn-lt"/>
+          <a:ea typeface="+mn-ea"/>
+          <a:cs typeface="+mn-cs"/>
+        </a:defRPr>
+      </a:lvl4pPr>
+      <a:lvl5pPr marL="2057400" indent="-228600" algn="l" defTabSz="914400" rtl="0" eaLnBrk="1" latinLnBrk="0" hangingPunct="1">
+        <a:spcBef>
+          <a:spcPct val="20000"/>
+        </a:spcBef>
+        <a:buFont typeface="Arial" pitchFamily="34" charset="0"/>
+        <a:buChar char="»"/>
+        <a:defRPr sz="2000" kern="1200">
+          <a:solidFill>
+            <a:schemeClr val="tx1"/>
+          </a:solidFill>
+          <a:latin typeface="+mn-lt"/>
+          <a:ea typeface="+mn-ea"/>
+          <a:cs typeface="+mn-cs"/>
+        </a:defRPr>
+      </a:lvl5pPr>
+      <a:lvl6pPr marL="2514600" indent="-228600" algn="l" defTabSz="914400" rtl="0" eaLnBrk="1" latinLnBrk="0" hangingPunct="1">
+        <a:spcBef>
+          <a:spcPct val="20000"/>
         </a:spcBef>
         <a:buFont typeface="Arial" pitchFamily="34" charset="0"/>
         <a:buChar char="•"/>
@@ -3055,71 +3350,14 @@
           <a:ea typeface="+mn-ea"/>
           <a:cs typeface="+mn-cs"/>
         </a:defRPr>
-      </a:lvl3pPr>
-      <a:lvl4pPr marL="1600200" indent="-228600" algn="l" defTabSz="914400" rtl="0" eaLnBrk="1" latinLnBrk="0" hangingPunct="1">
-        <a:lnSpc>
-          <a:spcPct val="90000"/>
-        </a:lnSpc>
+      </a:lvl6pPr>
+      <a:lvl7pPr marL="2971800" indent="-228600" algn="l" defTabSz="914400" rtl="0" eaLnBrk="1" latinLnBrk="0" hangingPunct="1">
         <a:spcBef>
-          <a:spcPts val="500"/>
+          <a:spcPct val="20000"/>
         </a:spcBef>
         <a:buFont typeface="Arial" pitchFamily="34" charset="0"/>
         <a:buChar char="•"/>
-        <a:defRPr sz="1800" kern="1200">
-          <a:solidFill>
-            <a:schemeClr val="tx1"/>
-          </a:solidFill>
-          <a:latin typeface="+mn-lt"/>
-          <a:ea typeface="+mn-ea"/>
-          <a:cs typeface="+mn-cs"/>
-        </a:defRPr>
-      </a:lvl4pPr>
-      <a:lvl5pPr marL="2057400" indent="-228600" algn="l" defTabSz="914400" rtl="0" eaLnBrk="1" latinLnBrk="0" hangingPunct="1">
-        <a:lnSpc>
-          <a:spcPct val="90000"/>
-        </a:lnSpc>
-        <a:spcBef>
-          <a:spcPts val="500"/>
-        </a:spcBef>
-        <a:buFont typeface="Arial" pitchFamily="34" charset="0"/>
-        <a:buChar char="•"/>
-        <a:defRPr sz="1800" kern="1200">
-          <a:solidFill>
-            <a:schemeClr val="tx1"/>
-          </a:solidFill>
-          <a:latin typeface="+mn-lt"/>
-          <a:ea typeface="+mn-ea"/>
-          <a:cs typeface="+mn-cs"/>
-        </a:defRPr>
-      </a:lvl5pPr>
-      <a:lvl6pPr marL="2514600" indent="-228600" algn="l" defTabSz="914400" rtl="0" eaLnBrk="1" latinLnBrk="0" hangingPunct="1">
-        <a:lnSpc>
-          <a:spcPct val="90000"/>
-        </a:lnSpc>
-        <a:spcBef>
-          <a:spcPts val="500"/>
-        </a:spcBef>
-        <a:buFont typeface="Arial" pitchFamily="34" charset="0"/>
-        <a:buChar char="•"/>
-        <a:defRPr sz="1800" kern="1200">
-          <a:solidFill>
-            <a:schemeClr val="tx1"/>
-          </a:solidFill>
-          <a:latin typeface="+mn-lt"/>
-          <a:ea typeface="+mn-ea"/>
-          <a:cs typeface="+mn-cs"/>
-        </a:defRPr>
-      </a:lvl6pPr>
-      <a:lvl7pPr marL="2971800" indent="-228600" algn="l" defTabSz="914400" rtl="0" eaLnBrk="1" latinLnBrk="0" hangingPunct="1">
-        <a:lnSpc>
-          <a:spcPct val="90000"/>
-        </a:lnSpc>
-        <a:spcBef>
-          <a:spcPts val="500"/>
-        </a:spcBef>
-        <a:buFont typeface="Arial" pitchFamily="34" charset="0"/>
-        <a:buChar char="•"/>
-        <a:defRPr sz="1800" kern="1200">
+        <a:defRPr sz="2000" kern="1200">
           <a:solidFill>
             <a:schemeClr val="tx1"/>
           </a:solidFill>
@@ -3129,15 +3367,12 @@
         </a:defRPr>
       </a:lvl7pPr>
       <a:lvl8pPr marL="3429000" indent="-228600" algn="l" defTabSz="914400" rtl="0" eaLnBrk="1" latinLnBrk="0" hangingPunct="1">
-        <a:lnSpc>
-          <a:spcPct val="90000"/>
-        </a:lnSpc>
         <a:spcBef>
-          <a:spcPts val="500"/>
+          <a:spcPct val="20000"/>
         </a:spcBef>
         <a:buFont typeface="Arial" pitchFamily="34" charset="0"/>
         <a:buChar char="•"/>
-        <a:defRPr sz="1800" kern="1200">
+        <a:defRPr sz="2000" kern="1200">
           <a:solidFill>
             <a:schemeClr val="tx1"/>
           </a:solidFill>
@@ -3147,15 +3382,12 @@
         </a:defRPr>
       </a:lvl8pPr>
       <a:lvl9pPr marL="3886200" indent="-228600" algn="l" defTabSz="914400" rtl="0" eaLnBrk="1" latinLnBrk="0" hangingPunct="1">
-        <a:lnSpc>
-          <a:spcPct val="90000"/>
-        </a:lnSpc>
         <a:spcBef>
-          <a:spcPts val="500"/>
+          <a:spcPct val="20000"/>
         </a:spcBef>
         <a:buFont typeface="Arial" pitchFamily="34" charset="0"/>
         <a:buChar char="•"/>
-        <a:defRPr sz="1800" kern="1200">
+        <a:defRPr sz="2000" kern="1200">
           <a:solidFill>
             <a:schemeClr val="tx1"/>
           </a:solidFill>
@@ -3279,47 +3511,25 @@
           <a:ext cx="0" cy="0"/>
         </a:xfrm>
       </p:grpSpPr>
-      <p:sp>
-        <p:nvSpPr>
-          <p:cNvPr id="2" name="Title 1"/>
-          <p:cNvSpPr>
-            <a:spLocks noGrp="1"/>
-          </p:cNvSpPr>
-          <p:nvPr>
-            <p:ph type="title"/>
-          </p:nvPr>
-        </p:nvSpPr>
-        <p:spPr/>
-        <p:txBody>
-          <a:bodyPr/>
-          <a:lstStyle/>
-          <a:p>
-            <a:endParaRPr lang="en-GB"/>
-          </a:p>
-        </p:txBody>
-      </p:sp>
-      <p:sp>
-        <p:nvSpPr>
-          <p:cNvPr id="3" name="Content Placeholder 2"/>
-          <p:cNvSpPr>
-            <a:spLocks noGrp="1"/>
-          </p:cNvSpPr>
-          <p:nvPr>
-            <p:ph idx="1"/>
-          </p:nvPr>
-        </p:nvSpPr>
-        <p:spPr/>
-        <p:txBody>
-          <a:bodyPr/>
-          <a:lstStyle/>
-          <a:p>
-            <a:endParaRPr lang="en-GB"/>
-          </a:p>
-        </p:txBody>
-      </p:sp>
       <p:graphicFrame>
         <p:nvGraphicFramePr>
-          <p:cNvPr id="4" name="ChartObject"/>
+          <p:cNvPr id="2" name="ChartObject"/>
+          <p:cNvGraphicFramePr/>
+          <p:nvPr/>
+        </p:nvGraphicFramePr>
+        <p:xfrm>
+          <a:off x="635000" y="635000"/>
+          <a:ext cx="5715000" cy="3810000"/>
+        </p:xfrm>
+        <a:graphic>
+          <a:graphicData uri="http://schemas.openxmlformats.org/drawingml/2006/chart">
+            <c:chart xmlns:c="http://schemas.openxmlformats.org/drawingml/2006/chart" r:id="rId2"/>
+          </a:graphicData>
+        </a:graphic>
+      </p:graphicFrame>
+      <p:graphicFrame>
+        <p:nvGraphicFramePr>
+          <p:cNvPr id="3" name="ChartObject"/>
           <p:cNvGraphicFramePr/>
           <p:nvPr/>
         </p:nvGraphicFramePr>
@@ -3329,87 +3539,11 @@
         </p:xfrm>
         <a:graphic>
           <a:graphicData uri="http://schemas.openxmlformats.org/drawingml/2006/chart">
-            <c:chart xmlns:c="http://schemas.openxmlformats.org/drawingml/2006/chart" r:id="rId2"/>
+            <c:chart xmlns:c="http://schemas.openxmlformats.org/drawingml/2006/chart" r:id="rId3"/>
           </a:graphicData>
         </a:graphic>
       </p:graphicFrame>
-      <p:sp>
-        <p:nvSpPr>
-          <p:cNvPr id="5" name="TextBox"/>
-          <p:cNvSpPr txBox="1">
-            <a:spLocks noGrp="1" noSelect="1" noRot="1" noMove="1"/>
-          </p:cNvSpPr>
-          <p:nvPr/>
-        </p:nvSpPr>
-        <p:spPr>
-          <a:xfrm>
-            <a:off x="2890520" y="2644140"/>
-            <a:ext cx="6411372" cy="1569660"/>
-          </a:xfrm>
-          <a:prstGeom prst="rect">
-            <a:avLst/>
-          </a:prstGeom>
-          <a:noFill/>
-        </p:spPr>
-        <p:txBody>
-          <a:bodyPr wrap="none" rtlCol="0" anchor="ctr" anchorCtr="1">
-            <a:spAutoFit/>
-          </a:bodyPr>
-          <a:lstStyle>
-            <a:lvl1pPr algn="l">
-              <a:lnSpc>
-                <a:spcPct val="150000"/>
-              </a:lnSpc>
-              <a:spcBef>
-                <a:spcPct val="0"/>
-              </a:spcBef>
-              <a:spcAft>
-                <a:spcPct val="0"/>
-              </a:spcAft>
-              <a:defRPr lang="en-US" sz="3200" b="1" noProof="1" dirty="0">
-                <a:solidFill>
-                  <a:prstClr val="red">
-                    <a:lumOff val="30000"/>
-                    <a:alpha val="40000"/>
-                  </a:prstClr>
-                </a:solidFill>
-                <a:effectLst>
-                  <a:outerShdw blurRad="50800" dist="38100" algn="tr" rotWithShape="0">
-                    <a:prstClr val="black">
-                      <a:alpha val="80000"/>
-                    </a:prstClr>
-                  </a:outerShdw>
-                </a:effectLst>
-                <a:latin typeface="Calibri" pitchFamily="34" charset="0"/>
-              </a:defRPr>
-            </a:lvl1pPr>
-          </a:lstStyle>
-          <a:p>
-            <a:pPr algn="ctr"/>
-            <a:r>
-              <a:t>Evaluation only.</a:t>
-            </a:r>
-          </a:p>
-          <a:p>
-            <a:pPr algn="ctr"/>
-            <a:r>
-              <a:t>Created with Aspose.Slides for .NET 4.0 Client Profile 19.5.</a:t>
-            </a:r>
-          </a:p>
-          <a:p>
-            <a:pPr algn="ctr"/>
-            <a:r>
-              <a:t>Copyright 2004-2019Aspose Pty Ltd.</a:t>
-            </a:r>
-          </a:p>
-        </p:txBody>
-      </p:sp>
     </p:spTree>
-    <p:extLst>
-      <p:ext uri="{BB962C8B-B14F-4D97-AF65-F5344CB8AC3E}">
-        <p14:creationId xmlns:p14="http://schemas.microsoft.com/office/powerpoint/2010/main" val="2902878536"/>
-      </p:ext>
-    </p:extLst>
   </p:cSld>
   <p:clrMapOvr>
     <a:masterClrMapping/>
@@ -3423,9 +3557,9 @@
 <p:tagLst xmlns:p="http://schemas.openxmlformats.org/presentationml/2006/main">
   <p:tag name="AS_NET" val="4.0.30319.42000"/>
   <p:tag name="AS_OS" val="Microsoft Windows NT 6.2.9200.0"/>
-  <p:tag name="AS_RELEASE_DATE" val="2019.05.17"/>
+  <p:tag name="AS_RELEASE_DATE" val="2019.06.14"/>
   <p:tag name="AS_TITLE" val="Aspose.Slides for .NET 4.0 Client Profile"/>
-  <p:tag name="AS_VERSION" val="19.5"/>
+  <p:tag name="AS_VERSION" val="19.6"/>
 </p:tagLst>
 </file>
 
@@ -3440,44 +3574,44 @@
         <a:sysClr val="window" lastClr="FFFFFF"/>
       </a:lt1>
       <a:dk2>
-        <a:srgbClr val="44546A"/>
+        <a:srgbClr val="1F497D"/>
       </a:dk2>
       <a:lt2>
-        <a:srgbClr val="E7E6E6"/>
+        <a:srgbClr val="EEECE1"/>
       </a:lt2>
       <a:accent1>
-        <a:srgbClr val="5B9BD5"/>
+        <a:srgbClr val="4F81BD"/>
       </a:accent1>
       <a:accent2>
-        <a:srgbClr val="ED7D31"/>
+        <a:srgbClr val="C0504D"/>
       </a:accent2>
       <a:accent3>
-        <a:srgbClr val="A5A5A5"/>
+        <a:srgbClr val="9BBB59"/>
       </a:accent3>
       <a:accent4>
-        <a:srgbClr val="FFC000"/>
+        <a:srgbClr val="8064A2"/>
       </a:accent4>
       <a:accent5>
-        <a:srgbClr val="4472C4"/>
+        <a:srgbClr val="4BACC6"/>
       </a:accent5>
       <a:accent6>
-        <a:srgbClr val="70AD47"/>
+        <a:srgbClr val="F79646"/>
       </a:accent6>
       <a:hlink>
-        <a:srgbClr val="0563C1"/>
+        <a:srgbClr val="0000FF"/>
       </a:hlink>
       <a:folHlink>
-        <a:srgbClr val="954F72"/>
+        <a:srgbClr val="800080"/>
       </a:folHlink>
     </a:clrScheme>
     <a:fontScheme name="Office">
       <a:majorFont>
-        <a:latin typeface="Calibri Light" panose="020f0302020204030204"/>
-        <a:ea typeface="Arial"/>
-        <a:cs typeface="Arial"/>
-        <a:font script="Jpan" typeface="游ゴシック Light"/>
-        <a:font script="Hang" typeface="맑은 고딕"/>
-        <a:font script="Hans" typeface="等线 Light"/>
+        <a:latin typeface="Calibri"/>
+        <a:ea typeface="Arial" pitchFamily="34" charset="0"/>
+        <a:cs typeface="Arial" pitchFamily="34" charset="0"/>
+        <a:font script="Jpan" typeface="ＭＳ%20Ｐゴシック"/>
+        <a:font script="Hang" typeface="맑은%20고딕"/>
+        <a:font script="Hans" typeface="宋体"/>
         <a:font script="Hant" typeface="新細明體"/>
         <a:font script="Arab" typeface="Times New Roman"/>
         <a:font script="Hebr" typeface="Times New Roman"/>
@@ -3507,12 +3641,12 @@
         <a:font script="Geor" typeface="Sylfaen"/>
       </a:majorFont>
       <a:minorFont>
-        <a:latin typeface="Calibri" panose="020f0502020204030204"/>
-        <a:ea typeface="Arial"/>
-        <a:cs typeface="Arial"/>
-        <a:font script="Jpan" typeface="游ゴシック"/>
-        <a:font script="Hang" typeface="맑은 고딕"/>
-        <a:font script="Hans" typeface="等线"/>
+        <a:latin typeface="Calibri"/>
+        <a:ea typeface="Arial" pitchFamily="34" charset="0"/>
+        <a:cs typeface="Arial" pitchFamily="34" charset="0"/>
+        <a:font script="Jpan" typeface="ＭＳ%20Ｐゴシック"/>
+        <a:font script="Hang" typeface="맑은%20고딕"/>
+        <a:font script="Hans" typeface="宋体"/>
         <a:font script="Hant" typeface="新細明體"/>
         <a:font script="Arab" typeface="Arial"/>
         <a:font script="Hebr" typeface="Arial"/>
@@ -3551,140 +3685,163 @@
           <a:gsLst>
             <a:gs pos="0">
               <a:schemeClr val="phClr">
-                <a:lumMod val="110000"/>
-                <a:satMod val="105000"/>
-                <a:tint val="67000"/>
+                <a:tint val="50000"/>
+                <a:satMod val="300000"/>
               </a:schemeClr>
             </a:gs>
-            <a:gs pos="50000">
+            <a:gs pos="35000">
               <a:schemeClr val="phClr">
-                <a:lumMod val="105000"/>
-                <a:satMod val="103000"/>
-                <a:tint val="73000"/>
+                <a:tint val="37000"/>
+                <a:satMod val="300000"/>
               </a:schemeClr>
             </a:gs>
             <a:gs pos="100000">
               <a:schemeClr val="phClr">
-                <a:lumMod val="105000"/>
-                <a:satMod val="109000"/>
-                <a:tint val="81000"/>
+                <a:tint val="15000"/>
+                <a:satMod val="350000"/>
               </a:schemeClr>
             </a:gs>
           </a:gsLst>
-          <a:lin ang="5400000" scaled="0"/>
+          <a:lin ang="16200000" scaled="1"/>
         </a:gradFill>
         <a:gradFill rotWithShape="1">
           <a:gsLst>
             <a:gs pos="0">
               <a:schemeClr val="phClr">
-                <a:satMod val="103000"/>
-                <a:lumMod val="102000"/>
-                <a:tint val="94000"/>
+                <a:shade val="51000"/>
+                <a:satMod val="130000"/>
               </a:schemeClr>
             </a:gs>
-            <a:gs pos="50000">
+            <a:gs pos="80000">
               <a:schemeClr val="phClr">
-                <a:satMod val="110000"/>
-                <a:lumMod val="100000"/>
-                <a:shade val="100000"/>
+                <a:shade val="93000"/>
+                <a:satMod val="130000"/>
               </a:schemeClr>
             </a:gs>
             <a:gs pos="100000">
               <a:schemeClr val="phClr">
-                <a:lumMod val="99000"/>
-                <a:satMod val="120000"/>
-                <a:shade val="78000"/>
+                <a:shade val="94000"/>
+                <a:satMod val="135000"/>
               </a:schemeClr>
             </a:gs>
           </a:gsLst>
-          <a:lin ang="5400000" scaled="0"/>
+          <a:lin ang="16200000" scaled="0"/>
         </a:gradFill>
       </a:fillStyleLst>
       <a:lnStyleLst>
-        <a:ln w="6350" cap="flat" cmpd="sng" algn="ctr">
+        <a:ln w="9525" cap="flat" cmpd="sng" algn="ctr">
+          <a:solidFill>
+            <a:schemeClr val="phClr">
+              <a:shade val="95000"/>
+              <a:satMod val="105000"/>
+            </a:schemeClr>
+          </a:solidFill>
+          <a:prstDash val="solid"/>
+        </a:ln>
+        <a:ln w="25400" cap="flat" cmpd="sng" algn="ctr">
           <a:solidFill>
             <a:schemeClr val="phClr"/>
           </a:solidFill>
           <a:prstDash val="solid"/>
-          <a:miter lim="800000"/>
         </a:ln>
-        <a:ln w="12700" cap="flat" cmpd="sng" algn="ctr">
+        <a:ln w="38100" cap="flat" cmpd="sng" algn="ctr">
           <a:solidFill>
             <a:schemeClr val="phClr"/>
           </a:solidFill>
           <a:prstDash val="solid"/>
-          <a:miter lim="800000"/>
-        </a:ln>
-        <a:ln w="19050" cap="flat" cmpd="sng" algn="ctr">
-          <a:solidFill>
-            <a:schemeClr val="phClr"/>
-          </a:solidFill>
-          <a:prstDash val="solid"/>
-          <a:miter lim="800000"/>
         </a:ln>
       </a:lnStyleLst>
       <a:effectStyleLst>
         <a:effectStyle>
-          <a:effectLst/>
-        </a:effectStyle>
-        <a:effectStyle>
-          <a:effectLst/>
+          <a:effectLst>
+            <a:outerShdw blurRad="40000" dist="20000" dir="5400000" rotWithShape="0">
+              <a:srgbClr val="000000">
+                <a:alpha val="38000"/>
+              </a:srgbClr>
+            </a:outerShdw>
+          </a:effectLst>
         </a:effectStyle>
         <a:effectStyle>
           <a:effectLst>
-            <a:outerShdw blurRad="57150" dist="19050" dir="5400000" algn="ctr" rotWithShape="0">
+            <a:outerShdw blurRad="40000" dist="23000" dir="5400000" rotWithShape="0">
               <a:srgbClr val="000000">
-                <a:alpha val="63000"/>
+                <a:alpha val="35000"/>
               </a:srgbClr>
             </a:outerShdw>
           </a:effectLst>
+        </a:effectStyle>
+        <a:effectStyle>
+          <a:effectLst>
+            <a:outerShdw blurRad="40000" dist="23000" dir="5400000" rotWithShape="0">
+              <a:srgbClr val="000000">
+                <a:alpha val="35000"/>
+              </a:srgbClr>
+            </a:outerShdw>
+          </a:effectLst>
+          <a:scene3d>
+            <a:camera prst="orthographicFront">
+              <a:rot lat="0" lon="0" rev="0"/>
+            </a:camera>
+            <a:lightRig rig="threePt" dir="t">
+              <a:rot lat="0" lon="0" rev="1200000"/>
+            </a:lightRig>
+          </a:scene3d>
+          <a:sp3d>
+            <a:bevelT w="63500" h="25400"/>
+          </a:sp3d>
         </a:effectStyle>
       </a:effectStyleLst>
       <a:bgFillStyleLst>
         <a:solidFill>
           <a:schemeClr val="phClr"/>
         </a:solidFill>
-        <a:solidFill>
-          <a:schemeClr val="phClr">
-            <a:tint val="95000"/>
-            <a:satMod val="170000"/>
-          </a:schemeClr>
-        </a:solidFill>
         <a:gradFill rotWithShape="1">
           <a:gsLst>
             <a:gs pos="0">
               <a:schemeClr val="phClr">
-                <a:tint val="93000"/>
-                <a:satMod val="150000"/>
-                <a:shade val="98000"/>
-                <a:lumMod val="102000"/>
+                <a:tint val="40000"/>
+                <a:satMod val="350000"/>
               </a:schemeClr>
             </a:gs>
-            <a:gs pos="50000">
+            <a:gs pos="40000">
               <a:schemeClr val="phClr">
-                <a:tint val="98000"/>
-                <a:satMod val="130000"/>
-                <a:shade val="90000"/>
-                <a:lumMod val="103000"/>
+                <a:tint val="45000"/>
+                <a:shade val="99000"/>
+                <a:satMod val="350000"/>
               </a:schemeClr>
             </a:gs>
             <a:gs pos="100000">
               <a:schemeClr val="phClr">
-                <a:shade val="63000"/>
-                <a:satMod val="120000"/>
+                <a:shade val="20000"/>
+                <a:satMod val="255000"/>
               </a:schemeClr>
             </a:gs>
           </a:gsLst>
-          <a:lin ang="5400000" scaled="0"/>
+          <a:path path="circle">
+            <a:fillToRect l="50000" t="-80000" r="50000" b="180000"/>
+          </a:path>
+        </a:gradFill>
+        <a:gradFill rotWithShape="1">
+          <a:gsLst>
+            <a:gs pos="0">
+              <a:schemeClr val="phClr">
+                <a:tint val="80000"/>
+                <a:satMod val="300000"/>
+              </a:schemeClr>
+            </a:gs>
+            <a:gs pos="100000">
+              <a:schemeClr val="phClr">
+                <a:shade val="30000"/>
+                <a:satMod val="200000"/>
+              </a:schemeClr>
+            </a:gs>
+          </a:gsLst>
+          <a:path path="circle">
+            <a:fillToRect l="50000" t="50000" r="50000" b="50000"/>
+          </a:path>
         </a:gradFill>
       </a:bgFillStyleLst>
     </a:fmtScheme>
   </a:themeElements>
-  <a:objectDefaults/>
-  <a:extLst>
-    <a:ext uri="{05A4C25C-085E-4340-85A3-A5531E510DB2}">
-      <thm15:themeFamily xmlns:thm15="http://schemas.microsoft.com/office/thememl/2012/main" name="Office Theme" id="{62F939B6-93AF-4DB8-9C6B-D6C7DFDC589F}" vid="{4A3C46E8-61CC-4603-A589-7422A47A8E4A}"/>
-    </a:ext>
-  </a:extLst>
 </a:theme>
 </file>
--- a/Examples/Data/Charts/output.pptx
+++ b/Examples/Data/Charts/output.pptx
@@ -1,6 +1,6 @@
 
 <file path=ppt/presentation.xml><?xml version="1.0" encoding="utf-8"?>
-<!--Generated by Aspose.Slides for .NET 19.6-->
+<!--Generated by Aspose.Slides for .NET 21.12-->
 <p:presentation xmlns:r="http://schemas.openxmlformats.org/officeDocument/2006/relationships" xmlns:a="http://schemas.openxmlformats.org/drawingml/2006/main" xmlns:p="http://schemas.openxmlformats.org/presentationml/2006/main" saveSubsetFonts="1">
   <p:sldMasterIdLst>
     <p:sldMasterId id="2147483648" r:id="rId1"/>
@@ -112,7 +112,7 @@
 </file>
 
 <file path=ppt/charts/chart1.xml><?xml version="1.0" encoding="utf-8"?>
-<c:chartSpace xmlns:a="http://schemas.openxmlformats.org/drawingml/2006/main" xmlns:r="http://schemas.openxmlformats.org/officeDocument/2006/relationships" xmlns:c="http://schemas.openxmlformats.org/drawingml/2006/chart">
+<c:chartSpace xmlns:a="http://schemas.openxmlformats.org/drawingml/2006/main" xmlns:r="http://schemas.openxmlformats.org/officeDocument/2006/relationships" xmlns:m="http://schemas.openxmlformats.org/officeDocument/2006/math" xmlns:w="http://schemas.openxmlformats.org/wordprocessingml/2006/main" xmlns:wp="http://schemas.openxmlformats.org/drawingml/2006/wordprocessingDrawing" xmlns:a14="http://schemas.microsoft.com/office/drawing/2010/main" xmlns:c="http://schemas.openxmlformats.org/drawingml/2006/chart">
   <c:date1904 val="0"/>
   <c:lang val="ru-RU"/>
   <c:roundedCorners val="0"/>
@@ -381,7 +381,7 @@
 </file>
 
 <file path=ppt/charts/chart2.xml><?xml version="1.0" encoding="utf-8"?>
-<c:chartSpace xmlns:a="http://schemas.openxmlformats.org/drawingml/2006/main" xmlns:r="http://schemas.openxmlformats.org/officeDocument/2006/relationships" xmlns:c="http://schemas.openxmlformats.org/drawingml/2006/chart">
+<c:chartSpace xmlns:a="http://schemas.openxmlformats.org/drawingml/2006/main" xmlns:r="http://schemas.openxmlformats.org/officeDocument/2006/relationships" xmlns:m="http://schemas.openxmlformats.org/officeDocument/2006/math" xmlns:w="http://schemas.openxmlformats.org/wordprocessingml/2006/main" xmlns:wp="http://schemas.openxmlformats.org/drawingml/2006/wordprocessingDrawing" xmlns:a14="http://schemas.microsoft.com/office/drawing/2010/main" xmlns:c="http://schemas.openxmlformats.org/drawingml/2006/chart">
   <c:date1904 val="0"/>
   <c:roundedCorners val="0"/>
   <mc:AlternateContent xmlns:mc="http://schemas.openxmlformats.org/markup-compatibility/2006">
@@ -644,11 +644,11 @@
         <c:upDownBars>
           <c:gapWidth/>
         </c:upDownBars>
-        <c:axId val="69529759"/>
-        <c:axId val="1865715220"/>
+        <c:axId val="310810405"/>
+        <c:axId val="570002810"/>
       </c:stockChart>
       <c:catAx>
-        <c:axId val="69529759"/>
+        <c:axId val="310810405"/>
         <c:scaling>
           <c:orientation/>
         </c:scaling>
@@ -659,14 +659,14 @@
         <c:numFmt formatCode="General" sourceLinked="1"/>
         <c:majorTickMark val="out"/>
         <c:minorTickMark val="none"/>
-        <c:crossAx val="1865715220"/>
+        <c:crossAx val="570002810"/>
         <c:crosses val="autoZero"/>
         <c:auto val="0"/>
         <c:lblOffset/>
         <c:noMultiLvlLbl val="0"/>
       </c:catAx>
       <c:valAx>
-        <c:axId val="1865715220"/>
+        <c:axId val="570002810"/>
         <c:scaling>
           <c:orientation/>
         </c:scaling>
@@ -677,7 +677,7 @@
         <c:numFmt formatCode="General" sourceLinked="1"/>
         <c:majorTickMark val="out"/>
         <c:minorTickMark val="none"/>
-        <c:crossAx val="69529759"/>
+        <c:crossAx val="310810405"/>
         <c:crosses val="autoZero"/>
       </c:valAx>
     </c:plotArea>
@@ -694,11 +694,11 @@
 </file>
 
 <file path=ppt/slideLayouts/slideLayout1.xml><?xml version="1.0" encoding="utf-8"?>
-<p:sldLayout xmlns:a="http://schemas.openxmlformats.org/drawingml/2006/main" xmlns:r="http://schemas.openxmlformats.org/officeDocument/2006/relationships" xmlns:p14="http://schemas.microsoft.com/office/powerpoint/2010/main" xmlns:a14="http://schemas.microsoft.com/office/drawing/2010/main" xmlns:p15="http://schemas.microsoft.com/office/powerpoint/2012/main" xmlns:p159="http://schemas.microsoft.com/office/powerpoint/2015/09/main" xmlns:p="http://schemas.openxmlformats.org/presentationml/2006/main" type="title" preserve="1">
+<p:sldLayout xmlns:a="http://schemas.openxmlformats.org/drawingml/2006/main" xmlns:r="http://schemas.openxmlformats.org/officeDocument/2006/relationships" xmlns:m="http://schemas.openxmlformats.org/officeDocument/2006/math" xmlns:w="http://schemas.openxmlformats.org/wordprocessingml/2006/main" xmlns:wp="http://schemas.openxmlformats.org/drawingml/2006/wordprocessingDrawing" xmlns:a14="http://schemas.microsoft.com/office/drawing/2010/main" xmlns:mc="http://schemas.openxmlformats.org/markup-compatibility/2006" xmlns:p14="http://schemas.microsoft.com/office/powerpoint/2010/main" xmlns:p15="http://schemas.microsoft.com/office/powerpoint/2012/main" xmlns:p159="http://schemas.microsoft.com/office/powerpoint/2015/09/main" xmlns:p="http://schemas.openxmlformats.org/presentationml/2006/main" type="title" preserve="1">
   <p:cSld name="Title Slide">
     <p:spTree>
       <p:nvGrpSpPr>
-        <p:cNvPr id="1" name=""/>
+        <p:cNvPr id="1" name="" title=""/>
         <p:cNvGrpSpPr/>
         <p:nvPr/>
       </p:nvGrpSpPr>
@@ -710,7 +710,7 @@
       </p:grpSpPr>
       <p:sp>
         <p:nvSpPr>
-          <p:cNvPr id="2" name="Title 1"/>
+          <p:cNvPr id="2" name="Title 1" title=""/>
           <p:cNvSpPr>
             <a:spLocks noGrp="1"/>
           </p:cNvSpPr>
@@ -733,7 +733,7 @@
       </p:sp>
       <p:sp>
         <p:nvSpPr>
-          <p:cNvPr id="3" name="Subtitle 2"/>
+          <p:cNvPr id="3" name="Subtitle 2" title=""/>
           <p:cNvSpPr>
             <a:spLocks noGrp="1"/>
           </p:cNvSpPr>
@@ -847,7 +847,7 @@
       </p:sp>
       <p:sp>
         <p:nvSpPr>
-          <p:cNvPr id="4" name="Date Placeholder 3"/>
+          <p:cNvPr id="4" name="Date Placeholder 3" title=""/>
           <p:cNvSpPr>
             <a:spLocks noGrp="1"/>
           </p:cNvSpPr>
@@ -860,7 +860,7 @@
           <a:bodyPr/>
           <a:lstStyle/>
           <a:p>
-            <a:fld id="{22FBDA7B-9F90-4670-B0C7-A674A6CEA414}" type="datetimeFigureOut">
+            <a:fld id="{2FC4D743-C72F-4BAF-941C-43F66601A9EE}" type="datetimeFigureOut">
               <a:rPr lang="en-US" smtClean="0"/>
               <a:t>11/7/2009</a:t>
             </a:fld>
@@ -870,7 +870,7 @@
       </p:sp>
       <p:sp>
         <p:nvSpPr>
-          <p:cNvPr id="5" name="Footer Placeholder 4"/>
+          <p:cNvPr id="5" name="Footer Placeholder 4" title=""/>
           <p:cNvSpPr>
             <a:spLocks noGrp="1"/>
           </p:cNvSpPr>
@@ -889,7 +889,7 @@
       </p:sp>
       <p:sp>
         <p:nvSpPr>
-          <p:cNvPr id="6" name="Slide Number Placeholder 5"/>
+          <p:cNvPr id="6" name="Slide Number Placeholder 5" title=""/>
           <p:cNvSpPr>
             <a:spLocks noGrp="1"/>
           </p:cNvSpPr>
@@ -921,11 +921,11 @@
 </file>
 
 <file path=ppt/slideLayouts/slideLayout10.xml><?xml version="1.0" encoding="utf-8"?>
-<p:sldLayout xmlns:a="http://schemas.openxmlformats.org/drawingml/2006/main" xmlns:r="http://schemas.openxmlformats.org/officeDocument/2006/relationships" xmlns:p14="http://schemas.microsoft.com/office/powerpoint/2010/main" xmlns:a14="http://schemas.microsoft.com/office/drawing/2010/main" xmlns:p15="http://schemas.microsoft.com/office/powerpoint/2012/main" xmlns:p159="http://schemas.microsoft.com/office/powerpoint/2015/09/main" xmlns:p="http://schemas.openxmlformats.org/presentationml/2006/main" type="vertTx" preserve="1">
+<p:sldLayout xmlns:a="http://schemas.openxmlformats.org/drawingml/2006/main" xmlns:r="http://schemas.openxmlformats.org/officeDocument/2006/relationships" xmlns:m="http://schemas.openxmlformats.org/officeDocument/2006/math" xmlns:w="http://schemas.openxmlformats.org/wordprocessingml/2006/main" xmlns:wp="http://schemas.openxmlformats.org/drawingml/2006/wordprocessingDrawing" xmlns:a14="http://schemas.microsoft.com/office/drawing/2010/main" xmlns:mc="http://schemas.openxmlformats.org/markup-compatibility/2006" xmlns:p14="http://schemas.microsoft.com/office/powerpoint/2010/main" xmlns:p15="http://schemas.microsoft.com/office/powerpoint/2012/main" xmlns:p159="http://schemas.microsoft.com/office/powerpoint/2015/09/main" xmlns:p="http://schemas.openxmlformats.org/presentationml/2006/main" type="vertTx" preserve="1">
   <p:cSld name="Title and Vertical Text">
     <p:spTree>
       <p:nvGrpSpPr>
-        <p:cNvPr id="1" name=""/>
+        <p:cNvPr id="1" name="" title=""/>
         <p:cNvGrpSpPr/>
         <p:nvPr/>
       </p:nvGrpSpPr>
@@ -937,7 +937,7 @@
       </p:grpSpPr>
       <p:sp>
         <p:nvSpPr>
-          <p:cNvPr id="2" name="Title 1"/>
+          <p:cNvPr id="2" name="Title 1" title=""/>
           <p:cNvSpPr>
             <a:spLocks noGrp="1"/>
           </p:cNvSpPr>
@@ -960,7 +960,7 @@
       </p:sp>
       <p:sp>
         <p:nvSpPr>
-          <p:cNvPr id="3" name="Vertical Text Placeholder 2"/>
+          <p:cNvPr id="3" name="Vertical Text Placeholder 2" title=""/>
           <p:cNvSpPr>
             <a:spLocks noGrp="1"/>
           </p:cNvSpPr>
@@ -1011,7 +1011,7 @@
       </p:sp>
       <p:sp>
         <p:nvSpPr>
-          <p:cNvPr id="4" name="Date Placeholder 3"/>
+          <p:cNvPr id="4" name="Date Placeholder 3" title=""/>
           <p:cNvSpPr>
             <a:spLocks noGrp="1"/>
           </p:cNvSpPr>
@@ -1024,7 +1024,7 @@
           <a:bodyPr/>
           <a:lstStyle/>
           <a:p>
-            <a:fld id="{E70F7ACE-F1C3-4297-9413-11C7475E52B4}" type="datetimeFigureOut">
+            <a:fld id="{89B1E47C-70A2-49C5-9050-515F1C69ACDE}" type="datetimeFigureOut">
               <a:rPr lang="en-US" smtClean="0"/>
               <a:t>11/7/2009</a:t>
             </a:fld>
@@ -1034,7 +1034,7 @@
       </p:sp>
       <p:sp>
         <p:nvSpPr>
-          <p:cNvPr id="5" name="Footer Placeholder 4"/>
+          <p:cNvPr id="5" name="Footer Placeholder 4" title=""/>
           <p:cNvSpPr>
             <a:spLocks noGrp="1"/>
           </p:cNvSpPr>
@@ -1053,7 +1053,7 @@
       </p:sp>
       <p:sp>
         <p:nvSpPr>
-          <p:cNvPr id="6" name="Slide Number Placeholder 5"/>
+          <p:cNvPr id="6" name="Slide Number Placeholder 5" title=""/>
           <p:cNvSpPr>
             <a:spLocks noGrp="1"/>
           </p:cNvSpPr>
@@ -1085,11 +1085,11 @@
 </file>
 
 <file path=ppt/slideLayouts/slideLayout11.xml><?xml version="1.0" encoding="utf-8"?>
-<p:sldLayout xmlns:a="http://schemas.openxmlformats.org/drawingml/2006/main" xmlns:r="http://schemas.openxmlformats.org/officeDocument/2006/relationships" xmlns:p14="http://schemas.microsoft.com/office/powerpoint/2010/main" xmlns:a14="http://schemas.microsoft.com/office/drawing/2010/main" xmlns:p15="http://schemas.microsoft.com/office/powerpoint/2012/main" xmlns:p159="http://schemas.microsoft.com/office/powerpoint/2015/09/main" xmlns:p="http://schemas.openxmlformats.org/presentationml/2006/main" type="vertTitleAndTx" preserve="1">
+<p:sldLayout xmlns:a="http://schemas.openxmlformats.org/drawingml/2006/main" xmlns:r="http://schemas.openxmlformats.org/officeDocument/2006/relationships" xmlns:m="http://schemas.openxmlformats.org/officeDocument/2006/math" xmlns:w="http://schemas.openxmlformats.org/wordprocessingml/2006/main" xmlns:wp="http://schemas.openxmlformats.org/drawingml/2006/wordprocessingDrawing" xmlns:a14="http://schemas.microsoft.com/office/drawing/2010/main" xmlns:mc="http://schemas.openxmlformats.org/markup-compatibility/2006" xmlns:p14="http://schemas.microsoft.com/office/powerpoint/2010/main" xmlns:p15="http://schemas.microsoft.com/office/powerpoint/2012/main" xmlns:p159="http://schemas.microsoft.com/office/powerpoint/2015/09/main" xmlns:p="http://schemas.openxmlformats.org/presentationml/2006/main" type="vertTitleAndTx" preserve="1">
   <p:cSld name="Vertical Title and Text">
     <p:spTree>
       <p:nvGrpSpPr>
-        <p:cNvPr id="1" name=""/>
+        <p:cNvPr id="1" name="" title=""/>
         <p:cNvGrpSpPr/>
         <p:nvPr/>
       </p:nvGrpSpPr>
@@ -1101,7 +1101,7 @@
       </p:grpSpPr>
       <p:sp>
         <p:nvSpPr>
-          <p:cNvPr id="2" name="Vertical Title 1"/>
+          <p:cNvPr id="2" name="Vertical Title 1" title=""/>
           <p:cNvSpPr>
             <a:spLocks noGrp="1"/>
           </p:cNvSpPr>
@@ -1124,7 +1124,7 @@
       </p:sp>
       <p:sp>
         <p:nvSpPr>
-          <p:cNvPr id="3" name="Vertical Text Placeholder 2"/>
+          <p:cNvPr id="3" name="Vertical Text Placeholder 2" title=""/>
           <p:cNvSpPr>
             <a:spLocks noGrp="1"/>
           </p:cNvSpPr>
@@ -1175,7 +1175,7 @@
       </p:sp>
       <p:sp>
         <p:nvSpPr>
-          <p:cNvPr id="4" name="Date Placeholder 3"/>
+          <p:cNvPr id="4" name="Date Placeholder 3" title=""/>
           <p:cNvSpPr>
             <a:spLocks noGrp="1"/>
           </p:cNvSpPr>
@@ -1188,7 +1188,7 @@
           <a:bodyPr/>
           <a:lstStyle/>
           <a:p>
-            <a:fld id="{6E39384F-6045-4179-BB75-0E2CFC1F3E6A}" type="datetimeFigureOut">
+            <a:fld id="{BEA439A9-B4C1-4DDE-BC64-5F302AFFD9B2}" type="datetimeFigureOut">
               <a:rPr lang="en-US" smtClean="0"/>
               <a:t>11/7/2009</a:t>
             </a:fld>
@@ -1198,7 +1198,7 @@
       </p:sp>
       <p:sp>
         <p:nvSpPr>
-          <p:cNvPr id="5" name="Footer Placeholder 4"/>
+          <p:cNvPr id="5" name="Footer Placeholder 4" title=""/>
           <p:cNvSpPr>
             <a:spLocks noGrp="1"/>
           </p:cNvSpPr>
@@ -1217,7 +1217,7 @@
       </p:sp>
       <p:sp>
         <p:nvSpPr>
-          <p:cNvPr id="6" name="Slide Number Placeholder 5"/>
+          <p:cNvPr id="6" name="Slide Number Placeholder 5" title=""/>
           <p:cNvSpPr>
             <a:spLocks noGrp="1"/>
           </p:cNvSpPr>
@@ -1249,11 +1249,11 @@
 </file>
 
 <file path=ppt/slideLayouts/slideLayout2.xml><?xml version="1.0" encoding="utf-8"?>
-<p:sldLayout xmlns:a="http://schemas.openxmlformats.org/drawingml/2006/main" xmlns:r="http://schemas.openxmlformats.org/officeDocument/2006/relationships" xmlns:p14="http://schemas.microsoft.com/office/powerpoint/2010/main" xmlns:a14="http://schemas.microsoft.com/office/drawing/2010/main" xmlns:p15="http://schemas.microsoft.com/office/powerpoint/2012/main" xmlns:p159="http://schemas.microsoft.com/office/powerpoint/2015/09/main" xmlns:p="http://schemas.openxmlformats.org/presentationml/2006/main" type="obj" preserve="1">
+<p:sldLayout xmlns:a="http://schemas.openxmlformats.org/drawingml/2006/main" xmlns:r="http://schemas.openxmlformats.org/officeDocument/2006/relationships" xmlns:m="http://schemas.openxmlformats.org/officeDocument/2006/math" xmlns:w="http://schemas.openxmlformats.org/wordprocessingml/2006/main" xmlns:wp="http://schemas.openxmlformats.org/drawingml/2006/wordprocessingDrawing" xmlns:a14="http://schemas.microsoft.com/office/drawing/2010/main" xmlns:mc="http://schemas.openxmlformats.org/markup-compatibility/2006" xmlns:p14="http://schemas.microsoft.com/office/powerpoint/2010/main" xmlns:p15="http://schemas.microsoft.com/office/powerpoint/2012/main" xmlns:p159="http://schemas.microsoft.com/office/powerpoint/2015/09/main" xmlns:p="http://schemas.openxmlformats.org/presentationml/2006/main" type="obj" preserve="1">
   <p:cSld name="Title and Content">
     <p:spTree>
       <p:nvGrpSpPr>
-        <p:cNvPr id="1" name=""/>
+        <p:cNvPr id="1" name="" title=""/>
         <p:cNvGrpSpPr/>
         <p:nvPr/>
       </p:nvGrpSpPr>
@@ -1265,7 +1265,7 @@
       </p:grpSpPr>
       <p:sp>
         <p:nvSpPr>
-          <p:cNvPr id="2" name="Title 1"/>
+          <p:cNvPr id="2" name="Title 1" title=""/>
           <p:cNvSpPr>
             <a:spLocks noGrp="1"/>
           </p:cNvSpPr>
@@ -1288,7 +1288,7 @@
       </p:sp>
       <p:sp>
         <p:nvSpPr>
-          <p:cNvPr id="3" name="Content Placeholder 2"/>
+          <p:cNvPr id="3" name="Content Placeholder 2" title=""/>
           <p:cNvSpPr>
             <a:spLocks noGrp="1"/>
           </p:cNvSpPr>
@@ -1339,7 +1339,7 @@
       </p:sp>
       <p:sp>
         <p:nvSpPr>
-          <p:cNvPr id="4" name="Date Placeholder 3"/>
+          <p:cNvPr id="4" name="Date Placeholder 3" title=""/>
           <p:cNvSpPr>
             <a:spLocks noGrp="1"/>
           </p:cNvSpPr>
@@ -1352,7 +1352,7 @@
           <a:bodyPr/>
           <a:lstStyle/>
           <a:p>
-            <a:fld id="{DFEF080F-D431-45A6-A115-D79A02DC51BE}" type="datetimeFigureOut">
+            <a:fld id="{DBB1946A-B641-4371-ACD5-879D5DBBC850}" type="datetimeFigureOut">
               <a:rPr lang="en-US" smtClean="0"/>
               <a:t>11/7/2009</a:t>
             </a:fld>
@@ -1362,7 +1362,7 @@
       </p:sp>
       <p:sp>
         <p:nvSpPr>
-          <p:cNvPr id="5" name="Footer Placeholder 4"/>
+          <p:cNvPr id="5" name="Footer Placeholder 4" title=""/>
           <p:cNvSpPr>
             <a:spLocks noGrp="1"/>
           </p:cNvSpPr>
@@ -1381,7 +1381,7 @@
       </p:sp>
       <p:sp>
         <p:nvSpPr>
-          <p:cNvPr id="6" name="Slide Number Placeholder 5"/>
+          <p:cNvPr id="6" name="Slide Number Placeholder 5" title=""/>
           <p:cNvSpPr>
             <a:spLocks noGrp="1"/>
           </p:cNvSpPr>
@@ -1413,11 +1413,11 @@
 </file>
 
 <file path=ppt/slideLayouts/slideLayout3.xml><?xml version="1.0" encoding="utf-8"?>
-<p:sldLayout xmlns:a="http://schemas.openxmlformats.org/drawingml/2006/main" xmlns:r="http://schemas.openxmlformats.org/officeDocument/2006/relationships" xmlns:p14="http://schemas.microsoft.com/office/powerpoint/2010/main" xmlns:a14="http://schemas.microsoft.com/office/drawing/2010/main" xmlns:p15="http://schemas.microsoft.com/office/powerpoint/2012/main" xmlns:p159="http://schemas.microsoft.com/office/powerpoint/2015/09/main" xmlns:p="http://schemas.openxmlformats.org/presentationml/2006/main" type="secHead" preserve="1">
+<p:sldLayout xmlns:a="http://schemas.openxmlformats.org/drawingml/2006/main" xmlns:r="http://schemas.openxmlformats.org/officeDocument/2006/relationships" xmlns:m="http://schemas.openxmlformats.org/officeDocument/2006/math" xmlns:w="http://schemas.openxmlformats.org/wordprocessingml/2006/main" xmlns:wp="http://schemas.openxmlformats.org/drawingml/2006/wordprocessingDrawing" xmlns:a14="http://schemas.microsoft.com/office/drawing/2010/main" xmlns:mc="http://schemas.openxmlformats.org/markup-compatibility/2006" xmlns:p14="http://schemas.microsoft.com/office/powerpoint/2010/main" xmlns:p15="http://schemas.microsoft.com/office/powerpoint/2012/main" xmlns:p159="http://schemas.microsoft.com/office/powerpoint/2015/09/main" xmlns:p="http://schemas.openxmlformats.org/presentationml/2006/main" type="secHead" preserve="1">
   <p:cSld name="Section Header">
     <p:spTree>
       <p:nvGrpSpPr>
-        <p:cNvPr id="1" name=""/>
+        <p:cNvPr id="1" name="" title=""/>
         <p:cNvGrpSpPr/>
         <p:nvPr/>
       </p:nvGrpSpPr>
@@ -1429,7 +1429,7 @@
       </p:grpSpPr>
       <p:sp>
         <p:nvSpPr>
-          <p:cNvPr id="2" name="Title 1"/>
+          <p:cNvPr id="2" name="Title 1" title=""/>
           <p:cNvSpPr>
             <a:spLocks noGrp="1"/>
           </p:cNvSpPr>
@@ -1456,7 +1456,7 @@
       </p:sp>
       <p:sp>
         <p:nvSpPr>
-          <p:cNvPr id="3" name="Text Placeholder 2"/>
+          <p:cNvPr id="3" name="Text Placeholder 2" title=""/>
           <p:cNvSpPr>
             <a:spLocks noGrp="1"/>
           </p:cNvSpPr>
@@ -1569,7 +1569,7 @@
       </p:sp>
       <p:sp>
         <p:nvSpPr>
-          <p:cNvPr id="4" name="Date Placeholder 3"/>
+          <p:cNvPr id="4" name="Date Placeholder 3" title=""/>
           <p:cNvSpPr>
             <a:spLocks noGrp="1"/>
           </p:cNvSpPr>
@@ -1582,7 +1582,7 @@
           <a:bodyPr/>
           <a:lstStyle/>
           <a:p>
-            <a:fld id="{291B4308-D9F2-46DA-86A6-263820591D78}" type="datetimeFigureOut">
+            <a:fld id="{FEC7D9FE-0171-4246-9A8B-193094A74508}" type="datetimeFigureOut">
               <a:rPr lang="en-US" smtClean="0"/>
               <a:t>11/7/2009</a:t>
             </a:fld>
@@ -1592,7 +1592,7 @@
       </p:sp>
       <p:sp>
         <p:nvSpPr>
-          <p:cNvPr id="5" name="Footer Placeholder 4"/>
+          <p:cNvPr id="5" name="Footer Placeholder 4" title=""/>
           <p:cNvSpPr>
             <a:spLocks noGrp="1"/>
           </p:cNvSpPr>
@@ -1611,7 +1611,7 @@
       </p:sp>
       <p:sp>
         <p:nvSpPr>
-          <p:cNvPr id="6" name="Slide Number Placeholder 5"/>
+          <p:cNvPr id="6" name="Slide Number Placeholder 5" title=""/>
           <p:cNvSpPr>
             <a:spLocks noGrp="1"/>
           </p:cNvSpPr>
@@ -1643,11 +1643,11 @@
 </file>
 
 <file path=ppt/slideLayouts/slideLayout4.xml><?xml version="1.0" encoding="utf-8"?>
-<p:sldLayout xmlns:a="http://schemas.openxmlformats.org/drawingml/2006/main" xmlns:r="http://schemas.openxmlformats.org/officeDocument/2006/relationships" xmlns:p14="http://schemas.microsoft.com/office/powerpoint/2010/main" xmlns:a14="http://schemas.microsoft.com/office/drawing/2010/main" xmlns:p15="http://schemas.microsoft.com/office/powerpoint/2012/main" xmlns:p159="http://schemas.microsoft.com/office/powerpoint/2015/09/main" xmlns:p="http://schemas.openxmlformats.org/presentationml/2006/main" type="twoObj" preserve="1">
+<p:sldLayout xmlns:a="http://schemas.openxmlformats.org/drawingml/2006/main" xmlns:r="http://schemas.openxmlformats.org/officeDocument/2006/relationships" xmlns:m="http://schemas.openxmlformats.org/officeDocument/2006/math" xmlns:w="http://schemas.openxmlformats.org/wordprocessingml/2006/main" xmlns:wp="http://schemas.openxmlformats.org/drawingml/2006/wordprocessingDrawing" xmlns:a14="http://schemas.microsoft.com/office/drawing/2010/main" xmlns:mc="http://schemas.openxmlformats.org/markup-compatibility/2006" xmlns:p14="http://schemas.microsoft.com/office/powerpoint/2010/main" xmlns:p15="http://schemas.microsoft.com/office/powerpoint/2012/main" xmlns:p159="http://schemas.microsoft.com/office/powerpoint/2015/09/main" xmlns:p="http://schemas.openxmlformats.org/presentationml/2006/main" type="twoObj" preserve="1">
   <p:cSld name="Two Content">
     <p:spTree>
       <p:nvGrpSpPr>
-        <p:cNvPr id="1" name=""/>
+        <p:cNvPr id="1" name="" title=""/>
         <p:cNvGrpSpPr/>
         <p:nvPr/>
       </p:nvGrpSpPr>
@@ -1659,7 +1659,7 @@
       </p:grpSpPr>
       <p:sp>
         <p:nvSpPr>
-          <p:cNvPr id="2" name="Title 1"/>
+          <p:cNvPr id="2" name="Title 1" title=""/>
           <p:cNvSpPr>
             <a:spLocks noGrp="1"/>
           </p:cNvSpPr>
@@ -1682,7 +1682,7 @@
       </p:sp>
       <p:sp>
         <p:nvSpPr>
-          <p:cNvPr id="3" name="Content Placeholder 2"/>
+          <p:cNvPr id="3" name="Content Placeholder 2" title=""/>
           <p:cNvSpPr>
             <a:spLocks noGrp="1"/>
           </p:cNvSpPr>
@@ -1761,7 +1761,7 @@
       </p:sp>
       <p:sp>
         <p:nvSpPr>
-          <p:cNvPr id="4" name="Content Placeholder 3"/>
+          <p:cNvPr id="4" name="Content Placeholder 3" title=""/>
           <p:cNvSpPr>
             <a:spLocks noGrp="1"/>
           </p:cNvSpPr>
@@ -1840,7 +1840,7 @@
       </p:sp>
       <p:sp>
         <p:nvSpPr>
-          <p:cNvPr id="5" name="Date Placeholder 4"/>
+          <p:cNvPr id="5" name="Date Placeholder 4" title=""/>
           <p:cNvSpPr>
             <a:spLocks noGrp="1"/>
           </p:cNvSpPr>
@@ -1853,7 +1853,7 @@
           <a:bodyPr/>
           <a:lstStyle/>
           <a:p>
-            <a:fld id="{66BDDC9A-1E76-483E-8361-54C8B02C270A}" type="datetimeFigureOut">
+            <a:fld id="{826908DD-7ECB-4B33-9428-1A0672EC3476}" type="datetimeFigureOut">
               <a:rPr lang="en-US" smtClean="0"/>
               <a:t>11/7/2009</a:t>
             </a:fld>
@@ -1863,7 +1863,7 @@
       </p:sp>
       <p:sp>
         <p:nvSpPr>
-          <p:cNvPr id="6" name="Footer Placeholder 5"/>
+          <p:cNvPr id="6" name="Footer Placeholder 5" title=""/>
           <p:cNvSpPr>
             <a:spLocks noGrp="1"/>
           </p:cNvSpPr>
@@ -1882,7 +1882,7 @@
       </p:sp>
       <p:sp>
         <p:nvSpPr>
-          <p:cNvPr id="7" name="Slide Number Placeholder 6"/>
+          <p:cNvPr id="7" name="Slide Number Placeholder 6" title=""/>
           <p:cNvSpPr>
             <a:spLocks noGrp="1"/>
           </p:cNvSpPr>
@@ -1914,11 +1914,11 @@
 </file>
 
 <file path=ppt/slideLayouts/slideLayout5.xml><?xml version="1.0" encoding="utf-8"?>
-<p:sldLayout xmlns:a="http://schemas.openxmlformats.org/drawingml/2006/main" xmlns:r="http://schemas.openxmlformats.org/officeDocument/2006/relationships" xmlns:p14="http://schemas.microsoft.com/office/powerpoint/2010/main" xmlns:a14="http://schemas.microsoft.com/office/drawing/2010/main" xmlns:p15="http://schemas.microsoft.com/office/powerpoint/2012/main" xmlns:p159="http://schemas.microsoft.com/office/powerpoint/2015/09/main" xmlns:p="http://schemas.openxmlformats.org/presentationml/2006/main" type="twoTxTwoObj" preserve="1">
+<p:sldLayout xmlns:a="http://schemas.openxmlformats.org/drawingml/2006/main" xmlns:r="http://schemas.openxmlformats.org/officeDocument/2006/relationships" xmlns:m="http://schemas.openxmlformats.org/officeDocument/2006/math" xmlns:w="http://schemas.openxmlformats.org/wordprocessingml/2006/main" xmlns:wp="http://schemas.openxmlformats.org/drawingml/2006/wordprocessingDrawing" xmlns:a14="http://schemas.microsoft.com/office/drawing/2010/main" xmlns:mc="http://schemas.openxmlformats.org/markup-compatibility/2006" xmlns:p14="http://schemas.microsoft.com/office/powerpoint/2010/main" xmlns:p15="http://schemas.microsoft.com/office/powerpoint/2012/main" xmlns:p159="http://schemas.microsoft.com/office/powerpoint/2015/09/main" xmlns:p="http://schemas.openxmlformats.org/presentationml/2006/main" type="twoTxTwoObj" preserve="1">
   <p:cSld name="Comparison">
     <p:spTree>
       <p:nvGrpSpPr>
-        <p:cNvPr id="1" name=""/>
+        <p:cNvPr id="1" name="" title=""/>
         <p:cNvGrpSpPr/>
         <p:nvPr/>
       </p:nvGrpSpPr>
@@ -1930,7 +1930,7 @@
       </p:grpSpPr>
       <p:sp>
         <p:nvSpPr>
-          <p:cNvPr id="2" name="Title 1"/>
+          <p:cNvPr id="2" name="Title 1" title=""/>
           <p:cNvSpPr>
             <a:spLocks noGrp="1"/>
           </p:cNvSpPr>
@@ -1953,7 +1953,7 @@
       </p:sp>
       <p:sp>
         <p:nvSpPr>
-          <p:cNvPr id="3" name="Text Placeholder 2"/>
+          <p:cNvPr id="3" name="Text Placeholder 2" title=""/>
           <p:cNvSpPr>
             <a:spLocks noGrp="1"/>
           </p:cNvSpPr>
@@ -2012,7 +2012,7 @@
       </p:sp>
       <p:sp>
         <p:nvSpPr>
-          <p:cNvPr id="4" name="Content Placeholder 3"/>
+          <p:cNvPr id="4" name="Content Placeholder 3" title=""/>
           <p:cNvSpPr>
             <a:spLocks noGrp="1"/>
           </p:cNvSpPr>
@@ -2091,7 +2091,7 @@
       </p:sp>
       <p:sp>
         <p:nvSpPr>
-          <p:cNvPr id="5" name="Text Placeholder 4"/>
+          <p:cNvPr id="5" name="Text Placeholder 4" title=""/>
           <p:cNvSpPr>
             <a:spLocks noGrp="1"/>
           </p:cNvSpPr>
@@ -2150,7 +2150,7 @@
       </p:sp>
       <p:sp>
         <p:nvSpPr>
-          <p:cNvPr id="6" name="Content Placeholder 5"/>
+          <p:cNvPr id="6" name="Content Placeholder 5" title=""/>
           <p:cNvSpPr>
             <a:spLocks noGrp="1"/>
           </p:cNvSpPr>
@@ -2229,7 +2229,7 @@
       </p:sp>
       <p:sp>
         <p:nvSpPr>
-          <p:cNvPr id="7" name="Date Placeholder 6"/>
+          <p:cNvPr id="7" name="Date Placeholder 6" title=""/>
           <p:cNvSpPr>
             <a:spLocks noGrp="1"/>
           </p:cNvSpPr>
@@ -2242,7 +2242,7 @@
           <a:bodyPr/>
           <a:lstStyle/>
           <a:p>
-            <a:fld id="{8B389091-5A81-4A6E-89FD-3DDBEBDF07CF}" type="datetimeFigureOut">
+            <a:fld id="{06E9C56E-465F-43D5-B10E-016D1E5F493F}" type="datetimeFigureOut">
               <a:rPr lang="en-US" smtClean="0"/>
               <a:t>11/7/2009</a:t>
             </a:fld>
@@ -2252,7 +2252,7 @@
       </p:sp>
       <p:sp>
         <p:nvSpPr>
-          <p:cNvPr id="8" name="Footer Placeholder 7"/>
+          <p:cNvPr id="8" name="Footer Placeholder 7" title=""/>
           <p:cNvSpPr>
             <a:spLocks noGrp="1"/>
           </p:cNvSpPr>
@@ -2271,7 +2271,7 @@
       </p:sp>
       <p:sp>
         <p:nvSpPr>
-          <p:cNvPr id="9" name="Slide Number Placeholder 8"/>
+          <p:cNvPr id="9" name="Slide Number Placeholder 8" title=""/>
           <p:cNvSpPr>
             <a:spLocks noGrp="1"/>
           </p:cNvSpPr>
@@ -2303,11 +2303,11 @@
 </file>
 
 <file path=ppt/slideLayouts/slideLayout6.xml><?xml version="1.0" encoding="utf-8"?>
-<p:sldLayout xmlns:a="http://schemas.openxmlformats.org/drawingml/2006/main" xmlns:r="http://schemas.openxmlformats.org/officeDocument/2006/relationships" xmlns:p14="http://schemas.microsoft.com/office/powerpoint/2010/main" xmlns:a14="http://schemas.microsoft.com/office/drawing/2010/main" xmlns:p15="http://schemas.microsoft.com/office/powerpoint/2012/main" xmlns:p159="http://schemas.microsoft.com/office/powerpoint/2015/09/main" xmlns:p="http://schemas.openxmlformats.org/presentationml/2006/main" type="titleOnly" preserve="1">
+<p:sldLayout xmlns:a="http://schemas.openxmlformats.org/drawingml/2006/main" xmlns:r="http://schemas.openxmlformats.org/officeDocument/2006/relationships" xmlns:m="http://schemas.openxmlformats.org/officeDocument/2006/math" xmlns:w="http://schemas.openxmlformats.org/wordprocessingml/2006/main" xmlns:wp="http://schemas.openxmlformats.org/drawingml/2006/wordprocessingDrawing" xmlns:a14="http://schemas.microsoft.com/office/drawing/2010/main" xmlns:mc="http://schemas.openxmlformats.org/markup-compatibility/2006" xmlns:p14="http://schemas.microsoft.com/office/powerpoint/2010/main" xmlns:p15="http://schemas.microsoft.com/office/powerpoint/2012/main" xmlns:p159="http://schemas.microsoft.com/office/powerpoint/2015/09/main" xmlns:p="http://schemas.openxmlformats.org/presentationml/2006/main" type="titleOnly" preserve="1">
   <p:cSld name="Title Only">
     <p:spTree>
       <p:nvGrpSpPr>
-        <p:cNvPr id="1" name=""/>
+        <p:cNvPr id="1" name="" title=""/>
         <p:cNvGrpSpPr/>
         <p:nvPr/>
       </p:nvGrpSpPr>
@@ -2319,7 +2319,7 @@
       </p:grpSpPr>
       <p:sp>
         <p:nvSpPr>
-          <p:cNvPr id="2" name="Title 1"/>
+          <p:cNvPr id="2" name="Title 1" title=""/>
           <p:cNvSpPr>
             <a:spLocks noGrp="1"/>
           </p:cNvSpPr>
@@ -2342,7 +2342,7 @@
       </p:sp>
       <p:sp>
         <p:nvSpPr>
-          <p:cNvPr id="3" name="Date Placeholder 2"/>
+          <p:cNvPr id="3" name="Date Placeholder 2" title=""/>
           <p:cNvSpPr>
             <a:spLocks noGrp="1"/>
           </p:cNvSpPr>
@@ -2355,7 +2355,7 @@
           <a:bodyPr/>
           <a:lstStyle/>
           <a:p>
-            <a:fld id="{CD8597EB-5E90-4DCF-87D5-DEC137AD1631}" type="datetimeFigureOut">
+            <a:fld id="{984736E6-A193-4CC9-9203-C69B20921A60}" type="datetimeFigureOut">
               <a:rPr lang="en-US" smtClean="0"/>
               <a:t>11/7/2009</a:t>
             </a:fld>
@@ -2365,7 +2365,7 @@
       </p:sp>
       <p:sp>
         <p:nvSpPr>
-          <p:cNvPr id="4" name="Footer Placeholder 3"/>
+          <p:cNvPr id="4" name="Footer Placeholder 3" title=""/>
           <p:cNvSpPr>
             <a:spLocks noGrp="1"/>
           </p:cNvSpPr>
@@ -2384,7 +2384,7 @@
       </p:sp>
       <p:sp>
         <p:nvSpPr>
-          <p:cNvPr id="5" name="Slide Number Placeholder 4"/>
+          <p:cNvPr id="5" name="Slide Number Placeholder 4" title=""/>
           <p:cNvSpPr>
             <a:spLocks noGrp="1"/>
           </p:cNvSpPr>
@@ -2416,11 +2416,11 @@
 </file>
 
 <file path=ppt/slideLayouts/slideLayout7.xml><?xml version="1.0" encoding="utf-8"?>
-<p:sldLayout xmlns:a="http://schemas.openxmlformats.org/drawingml/2006/main" xmlns:r="http://schemas.openxmlformats.org/officeDocument/2006/relationships" xmlns:p14="http://schemas.microsoft.com/office/powerpoint/2010/main" xmlns:a14="http://schemas.microsoft.com/office/drawing/2010/main" xmlns:p15="http://schemas.microsoft.com/office/powerpoint/2012/main" xmlns:p159="http://schemas.microsoft.com/office/powerpoint/2015/09/main" xmlns:p="http://schemas.openxmlformats.org/presentationml/2006/main" type="blank" preserve="1">
+<p:sldLayout xmlns:a="http://schemas.openxmlformats.org/drawingml/2006/main" xmlns:r="http://schemas.openxmlformats.org/officeDocument/2006/relationships" xmlns:m="http://schemas.openxmlformats.org/officeDocument/2006/math" xmlns:w="http://schemas.openxmlformats.org/wordprocessingml/2006/main" xmlns:wp="http://schemas.openxmlformats.org/drawingml/2006/wordprocessingDrawing" xmlns:a14="http://schemas.microsoft.com/office/drawing/2010/main" xmlns:mc="http://schemas.openxmlformats.org/markup-compatibility/2006" xmlns:p14="http://schemas.microsoft.com/office/powerpoint/2010/main" xmlns:p15="http://schemas.microsoft.com/office/powerpoint/2012/main" xmlns:p159="http://schemas.microsoft.com/office/powerpoint/2015/09/main" xmlns:p="http://schemas.openxmlformats.org/presentationml/2006/main" type="blank" preserve="1">
   <p:cSld name="Blank">
     <p:spTree>
       <p:nvGrpSpPr>
-        <p:cNvPr id="1" name=""/>
+        <p:cNvPr id="1" name="" title=""/>
         <p:cNvGrpSpPr/>
         <p:nvPr/>
       </p:nvGrpSpPr>
@@ -2432,7 +2432,7 @@
       </p:grpSpPr>
       <p:sp>
         <p:nvSpPr>
-          <p:cNvPr id="2" name="Date Placeholder 1"/>
+          <p:cNvPr id="2" name="Date Placeholder 1" title=""/>
           <p:cNvSpPr>
             <a:spLocks noGrp="1"/>
           </p:cNvSpPr>
@@ -2445,7 +2445,7 @@
           <a:bodyPr/>
           <a:lstStyle/>
           <a:p>
-            <a:fld id="{6AC9627B-8538-45D0-AFF7-42E30E60A378}" type="datetimeFigureOut">
+            <a:fld id="{594BBED6-7D69-46E9-A2B9-A65C718A0E89}" type="datetimeFigureOut">
               <a:rPr lang="en-US" smtClean="0"/>
               <a:t>11/7/2009</a:t>
             </a:fld>
@@ -2455,7 +2455,7 @@
       </p:sp>
       <p:sp>
         <p:nvSpPr>
-          <p:cNvPr id="3" name="Footer Placeholder 2"/>
+          <p:cNvPr id="3" name="Footer Placeholder 2" title=""/>
           <p:cNvSpPr>
             <a:spLocks noGrp="1"/>
           </p:cNvSpPr>
@@ -2474,7 +2474,7 @@
       </p:sp>
       <p:sp>
         <p:nvSpPr>
-          <p:cNvPr id="4" name="Slide Number Placeholder 3"/>
+          <p:cNvPr id="4" name="Slide Number Placeholder 3" title=""/>
           <p:cNvSpPr>
             <a:spLocks noGrp="1"/>
           </p:cNvSpPr>
@@ -2506,11 +2506,11 @@
 </file>
 
 <file path=ppt/slideLayouts/slideLayout8.xml><?xml version="1.0" encoding="utf-8"?>
-<p:sldLayout xmlns:a="http://schemas.openxmlformats.org/drawingml/2006/main" xmlns:r="http://schemas.openxmlformats.org/officeDocument/2006/relationships" xmlns:p14="http://schemas.microsoft.com/office/powerpoint/2010/main" xmlns:a14="http://schemas.microsoft.com/office/drawing/2010/main" xmlns:p15="http://schemas.microsoft.com/office/powerpoint/2012/main" xmlns:p159="http://schemas.microsoft.com/office/powerpoint/2015/09/main" xmlns:p="http://schemas.openxmlformats.org/presentationml/2006/main" type="objTx" preserve="1">
+<p:sldLayout xmlns:a="http://schemas.openxmlformats.org/drawingml/2006/main" xmlns:r="http://schemas.openxmlformats.org/officeDocument/2006/relationships" xmlns:m="http://schemas.openxmlformats.org/officeDocument/2006/math" xmlns:w="http://schemas.openxmlformats.org/wordprocessingml/2006/main" xmlns:wp="http://schemas.openxmlformats.org/drawingml/2006/wordprocessingDrawing" xmlns:a14="http://schemas.microsoft.com/office/drawing/2010/main" xmlns:mc="http://schemas.openxmlformats.org/markup-compatibility/2006" xmlns:p14="http://schemas.microsoft.com/office/powerpoint/2010/main" xmlns:p15="http://schemas.microsoft.com/office/powerpoint/2012/main" xmlns:p159="http://schemas.microsoft.com/office/powerpoint/2015/09/main" xmlns:p="http://schemas.openxmlformats.org/presentationml/2006/main" type="objTx" preserve="1">
   <p:cSld name="Content with Caption">
     <p:spTree>
       <p:nvGrpSpPr>
-        <p:cNvPr id="1" name=""/>
+        <p:cNvPr id="1" name="" title=""/>
         <p:cNvGrpSpPr/>
         <p:nvPr/>
       </p:nvGrpSpPr>
@@ -2522,7 +2522,7 @@
       </p:grpSpPr>
       <p:sp>
         <p:nvSpPr>
-          <p:cNvPr id="2" name="Title 1"/>
+          <p:cNvPr id="2" name="Title 1" title=""/>
           <p:cNvSpPr>
             <a:spLocks noGrp="1"/>
           </p:cNvSpPr>
@@ -2549,7 +2549,7 @@
       </p:sp>
       <p:sp>
         <p:nvSpPr>
-          <p:cNvPr id="3" name="Content Placeholder 2"/>
+          <p:cNvPr id="3" name="Content Placeholder 2" title=""/>
           <p:cNvSpPr>
             <a:spLocks noGrp="1"/>
           </p:cNvSpPr>
@@ -2628,7 +2628,7 @@
       </p:sp>
       <p:sp>
         <p:nvSpPr>
-          <p:cNvPr id="4" name="Text Placeholder 3"/>
+          <p:cNvPr id="4" name="Text Placeholder 3" title=""/>
           <p:cNvSpPr>
             <a:spLocks noGrp="1"/>
           </p:cNvSpPr>
@@ -2687,7 +2687,7 @@
       </p:sp>
       <p:sp>
         <p:nvSpPr>
-          <p:cNvPr id="5" name="Date Placeholder 4"/>
+          <p:cNvPr id="5" name="Date Placeholder 4" title=""/>
           <p:cNvSpPr>
             <a:spLocks noGrp="1"/>
           </p:cNvSpPr>
@@ -2700,7 +2700,7 @@
           <a:bodyPr/>
           <a:lstStyle/>
           <a:p>
-            <a:fld id="{09B961F5-A922-4CA5-911B-505A6C68B6A6}" type="datetimeFigureOut">
+            <a:fld id="{37355765-4534-4E44-B33E-ADA51703E3B4}" type="datetimeFigureOut">
               <a:rPr lang="en-US" smtClean="0"/>
               <a:t>11/7/2009</a:t>
             </a:fld>
@@ -2710,7 +2710,7 @@
       </p:sp>
       <p:sp>
         <p:nvSpPr>
-          <p:cNvPr id="6" name="Footer Placeholder 5"/>
+          <p:cNvPr id="6" name="Footer Placeholder 5" title=""/>
           <p:cNvSpPr>
             <a:spLocks noGrp="1"/>
           </p:cNvSpPr>
@@ -2729,7 +2729,7 @@
       </p:sp>
       <p:sp>
         <p:nvSpPr>
-          <p:cNvPr id="7" name="Slide Number Placeholder 6"/>
+          <p:cNvPr id="7" name="Slide Number Placeholder 6" title=""/>
           <p:cNvSpPr>
             <a:spLocks noGrp="1"/>
           </p:cNvSpPr>
@@ -2761,11 +2761,11 @@
 </file>
 
 <file path=ppt/slideLayouts/slideLayout9.xml><?xml version="1.0" encoding="utf-8"?>
-<p:sldLayout xmlns:a="http://schemas.openxmlformats.org/drawingml/2006/main" xmlns:r="http://schemas.openxmlformats.org/officeDocument/2006/relationships" xmlns:p14="http://schemas.microsoft.com/office/powerpoint/2010/main" xmlns:a14="http://schemas.microsoft.com/office/drawing/2010/main" xmlns:p15="http://schemas.microsoft.com/office/powerpoint/2012/main" xmlns:p159="http://schemas.microsoft.com/office/powerpoint/2015/09/main" xmlns:p="http://schemas.openxmlformats.org/presentationml/2006/main" type="picTx" preserve="1">
+<p:sldLayout xmlns:a="http://schemas.openxmlformats.org/drawingml/2006/main" xmlns:r="http://schemas.openxmlformats.org/officeDocument/2006/relationships" xmlns:m="http://schemas.openxmlformats.org/officeDocument/2006/math" xmlns:w="http://schemas.openxmlformats.org/wordprocessingml/2006/main" xmlns:wp="http://schemas.openxmlformats.org/drawingml/2006/wordprocessingDrawing" xmlns:a14="http://schemas.microsoft.com/office/drawing/2010/main" xmlns:mc="http://schemas.openxmlformats.org/markup-compatibility/2006" xmlns:p14="http://schemas.microsoft.com/office/powerpoint/2010/main" xmlns:p15="http://schemas.microsoft.com/office/powerpoint/2012/main" xmlns:p159="http://schemas.microsoft.com/office/powerpoint/2015/09/main" xmlns:p="http://schemas.openxmlformats.org/presentationml/2006/main" type="picTx" preserve="1">
   <p:cSld name="Picture with Caption">
     <p:spTree>
       <p:nvGrpSpPr>
-        <p:cNvPr id="1" name=""/>
+        <p:cNvPr id="1" name="" title=""/>
         <p:cNvGrpSpPr/>
         <p:nvPr/>
       </p:nvGrpSpPr>
@@ -2777,7 +2777,7 @@
       </p:grpSpPr>
       <p:sp>
         <p:nvSpPr>
-          <p:cNvPr id="2" name="Title 1"/>
+          <p:cNvPr id="2" name="Title 1" title=""/>
           <p:cNvSpPr>
             <a:spLocks noGrp="1"/>
           </p:cNvSpPr>
@@ -2804,7 +2804,7 @@
       </p:sp>
       <p:sp>
         <p:nvSpPr>
-          <p:cNvPr id="3" name="Picture Placeholder 2"/>
+          <p:cNvPr id="3" name="Picture Placeholder 2" title=""/>
           <p:cNvSpPr>
             <a:spLocks noGrp="1"/>
           </p:cNvSpPr>
@@ -2860,7 +2860,7 @@
       </p:sp>
       <p:sp>
         <p:nvSpPr>
-          <p:cNvPr id="4" name="Text Placeholder 3"/>
+          <p:cNvPr id="4" name="Text Placeholder 3" title=""/>
           <p:cNvSpPr>
             <a:spLocks noGrp="1"/>
           </p:cNvSpPr>
@@ -2919,7 +2919,7 @@
       </p:sp>
       <p:sp>
         <p:nvSpPr>
-          <p:cNvPr id="5" name="Date Placeholder 4"/>
+          <p:cNvPr id="5" name="Date Placeholder 4" title=""/>
           <p:cNvSpPr>
             <a:spLocks noGrp="1"/>
           </p:cNvSpPr>
@@ -2932,7 +2932,7 @@
           <a:bodyPr/>
           <a:lstStyle/>
           <a:p>
-            <a:fld id="{B1065B16-CD03-4E87-A051-237B4F21015C}" type="datetimeFigureOut">
+            <a:fld id="{C47E2F0C-8754-4013-9BA8-9FCD69DBE702}" type="datetimeFigureOut">
               <a:rPr lang="en-US" smtClean="0"/>
               <a:t>11/7/2009</a:t>
             </a:fld>
@@ -2942,7 +2942,7 @@
       </p:sp>
       <p:sp>
         <p:nvSpPr>
-          <p:cNvPr id="6" name="Footer Placeholder 5"/>
+          <p:cNvPr id="6" name="Footer Placeholder 5" title=""/>
           <p:cNvSpPr>
             <a:spLocks noGrp="1"/>
           </p:cNvSpPr>
@@ -2961,7 +2961,7 @@
       </p:sp>
       <p:sp>
         <p:nvSpPr>
-          <p:cNvPr id="7" name="Slide Number Placeholder 6"/>
+          <p:cNvPr id="7" name="Slide Number Placeholder 6" title=""/>
           <p:cNvSpPr>
             <a:spLocks noGrp="1"/>
           </p:cNvSpPr>
@@ -2993,7 +2993,7 @@
 </file>
 
 <file path=ppt/slideMasters/slideMaster1.xml><?xml version="1.0" encoding="utf-8"?>
-<p:sldMaster xmlns:a="http://schemas.openxmlformats.org/drawingml/2006/main" xmlns:r="http://schemas.openxmlformats.org/officeDocument/2006/relationships" xmlns:p14="http://schemas.microsoft.com/office/powerpoint/2010/main" xmlns:a14="http://schemas.microsoft.com/office/drawing/2010/main" xmlns:p15="http://schemas.microsoft.com/office/powerpoint/2012/main" xmlns:p159="http://schemas.microsoft.com/office/powerpoint/2015/09/main" xmlns:p="http://schemas.openxmlformats.org/presentationml/2006/main">
+<p:sldMaster xmlns:a="http://schemas.openxmlformats.org/drawingml/2006/main" xmlns:r="http://schemas.openxmlformats.org/officeDocument/2006/relationships" xmlns:m="http://schemas.openxmlformats.org/officeDocument/2006/math" xmlns:w="http://schemas.openxmlformats.org/wordprocessingml/2006/main" xmlns:wp="http://schemas.openxmlformats.org/drawingml/2006/wordprocessingDrawing" xmlns:a14="http://schemas.microsoft.com/office/drawing/2010/main" xmlns:mc="http://schemas.openxmlformats.org/markup-compatibility/2006" xmlns:p14="http://schemas.microsoft.com/office/powerpoint/2010/main" xmlns:p15="http://schemas.microsoft.com/office/powerpoint/2012/main" xmlns:p159="http://schemas.microsoft.com/office/powerpoint/2015/09/main" xmlns:p="http://schemas.openxmlformats.org/presentationml/2006/main">
   <p:cSld>
     <p:bg>
       <p:bgRef idx="1001">
@@ -3002,7 +3002,7 @@
     </p:bg>
     <p:spTree>
       <p:nvGrpSpPr>
-        <p:cNvPr id="1" name=""/>
+        <p:cNvPr id="1" name="" title=""/>
         <p:cNvGrpSpPr/>
         <p:nvPr/>
       </p:nvGrpSpPr>
@@ -3014,7 +3014,7 @@
       </p:grpSpPr>
       <p:sp>
         <p:nvSpPr>
-          <p:cNvPr id="2" name="Title Placeholder 1"/>
+          <p:cNvPr id="2" name="Title Placeholder 1" title=""/>
           <p:cNvSpPr>
             <a:spLocks noGrp="1"/>
           </p:cNvSpPr>
@@ -3047,7 +3047,7 @@
       </p:sp>
       <p:sp>
         <p:nvSpPr>
-          <p:cNvPr id="3" name="Text Placeholder 2"/>
+          <p:cNvPr id="3" name="Text Placeholder 2" title=""/>
           <p:cNvSpPr>
             <a:spLocks noGrp="1"/>
           </p:cNvSpPr>
@@ -3108,7 +3108,7 @@
       </p:sp>
       <p:sp>
         <p:nvSpPr>
-          <p:cNvPr id="4" name="Date Placeholder 3"/>
+          <p:cNvPr id="4" name="Date Placeholder 3" title=""/>
           <p:cNvSpPr>
             <a:spLocks noGrp="1"/>
           </p:cNvSpPr>
@@ -3149,7 +3149,7 @@
       </p:sp>
       <p:sp>
         <p:nvSpPr>
-          <p:cNvPr id="5" name="Footer Placeholder 4"/>
+          <p:cNvPr id="5" name="Footer Placeholder 4" title=""/>
           <p:cNvSpPr>
             <a:spLocks noGrp="1"/>
           </p:cNvSpPr>
@@ -3186,7 +3186,7 @@
       </p:sp>
       <p:sp>
         <p:nvSpPr>
-          <p:cNvPr id="6" name="Slide Number Placeholder 5"/>
+          <p:cNvPr id="6" name="Slide Number Placeholder 5" title=""/>
           <p:cNvSpPr>
             <a:spLocks noGrp="1"/>
           </p:cNvSpPr>
@@ -3497,11 +3497,11 @@
 </file>
 
 <file path=ppt/slides/slide1.xml><?xml version="1.0" encoding="utf-8"?>
-<p:sld xmlns:a="http://schemas.openxmlformats.org/drawingml/2006/main" xmlns:r="http://schemas.openxmlformats.org/officeDocument/2006/relationships" xmlns:p14="http://schemas.microsoft.com/office/powerpoint/2010/main" xmlns:a14="http://schemas.microsoft.com/office/drawing/2010/main" xmlns:p15="http://schemas.microsoft.com/office/powerpoint/2012/main" xmlns:p159="http://schemas.microsoft.com/office/powerpoint/2015/09/main" xmlns:p="http://schemas.openxmlformats.org/presentationml/2006/main">
+<p:sld xmlns:a="http://schemas.openxmlformats.org/drawingml/2006/main" xmlns:r="http://schemas.openxmlformats.org/officeDocument/2006/relationships" xmlns:m="http://schemas.openxmlformats.org/officeDocument/2006/math" xmlns:w="http://schemas.openxmlformats.org/wordprocessingml/2006/main" xmlns:wp="http://schemas.openxmlformats.org/drawingml/2006/wordprocessingDrawing" xmlns:a14="http://schemas.microsoft.com/office/drawing/2010/main" xmlns:mc="http://schemas.openxmlformats.org/markup-compatibility/2006" xmlns:p14="http://schemas.microsoft.com/office/powerpoint/2010/main" xmlns:p15="http://schemas.microsoft.com/office/powerpoint/2012/main" xmlns:p159="http://schemas.microsoft.com/office/powerpoint/2015/09/main" xmlns:p="http://schemas.openxmlformats.org/presentationml/2006/main">
   <p:cSld>
     <p:spTree>
       <p:nvGrpSpPr>
-        <p:cNvPr id="1" name=""/>
+        <p:cNvPr id="1" name="" title=""/>
         <p:cNvGrpSpPr/>
         <p:nvPr/>
       </p:nvGrpSpPr>
@@ -3513,7 +3513,7 @@
       </p:grpSpPr>
       <p:graphicFrame>
         <p:nvGraphicFramePr>
-          <p:cNvPr id="2" name="ChartObject"/>
+          <p:cNvPr id="2" name="ChartObject" title=""/>
           <p:cNvGraphicFramePr/>
           <p:nvPr/>
         </p:nvGraphicFramePr>
@@ -3527,9 +3527,80 @@
           </a:graphicData>
         </a:graphic>
       </p:graphicFrame>
+      <p:sp>
+        <p:nvSpPr>
+          <p:cNvPr id="3" name="TextBox"/>
+          <p:cNvSpPr txBox="1">
+            <a:spLocks noGrp="1" noSelect="1" noRot="1" noMove="1"/>
+          </p:cNvSpPr>
+          <p:nvPr/>
+        </p:nvSpPr>
+        <p:spPr>
+          <a:xfrm>
+            <a:off x="1366520" y="2644140"/>
+            <a:ext cx="6411372" cy="1569660"/>
+          </a:xfrm>
+          <a:prstGeom prst="rect">
+            <a:avLst/>
+          </a:prstGeom>
+          <a:noFill/>
+        </p:spPr>
+        <p:txBody>
+          <a:bodyPr wrap="none" rtlCol="0" anchor="ctr" anchorCtr="1">
+            <a:spAutoFit/>
+          </a:bodyPr>
+          <a:lstStyle>
+            <a:lvl1pPr algn="l">
+              <a:lnSpc>
+                <a:spcPct val="150000"/>
+              </a:lnSpc>
+              <a:spcBef>
+                <a:spcPct val="0"/>
+              </a:spcBef>
+              <a:spcAft>
+                <a:spcPct val="0"/>
+              </a:spcAft>
+              <a:defRPr lang="en-US" sz="3200" b="1" noProof="1">
+                <a:solidFill>
+                  <a:prstClr val="red">
+                    <a:lumOff val="30000"/>
+                    <a:alpha val="40000"/>
+                  </a:prstClr>
+                </a:solidFill>
+                <a:effectLst>
+                  <a:outerShdw blurRad="50800" dist="38100" algn="tr" rotWithShape="0">
+                    <a:prstClr val="black">
+                      <a:alpha val="80000"/>
+                    </a:prstClr>
+                  </a:outerShdw>
+                </a:effectLst>
+                <a:latin typeface="Calibri" pitchFamily="34" charset="0"/>
+              </a:defRPr>
+            </a:lvl1pPr>
+          </a:lstStyle>
+          <a:p>
+            <a:pPr algn="ctr"/>
+            <a:r>
+              <a:t>Evaluation only.</a:t>
+            </a:r>
+          </a:p>
+          <a:p>
+            <a:pPr algn="ctr"/>
+            <a:r>
+              <a:t>Created with Aspose.Slides for .NET 4.0 Client Profile 21.12.</a:t>
+            </a:r>
+          </a:p>
+          <a:p>
+            <a:pPr algn="ctr"/>
+            <a:r>
+              <a:t>Copyright 2004-2021Aspose Pty Ltd.</a:t>
+            </a:r>
+          </a:p>
+        </p:txBody>
+      </p:sp>
       <p:graphicFrame>
         <p:nvGraphicFramePr>
-          <p:cNvPr id="3" name="ChartObject"/>
+          <p:cNvPr id="4" name="ChartObject" title=""/>
           <p:cNvGraphicFramePr/>
           <p:nvPr/>
         </p:nvGraphicFramePr>
@@ -3543,6 +3614,77 @@
           </a:graphicData>
         </a:graphic>
       </p:graphicFrame>
+      <p:sp>
+        <p:nvSpPr>
+          <p:cNvPr id="5" name="TextBox"/>
+          <p:cNvSpPr txBox="1">
+            <a:spLocks noGrp="1" noSelect="1" noRot="1" noMove="1"/>
+          </p:cNvSpPr>
+          <p:nvPr/>
+        </p:nvSpPr>
+        <p:spPr>
+          <a:xfrm>
+            <a:off x="1366520" y="2644140"/>
+            <a:ext cx="6411372" cy="1569660"/>
+          </a:xfrm>
+          <a:prstGeom prst="rect">
+            <a:avLst/>
+          </a:prstGeom>
+          <a:noFill/>
+        </p:spPr>
+        <p:txBody>
+          <a:bodyPr wrap="none" rtlCol="0" anchor="ctr" anchorCtr="1">
+            <a:spAutoFit/>
+          </a:bodyPr>
+          <a:lstStyle>
+            <a:lvl1pPr algn="l">
+              <a:lnSpc>
+                <a:spcPct val="150000"/>
+              </a:lnSpc>
+              <a:spcBef>
+                <a:spcPct val="0"/>
+              </a:spcBef>
+              <a:spcAft>
+                <a:spcPct val="0"/>
+              </a:spcAft>
+              <a:defRPr lang="en-US" sz="3200" b="1" noProof="1" dirty="0">
+                <a:solidFill>
+                  <a:prstClr val="red">
+                    <a:lumOff val="30000"/>
+                    <a:alpha val="40000"/>
+                  </a:prstClr>
+                </a:solidFill>
+                <a:effectLst>
+                  <a:outerShdw blurRad="50800" dist="38100" algn="tr" rotWithShape="0">
+                    <a:prstClr val="black">
+                      <a:alpha val="80000"/>
+                    </a:prstClr>
+                  </a:outerShdw>
+                </a:effectLst>
+                <a:latin typeface="Calibri" pitchFamily="34" charset="0"/>
+              </a:defRPr>
+            </a:lvl1pPr>
+          </a:lstStyle>
+          <a:p>
+            <a:pPr algn="ctr"/>
+            <a:r>
+              <a:t>Evaluation only.</a:t>
+            </a:r>
+          </a:p>
+          <a:p>
+            <a:pPr algn="ctr"/>
+            <a:r>
+              <a:t>Created with Aspose.Slides for .NET 4.0 Client Profile 21.12.</a:t>
+            </a:r>
+          </a:p>
+          <a:p>
+            <a:pPr algn="ctr"/>
+            <a:r>
+              <a:t>Copyright 2004-2021Aspose Pty Ltd.</a:t>
+            </a:r>
+          </a:p>
+        </p:txBody>
+      </p:sp>
     </p:spTree>
   </p:cSld>
   <p:clrMapOvr>
@@ -3556,10 +3698,10 @@
 <file path=ppt/tags/tag1.xml><?xml version="1.0" encoding="utf-8"?>
 <p:tagLst xmlns:p="http://schemas.openxmlformats.org/presentationml/2006/main">
   <p:tag name="AS_NET" val="4.0.30319.42000"/>
-  <p:tag name="AS_OS" val="Microsoft Windows NT 6.2.9200.0"/>
-  <p:tag name="AS_RELEASE_DATE" val="2019.06.14"/>
+  <p:tag name="AS_OS" val="Microsoft Windows NT 6.3.9600.0"/>
+  <p:tag name="AS_RELEASE_DATE" val="2021.12.14"/>
   <p:tag name="AS_TITLE" val="Aspose.Slides for .NET 4.0 Client Profile"/>
-  <p:tag name="AS_VERSION" val="19.6"/>
+  <p:tag name="AS_VERSION" val="21.12"/>
 </p:tagLst>
 </file>
 
